--- a/lecture-presentations/2019-01-15.pptx
+++ b/lecture-presentations/2019-01-15.pptx
@@ -5,7 +5,7 @@
     <p:sldMasterId id="2147483648" r:id="rId1"/>
   </p:sldMasterIdLst>
   <p:notesMasterIdLst>
-    <p:notesMasterId r:id="rId37"/>
+    <p:notesMasterId r:id="rId19"/>
   </p:notesMasterIdLst>
   <p:sldIdLst>
     <p:sldId id="305" r:id="rId2"/>
@@ -16,33 +16,15 @@
     <p:sldId id="261" r:id="rId7"/>
     <p:sldId id="262" r:id="rId8"/>
     <p:sldId id="264" r:id="rId9"/>
-    <p:sldId id="311" r:id="rId10"/>
-    <p:sldId id="503" r:id="rId11"/>
-    <p:sldId id="313" r:id="rId12"/>
-    <p:sldId id="511" r:id="rId13"/>
-    <p:sldId id="315" r:id="rId14"/>
-    <p:sldId id="271" r:id="rId15"/>
-    <p:sldId id="257" r:id="rId16"/>
-    <p:sldId id="504" r:id="rId17"/>
-    <p:sldId id="258" r:id="rId18"/>
-    <p:sldId id="505" r:id="rId19"/>
-    <p:sldId id="506" r:id="rId20"/>
-    <p:sldId id="507" r:id="rId21"/>
-    <p:sldId id="508" r:id="rId22"/>
-    <p:sldId id="509" r:id="rId23"/>
-    <p:sldId id="273" r:id="rId24"/>
-    <p:sldId id="282" r:id="rId25"/>
-    <p:sldId id="274" r:id="rId26"/>
-    <p:sldId id="284" r:id="rId27"/>
-    <p:sldId id="279" r:id="rId28"/>
-    <p:sldId id="283" r:id="rId29"/>
-    <p:sldId id="277" r:id="rId30"/>
-    <p:sldId id="266" r:id="rId31"/>
-    <p:sldId id="278" r:id="rId32"/>
-    <p:sldId id="269" r:id="rId33"/>
-    <p:sldId id="270" r:id="rId34"/>
-    <p:sldId id="510" r:id="rId35"/>
-    <p:sldId id="303" r:id="rId36"/>
+    <p:sldId id="513" r:id="rId10"/>
+    <p:sldId id="419" r:id="rId11"/>
+    <p:sldId id="311" r:id="rId12"/>
+    <p:sldId id="514" r:id="rId13"/>
+    <p:sldId id="503" r:id="rId14"/>
+    <p:sldId id="313" r:id="rId15"/>
+    <p:sldId id="515" r:id="rId16"/>
+    <p:sldId id="315" r:id="rId17"/>
+    <p:sldId id="271" r:id="rId18"/>
   </p:sldIdLst>
   <p:sldSz cx="12192000" cy="6858000"/>
   <p:notesSz cx="6858000" cy="9144000"/>
@@ -231,7 +213,7 @@
           <a:p>
             <a:fld id="{A677DEB0-5AA4-49C7-B0AD-AD047A002C4C}" type="datetimeFigureOut">
               <a:rPr lang="en-US" smtClean="0"/>
-              <a:t>1/15/2019</a:t>
+              <a:t>1/16/2019</a:t>
             </a:fld>
             <a:endParaRPr lang="en-US"/>
           </a:p>
@@ -626,7 +608,106 @@
           <a:bodyPr/>
           <a:lstStyle/>
           <a:p>
-            <a:endParaRPr lang="en-US" sz="1000" dirty="0"/>
+            <a:pPr marL="440695" indent="-440695">
+              <a:spcBef>
+                <a:spcPts val="578"/>
+              </a:spcBef>
+              <a:buFont typeface="+mj-lt"/>
+              <a:buAutoNum type="arabicPeriod"/>
+            </a:pPr>
+            <a:r>
+              <a:rPr lang="en-US" sz="1700" dirty="0"/>
+              <a:t>As a </a:t>
+            </a:r>
+            <a:r>
+              <a:rPr lang="en-US" sz="1700" u="sng" dirty="0"/>
+              <a:t>Class</a:t>
+            </a:r>
+            <a:r>
+              <a:rPr lang="en-US" sz="1700" dirty="0"/>
+              <a:t> commit each </a:t>
+            </a:r>
+            <a:r>
+              <a:rPr lang="en-US" sz="1700" u="sng" dirty="0"/>
+              <a:t>Team</a:t>
+            </a:r>
+            <a:r>
+              <a:rPr lang="en-US" sz="1700" dirty="0"/>
+              <a:t> to research, discuss, and present at least one of the following topics:</a:t>
+            </a:r>
+          </a:p>
+          <a:p>
+            <a:pPr marL="771216" lvl="1" indent="-330521">
+              <a:buFont typeface="+mj-lt"/>
+              <a:buAutoNum type="alphaLcParenR"/>
+            </a:pPr>
+            <a:r>
+              <a:rPr lang="en-US" sz="1300" dirty="0"/>
+              <a:t>Databases on Azure including “Azure tables vs Azure MongoDB vs Azure other DBs”**</a:t>
+            </a:r>
+          </a:p>
+          <a:p>
+            <a:pPr marL="771216" lvl="1" indent="-330521">
+              <a:buFont typeface="+mj-lt"/>
+              <a:buAutoNum type="alphaLcParenR"/>
+            </a:pPr>
+            <a:r>
+              <a:rPr lang="en-US" sz="1300" dirty="0"/>
+              <a:t>Cloud/Azure based Authentication/Authorization services and who they could be integrated into a NodeJS based application*</a:t>
+            </a:r>
+          </a:p>
+          <a:p>
+            <a:pPr marL="771216" lvl="1" indent="-330521">
+              <a:buFont typeface="+mj-lt"/>
+              <a:buAutoNum type="alphaLcParenR"/>
+            </a:pPr>
+            <a:r>
+              <a:rPr lang="en-US" sz="1300" dirty="0"/>
+              <a:t>JavaScript and NodeJS  with a focus on Azure and including the best Internet based tutorials and/or books on the topic</a:t>
+            </a:r>
+          </a:p>
+          <a:p>
+            <a:pPr marL="771216" lvl="1" indent="-330521">
+              <a:buFont typeface="+mj-lt"/>
+              <a:buAutoNum type="alphaLcParenR"/>
+            </a:pPr>
+            <a:r>
+              <a:rPr lang="en-US" sz="1300" dirty="0"/>
+              <a:t>SaaS Frameworks including “MEAN vs LAMP vs Ruby on Rails”</a:t>
+            </a:r>
+          </a:p>
+          <a:p>
+            <a:pPr marL="771216" lvl="1" indent="-330521">
+              <a:buFont typeface="+mj-lt"/>
+              <a:buAutoNum type="alphaLcParenR"/>
+            </a:pPr>
+            <a:r>
+              <a:rPr lang="en-US" sz="1300" dirty="0"/>
+              <a:t>Service Oriented Architectures including “Web Services and SOAP/WSAD vs REST vs Sockets”</a:t>
+            </a:r>
+          </a:p>
+          <a:p>
+            <a:pPr marL="771216" lvl="1" indent="-330521">
+              <a:buFont typeface="+mj-lt"/>
+              <a:buAutoNum type="alphaLcParenR"/>
+            </a:pPr>
+            <a:r>
+              <a:rPr lang="en-US" sz="1300" dirty="0"/>
+              <a:t>SaaS Client Frameworks including “HTML/JavaScript vs AngularJS vs Angular2 vs React vs others”</a:t>
+            </a:r>
+          </a:p>
+          <a:p>
+            <a:pPr marL="771216" lvl="1" indent="-330521">
+              <a:buFont typeface="+mj-lt"/>
+              <a:buAutoNum type="alphaLcParenR"/>
+            </a:pPr>
+            <a:r>
+              <a:rPr lang="en-US" sz="1300" dirty="0"/>
+              <a:t>File Formats including “HTML vs XML vs JSON vs Key/Value Pair Text Files”</a:t>
+            </a:r>
+          </a:p>
+          <a:p>
+            <a:endParaRPr lang="en-US" dirty="0"/>
           </a:p>
         </p:txBody>
       </p:sp>
@@ -645,18 +726,18 @@
           <a:bodyPr/>
           <a:lstStyle/>
           <a:p>
-            <a:fld id="{5394DE12-7B9B-46AA-AC19-C30A49928B9B}" type="slidenum">
+            <a:fld id="{23B99BB9-C7F6-43B3-A122-46088ABB36FB}" type="slidenum">
               <a:rPr lang="en-US" smtClean="0"/>
-              <a:t>11</a:t>
+              <a:t>12</a:t>
             </a:fld>
-            <a:endParaRPr lang="en-US" dirty="0"/>
+            <a:endParaRPr lang="en-US"/>
           </a:p>
         </p:txBody>
       </p:sp>
     </p:spTree>
     <p:extLst>
       <p:ext uri="{BB962C8B-B14F-4D97-AF65-F5344CB8AC3E}">
-        <p14:creationId xmlns:p14="http://schemas.microsoft.com/office/powerpoint/2010/main" val="14327604"/>
+        <p14:creationId xmlns:p14="http://schemas.microsoft.com/office/powerpoint/2010/main" val="86802455"/>
       </p:ext>
     </p:extLst>
   </p:cSld>
@@ -710,7 +791,7 @@
           <a:bodyPr/>
           <a:lstStyle/>
           <a:p>
-            <a:endParaRPr lang="en-US" sz="1000" dirty="0"/>
+            <a:endParaRPr lang="en-US" dirty="0"/>
           </a:p>
         </p:txBody>
       </p:sp>
@@ -729,18 +810,18 @@
           <a:bodyPr/>
           <a:lstStyle/>
           <a:p>
-            <a:fld id="{5394DE12-7B9B-46AA-AC19-C30A49928B9B}" type="slidenum">
+            <a:fld id="{23B99BB9-C7F6-43B3-A122-46088ABB36FB}" type="slidenum">
               <a:rPr lang="en-US" smtClean="0"/>
               <a:t>13</a:t>
             </a:fld>
-            <a:endParaRPr lang="en-US" dirty="0"/>
+            <a:endParaRPr lang="en-US"/>
           </a:p>
         </p:txBody>
       </p:sp>
     </p:spTree>
     <p:extLst>
       <p:ext uri="{BB962C8B-B14F-4D97-AF65-F5344CB8AC3E}">
-        <p14:creationId xmlns:p14="http://schemas.microsoft.com/office/powerpoint/2010/main" val="2420980982"/>
+        <p14:creationId xmlns:p14="http://schemas.microsoft.com/office/powerpoint/2010/main" val="3791908270"/>
       </p:ext>
     </p:extLst>
   </p:cSld>
@@ -794,7 +875,7 @@
           <a:bodyPr/>
           <a:lstStyle/>
           <a:p>
-            <a:endParaRPr lang="en-US" dirty="0"/>
+            <a:endParaRPr lang="en-US" sz="1000" dirty="0"/>
           </a:p>
         </p:txBody>
       </p:sp>
@@ -824,7 +905,7 @@
     </p:spTree>
     <p:extLst>
       <p:ext uri="{BB962C8B-B14F-4D97-AF65-F5344CB8AC3E}">
-        <p14:creationId xmlns:p14="http://schemas.microsoft.com/office/powerpoint/2010/main" val="3355459141"/>
+        <p14:creationId xmlns:p14="http://schemas.microsoft.com/office/powerpoint/2010/main" val="14327604"/>
       </p:ext>
     </p:extLst>
   </p:cSld>
@@ -879,26 +960,16 @@
           <a:lstStyle/>
           <a:p>
             <a:r>
-              <a:rPr lang="en-US" dirty="0"/>
-              <a:t>*Your opportunity to give introductions will come after the syllabus overview.</a:t>
-            </a:r>
-          </a:p>
-          <a:p>
-            <a:endParaRPr lang="en-US" dirty="0"/>
-          </a:p>
-          <a:p>
-            <a:r>
-              <a:rPr lang="en-US" dirty="0"/>
-              <a:t>I would like to start our Lab time around 1:45 today… please help me keep us on track.</a:t>
-            </a:r>
-          </a:p>
-          <a:p>
-            <a:endParaRPr lang="en-US" dirty="0"/>
-          </a:p>
-          <a:p>
-            <a:r>
-              <a:rPr lang="en-US" dirty="0"/>
-              <a:t>We will optionally take a 10 minute break at some point.</a:t>
+              <a:rPr lang="en-US" sz="1000" dirty="0"/>
+              <a:t>Adding </a:t>
+            </a:r>
+            <a:r>
+              <a:rPr lang="en-US" sz="1000" dirty="0" err="1"/>
+              <a:t>javac</a:t>
+            </a:r>
+            <a:r>
+              <a:rPr lang="en-US" sz="1000" dirty="0"/>
+              <a:t> to path – https://www.java.com/en/download/help/path.xml</a:t>
             </a:r>
           </a:p>
         </p:txBody>
@@ -918,7 +989,7 @@
           <a:bodyPr/>
           <a:lstStyle/>
           <a:p>
-            <a:fld id="{23B99BB9-C7F6-43B3-A122-46088ABB36FB}" type="slidenum">
+            <a:fld id="{5394DE12-7B9B-46AA-AC19-C30A49928B9B}" type="slidenum">
               <a:rPr lang="en-US" smtClean="0"/>
               <a:t>15</a:t>
             </a:fld>
@@ -929,7 +1000,7 @@
     </p:spTree>
     <p:extLst>
       <p:ext uri="{BB962C8B-B14F-4D97-AF65-F5344CB8AC3E}">
-        <p14:creationId xmlns:p14="http://schemas.microsoft.com/office/powerpoint/2010/main" val="1283605366"/>
+        <p14:creationId xmlns:p14="http://schemas.microsoft.com/office/powerpoint/2010/main" val="1901665943"/>
       </p:ext>
     </p:extLst>
   </p:cSld>
@@ -983,7 +1054,7 @@
           <a:bodyPr/>
           <a:lstStyle/>
           <a:p>
-            <a:endParaRPr lang="en-US" dirty="0"/>
+            <a:endParaRPr lang="en-US" sz="1000" dirty="0"/>
           </a:p>
         </p:txBody>
       </p:sp>
@@ -1002,18 +1073,18 @@
           <a:bodyPr/>
           <a:lstStyle/>
           <a:p>
-            <a:fld id="{23B99BB9-C7F6-43B3-A122-46088ABB36FB}" type="slidenum">
+            <a:fld id="{5394DE12-7B9B-46AA-AC19-C30A49928B9B}" type="slidenum">
               <a:rPr lang="en-US" smtClean="0"/>
               <a:t>16</a:t>
             </a:fld>
-            <a:endParaRPr lang="en-US"/>
+            <a:endParaRPr lang="en-US" dirty="0"/>
           </a:p>
         </p:txBody>
       </p:sp>
     </p:spTree>
     <p:extLst>
       <p:ext uri="{BB962C8B-B14F-4D97-AF65-F5344CB8AC3E}">
-        <p14:creationId xmlns:p14="http://schemas.microsoft.com/office/powerpoint/2010/main" val="3900269546"/>
+        <p14:creationId xmlns:p14="http://schemas.microsoft.com/office/powerpoint/2010/main" val="2420980982"/>
       </p:ext>
     </p:extLst>
   </p:cSld>
@@ -1067,108 +1138,6 @@
           <a:bodyPr/>
           <a:lstStyle/>
           <a:p>
-            <a:r>
-              <a:rPr lang="en-US" sz="1200" dirty="0"/>
-              <a:t>This was kind of “hippy-</a:t>
-            </a:r>
-            <a:r>
-              <a:rPr lang="en-US" sz="1200" dirty="0" err="1"/>
-              <a:t>ish</a:t>
-            </a:r>
-            <a:r>
-              <a:rPr lang="en-US" sz="1200" dirty="0"/>
-              <a:t>” and egalitarian in its day… quite controversial in its day</a:t>
-            </a:r>
-          </a:p>
-          <a:p>
-            <a:r>
-              <a:rPr lang="en-US" sz="1200" dirty="0"/>
-              <a:t>“Everyone is a team member and is responsible for the work getting done”… we don’t need no titles or positions… self-organizing… we will make our own commitments… transparency (let’s share the information)… flexible/organic teams, organic architecture (minimal documentation/standards)… no contracts (let’s talk it over)</a:t>
-            </a:r>
-          </a:p>
-          <a:p>
-            <a:endParaRPr lang="en-US" sz="1200" dirty="0"/>
-          </a:p>
-          <a:p>
-            <a:r>
-              <a:rPr lang="en-US" sz="1200" dirty="0"/>
-              <a:t>The flip side:</a:t>
-            </a:r>
-          </a:p>
-          <a:p>
-            <a:pPr marL="171450" indent="-171450">
-              <a:buFont typeface="Arial" panose="020B0604020202020204" pitchFamily="34" charset="0"/>
-              <a:buChar char="•"/>
-            </a:pPr>
-            <a:r>
-              <a:rPr lang="en-US" sz="1200" dirty="0"/>
-              <a:t>We will actively and voluntarily play important roles on our team</a:t>
-            </a:r>
-          </a:p>
-          <a:p>
-            <a:pPr marL="171450" indent="-171450">
-              <a:buFont typeface="Arial" panose="020B0604020202020204" pitchFamily="34" charset="0"/>
-              <a:buChar char="•"/>
-            </a:pPr>
-            <a:r>
-              <a:rPr lang="en-US" sz="1200" dirty="0"/>
-              <a:t>The rules (rituals) that we do have… we WILL follow</a:t>
-            </a:r>
-          </a:p>
-          <a:p>
-            <a:pPr marL="171450" indent="-171450">
-              <a:buFont typeface="Arial" panose="020B0604020202020204" pitchFamily="34" charset="0"/>
-              <a:buChar char="•"/>
-            </a:pPr>
-            <a:r>
-              <a:rPr lang="en-US" sz="1200" dirty="0"/>
-              <a:t>We will create, demo, and release working software/products</a:t>
-            </a:r>
-          </a:p>
-          <a:p>
-            <a:pPr marL="171450" indent="-171450">
-              <a:buFont typeface="Arial" panose="020B0604020202020204" pitchFamily="34" charset="0"/>
-              <a:buChar char="•"/>
-            </a:pPr>
-            <a:r>
-              <a:rPr lang="en-US" sz="1200" dirty="0"/>
-              <a:t>We will utilize practical processes, tools, documentation, and planning</a:t>
-            </a:r>
-          </a:p>
-          <a:p>
-            <a:pPr marL="171450" indent="-171450">
-              <a:buFont typeface="Arial" panose="020B0604020202020204" pitchFamily="34" charset="0"/>
-              <a:buChar char="•"/>
-            </a:pPr>
-            <a:r>
-              <a:rPr lang="en-US" sz="1200" dirty="0"/>
-              <a:t>When we make commitments, we will live up to those commitments… as a team (“No winners on a losing team, and no losers on a winning team”)</a:t>
-            </a:r>
-          </a:p>
-          <a:p>
-            <a:pPr marL="171450" indent="-171450">
-              <a:buFont typeface="Arial" panose="020B0604020202020204" pitchFamily="34" charset="0"/>
-              <a:buChar char="•"/>
-            </a:pPr>
-            <a:r>
-              <a:rPr lang="en-US" sz="1200" dirty="0"/>
-              <a:t>We will be responsive and continuously improve (Retrospectives)</a:t>
-            </a:r>
-          </a:p>
-          <a:p>
-            <a:pPr marL="171450" indent="-171450">
-              <a:buFont typeface="Arial" panose="020B0604020202020204" pitchFamily="34" charset="0"/>
-              <a:buChar char="•"/>
-            </a:pPr>
-            <a:r>
-              <a:rPr lang="en-US" sz="1200" dirty="0"/>
-              <a:t>We will be transparent with how WE work and share our information</a:t>
-            </a:r>
-          </a:p>
-          <a:p>
-            <a:endParaRPr lang="en-US" sz="1200" dirty="0"/>
-          </a:p>
-          <a:p>
             <a:endParaRPr lang="en-US" dirty="0"/>
           </a:p>
         </p:txBody>
@@ -1188,388 +1157,18 @@
           <a:bodyPr/>
           <a:lstStyle/>
           <a:p>
-            <a:fld id="{23B99BB9-C7F6-43B3-A122-46088ABB36FB}" type="slidenum">
+            <a:fld id="{5394DE12-7B9B-46AA-AC19-C30A49928B9B}" type="slidenum">
               <a:rPr lang="en-US" smtClean="0"/>
               <a:t>17</a:t>
             </a:fld>
-            <a:endParaRPr lang="en-US"/>
+            <a:endParaRPr lang="en-US" dirty="0"/>
           </a:p>
         </p:txBody>
       </p:sp>
     </p:spTree>
     <p:extLst>
       <p:ext uri="{BB962C8B-B14F-4D97-AF65-F5344CB8AC3E}">
-        <p14:creationId xmlns:p14="http://schemas.microsoft.com/office/powerpoint/2010/main" val="1536471594"/>
-      </p:ext>
-    </p:extLst>
-  </p:cSld>
-  <p:clrMapOvr>
-    <a:masterClrMapping/>
-  </p:clrMapOvr>
-</p:notes>
-</file>
-
-<file path=ppt/notesSlides/notesSlide16.xml><?xml version="1.0" encoding="utf-8"?>
-<p:notes xmlns:a="http://schemas.openxmlformats.org/drawingml/2006/main" xmlns:r="http://schemas.openxmlformats.org/officeDocument/2006/relationships" xmlns:p="http://schemas.openxmlformats.org/presentationml/2006/main">
-  <p:cSld>
-    <p:spTree>
-      <p:nvGrpSpPr>
-        <p:cNvPr id="1" name=""/>
-        <p:cNvGrpSpPr/>
-        <p:nvPr/>
-      </p:nvGrpSpPr>
-      <p:grpSpPr>
-        <a:xfrm>
-          <a:off x="0" y="0"/>
-          <a:ext cx="0" cy="0"/>
-          <a:chOff x="0" y="0"/>
-          <a:chExt cx="0" cy="0"/>
-        </a:xfrm>
-      </p:grpSpPr>
-      <p:sp>
-        <p:nvSpPr>
-          <p:cNvPr id="2" name="Slide Image Placeholder 1"/>
-          <p:cNvSpPr>
-            <a:spLocks noGrp="1" noRot="1" noChangeAspect="1"/>
-          </p:cNvSpPr>
-          <p:nvPr>
-            <p:ph type="sldImg"/>
-          </p:nvPr>
-        </p:nvSpPr>
-        <p:spPr/>
-      </p:sp>
-      <p:sp>
-        <p:nvSpPr>
-          <p:cNvPr id="3" name="Notes Placeholder 2"/>
-          <p:cNvSpPr>
-            <a:spLocks noGrp="1"/>
-          </p:cNvSpPr>
-          <p:nvPr>
-            <p:ph type="body" idx="1"/>
-          </p:nvPr>
-        </p:nvSpPr>
-        <p:spPr/>
-        <p:txBody>
-          <a:bodyPr/>
-          <a:lstStyle/>
-          <a:p>
-            <a:r>
-              <a:rPr lang="en-US" sz="1000" dirty="0"/>
-              <a:t>Hand out name tags and introduction forms before Syllabus Overview</a:t>
-            </a:r>
-          </a:p>
-        </p:txBody>
-      </p:sp>
-      <p:sp>
-        <p:nvSpPr>
-          <p:cNvPr id="4" name="Slide Number Placeholder 3"/>
-          <p:cNvSpPr>
-            <a:spLocks noGrp="1"/>
-          </p:cNvSpPr>
-          <p:nvPr>
-            <p:ph type="sldNum" sz="quarter" idx="10"/>
-          </p:nvPr>
-        </p:nvSpPr>
-        <p:spPr/>
-        <p:txBody>
-          <a:bodyPr/>
-          <a:lstStyle/>
-          <a:p>
-            <a:fld id="{23B99BB9-C7F6-43B3-A122-46088ABB36FB}" type="slidenum">
-              <a:rPr lang="en-US" smtClean="0"/>
-              <a:t>18</a:t>
-            </a:fld>
-            <a:endParaRPr lang="en-US"/>
-          </a:p>
-        </p:txBody>
-      </p:sp>
-    </p:spTree>
-    <p:extLst>
-      <p:ext uri="{BB962C8B-B14F-4D97-AF65-F5344CB8AC3E}">
-        <p14:creationId xmlns:p14="http://schemas.microsoft.com/office/powerpoint/2010/main" val="2400084867"/>
-      </p:ext>
-    </p:extLst>
-  </p:cSld>
-  <p:clrMapOvr>
-    <a:masterClrMapping/>
-  </p:clrMapOvr>
-</p:notes>
-</file>
-
-<file path=ppt/notesSlides/notesSlide17.xml><?xml version="1.0" encoding="utf-8"?>
-<p:notes xmlns:a="http://schemas.openxmlformats.org/drawingml/2006/main" xmlns:r="http://schemas.openxmlformats.org/officeDocument/2006/relationships" xmlns:p="http://schemas.openxmlformats.org/presentationml/2006/main">
-  <p:cSld>
-    <p:spTree>
-      <p:nvGrpSpPr>
-        <p:cNvPr id="1" name=""/>
-        <p:cNvGrpSpPr/>
-        <p:nvPr/>
-      </p:nvGrpSpPr>
-      <p:grpSpPr>
-        <a:xfrm>
-          <a:off x="0" y="0"/>
-          <a:ext cx="0" cy="0"/>
-          <a:chOff x="0" y="0"/>
-          <a:chExt cx="0" cy="0"/>
-        </a:xfrm>
-      </p:grpSpPr>
-      <p:sp>
-        <p:nvSpPr>
-          <p:cNvPr id="2" name="Slide Image Placeholder 1"/>
-          <p:cNvSpPr>
-            <a:spLocks noGrp="1" noRot="1" noChangeAspect="1"/>
-          </p:cNvSpPr>
-          <p:nvPr>
-            <p:ph type="sldImg"/>
-          </p:nvPr>
-        </p:nvSpPr>
-        <p:spPr/>
-      </p:sp>
-      <p:sp>
-        <p:nvSpPr>
-          <p:cNvPr id="3" name="Notes Placeholder 2"/>
-          <p:cNvSpPr>
-            <a:spLocks noGrp="1"/>
-          </p:cNvSpPr>
-          <p:nvPr>
-            <p:ph type="body" idx="1"/>
-          </p:nvPr>
-        </p:nvSpPr>
-        <p:spPr/>
-        <p:txBody>
-          <a:bodyPr/>
-          <a:lstStyle/>
-          <a:p>
-            <a:r>
-              <a:rPr lang="en-US" dirty="0"/>
-              <a:t>Remind me to tell you a story about Bob Parsons who I worked for at Parsons Technology when we get to the section on DNS… Domain Name Services</a:t>
-            </a:r>
-          </a:p>
-        </p:txBody>
-      </p:sp>
-      <p:sp>
-        <p:nvSpPr>
-          <p:cNvPr id="4" name="Slide Number Placeholder 3"/>
-          <p:cNvSpPr>
-            <a:spLocks noGrp="1"/>
-          </p:cNvSpPr>
-          <p:nvPr>
-            <p:ph type="sldNum" sz="quarter" idx="10"/>
-          </p:nvPr>
-        </p:nvSpPr>
-        <p:spPr/>
-        <p:txBody>
-          <a:bodyPr/>
-          <a:lstStyle/>
-          <a:p>
-            <a:fld id="{23B99BB9-C7F6-43B3-A122-46088ABB36FB}" type="slidenum">
-              <a:rPr lang="en-US" smtClean="0"/>
-              <a:t>19</a:t>
-            </a:fld>
-            <a:endParaRPr lang="en-US"/>
-          </a:p>
-        </p:txBody>
-      </p:sp>
-    </p:spTree>
-    <p:extLst>
-      <p:ext uri="{BB962C8B-B14F-4D97-AF65-F5344CB8AC3E}">
-        <p14:creationId xmlns:p14="http://schemas.microsoft.com/office/powerpoint/2010/main" val="644302843"/>
-      </p:ext>
-    </p:extLst>
-  </p:cSld>
-  <p:clrMapOvr>
-    <a:masterClrMapping/>
-  </p:clrMapOvr>
-</p:notes>
-</file>
-
-<file path=ppt/notesSlides/notesSlide18.xml><?xml version="1.0" encoding="utf-8"?>
-<p:notes xmlns:a="http://schemas.openxmlformats.org/drawingml/2006/main" xmlns:r="http://schemas.openxmlformats.org/officeDocument/2006/relationships" xmlns:p="http://schemas.openxmlformats.org/presentationml/2006/main">
-  <p:cSld>
-    <p:spTree>
-      <p:nvGrpSpPr>
-        <p:cNvPr id="1" name=""/>
-        <p:cNvGrpSpPr/>
-        <p:nvPr/>
-      </p:nvGrpSpPr>
-      <p:grpSpPr>
-        <a:xfrm>
-          <a:off x="0" y="0"/>
-          <a:ext cx="0" cy="0"/>
-          <a:chOff x="0" y="0"/>
-          <a:chExt cx="0" cy="0"/>
-        </a:xfrm>
-      </p:grpSpPr>
-      <p:sp>
-        <p:nvSpPr>
-          <p:cNvPr id="2" name="Slide Image Placeholder 1"/>
-          <p:cNvSpPr>
-            <a:spLocks noGrp="1" noRot="1" noChangeAspect="1"/>
-          </p:cNvSpPr>
-          <p:nvPr>
-            <p:ph type="sldImg"/>
-          </p:nvPr>
-        </p:nvSpPr>
-        <p:spPr/>
-      </p:sp>
-      <p:sp>
-        <p:nvSpPr>
-          <p:cNvPr id="3" name="Notes Placeholder 2"/>
-          <p:cNvSpPr>
-            <a:spLocks noGrp="1"/>
-          </p:cNvSpPr>
-          <p:nvPr>
-            <p:ph type="body" idx="1"/>
-          </p:nvPr>
-        </p:nvSpPr>
-        <p:spPr/>
-        <p:txBody>
-          <a:bodyPr/>
-          <a:lstStyle/>
-          <a:p>
-            <a:endParaRPr lang="en-US" dirty="0"/>
-          </a:p>
-        </p:txBody>
-      </p:sp>
-      <p:sp>
-        <p:nvSpPr>
-          <p:cNvPr id="4" name="Slide Number Placeholder 3"/>
-          <p:cNvSpPr>
-            <a:spLocks noGrp="1"/>
-          </p:cNvSpPr>
-          <p:nvPr>
-            <p:ph type="sldNum" sz="quarter" idx="10"/>
-          </p:nvPr>
-        </p:nvSpPr>
-        <p:spPr/>
-        <p:txBody>
-          <a:bodyPr/>
-          <a:lstStyle/>
-          <a:p>
-            <a:fld id="{23B99BB9-C7F6-43B3-A122-46088ABB36FB}" type="slidenum">
-              <a:rPr lang="en-US" smtClean="0"/>
-              <a:t>21</a:t>
-            </a:fld>
-            <a:endParaRPr lang="en-US"/>
-          </a:p>
-        </p:txBody>
-      </p:sp>
-    </p:spTree>
-    <p:extLst>
-      <p:ext uri="{BB962C8B-B14F-4D97-AF65-F5344CB8AC3E}">
-        <p14:creationId xmlns:p14="http://schemas.microsoft.com/office/powerpoint/2010/main" val="2315836562"/>
-      </p:ext>
-    </p:extLst>
-  </p:cSld>
-  <p:clrMapOvr>
-    <a:masterClrMapping/>
-  </p:clrMapOvr>
-</p:notes>
-</file>
-
-<file path=ppt/notesSlides/notesSlide19.xml><?xml version="1.0" encoding="utf-8"?>
-<p:notes xmlns:a="http://schemas.openxmlformats.org/drawingml/2006/main" xmlns:r="http://schemas.openxmlformats.org/officeDocument/2006/relationships" xmlns:p="http://schemas.openxmlformats.org/presentationml/2006/main">
-  <p:cSld>
-    <p:spTree>
-      <p:nvGrpSpPr>
-        <p:cNvPr id="1" name=""/>
-        <p:cNvGrpSpPr/>
-        <p:nvPr/>
-      </p:nvGrpSpPr>
-      <p:grpSpPr>
-        <a:xfrm>
-          <a:off x="0" y="0"/>
-          <a:ext cx="0" cy="0"/>
-          <a:chOff x="0" y="0"/>
-          <a:chExt cx="0" cy="0"/>
-        </a:xfrm>
-      </p:grpSpPr>
-      <p:sp>
-        <p:nvSpPr>
-          <p:cNvPr id="2" name="Slide Image Placeholder 1"/>
-          <p:cNvSpPr>
-            <a:spLocks noGrp="1" noRot="1" noChangeAspect="1"/>
-          </p:cNvSpPr>
-          <p:nvPr>
-            <p:ph type="sldImg"/>
-          </p:nvPr>
-        </p:nvSpPr>
-        <p:spPr/>
-      </p:sp>
-      <p:sp>
-        <p:nvSpPr>
-          <p:cNvPr id="3" name="Notes Placeholder 2"/>
-          <p:cNvSpPr>
-            <a:spLocks noGrp="1"/>
-          </p:cNvSpPr>
-          <p:nvPr>
-            <p:ph type="body" idx="1"/>
-          </p:nvPr>
-        </p:nvSpPr>
-        <p:spPr/>
-        <p:txBody>
-          <a:bodyPr/>
-          <a:lstStyle/>
-          <a:p>
-            <a:r>
-              <a:rPr lang="en-US" sz="1000" dirty="0"/>
-              <a:t>Optimism, good natured humor, and effectively working together is immensely important to delivering good software… and likely equally important to delivering just about any quality product</a:t>
-            </a:r>
-          </a:p>
-          <a:p>
-            <a:endParaRPr lang="en-US" sz="1000" dirty="0"/>
-          </a:p>
-          <a:p>
-            <a:r>
-              <a:rPr lang="en-US" sz="1000" dirty="0"/>
-              <a:t>Even if you don’t intend to be a professional software developer, many of the things that we learn will be valuable in related areas. </a:t>
-            </a:r>
-          </a:p>
-          <a:p>
-            <a:endParaRPr lang="en-US" sz="1000" dirty="0"/>
-          </a:p>
-          <a:p>
-            <a:r>
-              <a:rPr lang="en-US" sz="1000" dirty="0" err="1"/>
-              <a:t>Soooo</a:t>
-            </a:r>
-            <a:r>
-              <a:rPr lang="en-US" sz="1000" dirty="0"/>
-              <a:t>… We have 16 weeks to learn something valuable and interesting. Let’s enjoy our time together and make the most out of it. </a:t>
-            </a:r>
-          </a:p>
-          <a:p>
-            <a:endParaRPr lang="en-US" sz="1000" dirty="0"/>
-          </a:p>
-        </p:txBody>
-      </p:sp>
-      <p:sp>
-        <p:nvSpPr>
-          <p:cNvPr id="4" name="Slide Number Placeholder 3"/>
-          <p:cNvSpPr>
-            <a:spLocks noGrp="1"/>
-          </p:cNvSpPr>
-          <p:nvPr>
-            <p:ph type="sldNum" sz="quarter" idx="10"/>
-          </p:nvPr>
-        </p:nvSpPr>
-        <p:spPr/>
-        <p:txBody>
-          <a:bodyPr/>
-          <a:lstStyle/>
-          <a:p>
-            <a:fld id="{5394DE12-7B9B-46AA-AC19-C30A49928B9B}" type="slidenum">
-              <a:rPr lang="en-US" smtClean="0"/>
-              <a:t>22</a:t>
-            </a:fld>
-            <a:endParaRPr lang="en-US" dirty="0"/>
-          </a:p>
-        </p:txBody>
-      </p:sp>
-    </p:spTree>
-    <p:extLst>
-      <p:ext uri="{BB962C8B-B14F-4D97-AF65-F5344CB8AC3E}">
-        <p14:creationId xmlns:p14="http://schemas.microsoft.com/office/powerpoint/2010/main" val="803635471"/>
+        <p14:creationId xmlns:p14="http://schemas.microsoft.com/office/powerpoint/2010/main" val="3355459141"/>
       </p:ext>
     </p:extLst>
   </p:cSld>
@@ -1663,1115 +1262,6 @@
 </p:notes>
 </file>
 
-<file path=ppt/notesSlides/notesSlide20.xml><?xml version="1.0" encoding="utf-8"?>
-<p:notes xmlns:a="http://schemas.openxmlformats.org/drawingml/2006/main" xmlns:r="http://schemas.openxmlformats.org/officeDocument/2006/relationships" xmlns:p="http://schemas.openxmlformats.org/presentationml/2006/main">
-  <p:cSld>
-    <p:spTree>
-      <p:nvGrpSpPr>
-        <p:cNvPr id="1" name=""/>
-        <p:cNvGrpSpPr/>
-        <p:nvPr/>
-      </p:nvGrpSpPr>
-      <p:grpSpPr>
-        <a:xfrm>
-          <a:off x="0" y="0"/>
-          <a:ext cx="0" cy="0"/>
-          <a:chOff x="0" y="0"/>
-          <a:chExt cx="0" cy="0"/>
-        </a:xfrm>
-      </p:grpSpPr>
-      <p:sp>
-        <p:nvSpPr>
-          <p:cNvPr id="2" name="Slide Image Placeholder 1"/>
-          <p:cNvSpPr>
-            <a:spLocks noGrp="1" noRot="1" noChangeAspect="1"/>
-          </p:cNvSpPr>
-          <p:nvPr>
-            <p:ph type="sldImg"/>
-          </p:nvPr>
-        </p:nvSpPr>
-        <p:spPr/>
-      </p:sp>
-      <p:sp>
-        <p:nvSpPr>
-          <p:cNvPr id="3" name="Notes Placeholder 2"/>
-          <p:cNvSpPr>
-            <a:spLocks noGrp="1"/>
-          </p:cNvSpPr>
-          <p:nvPr>
-            <p:ph type="body" idx="1"/>
-          </p:nvPr>
-        </p:nvSpPr>
-        <p:spPr/>
-        <p:txBody>
-          <a:bodyPr/>
-          <a:lstStyle/>
-          <a:p>
-            <a:r>
-              <a:rPr lang="en-US" dirty="0"/>
-              <a:t>*Your opportunity to give introductions will come after the syllabus overview.</a:t>
-            </a:r>
-          </a:p>
-          <a:p>
-            <a:endParaRPr lang="en-US" dirty="0"/>
-          </a:p>
-          <a:p>
-            <a:r>
-              <a:rPr lang="en-US" dirty="0"/>
-              <a:t>Lab Time needs to start no later than </a:t>
-            </a:r>
-            <a:r>
-              <a:rPr lang="en-US"/>
-              <a:t>2:40 today… please help me keep us on track</a:t>
-            </a:r>
-            <a:endParaRPr lang="en-US" dirty="0"/>
-          </a:p>
-        </p:txBody>
-      </p:sp>
-      <p:sp>
-        <p:nvSpPr>
-          <p:cNvPr id="4" name="Slide Number Placeholder 3"/>
-          <p:cNvSpPr>
-            <a:spLocks noGrp="1"/>
-          </p:cNvSpPr>
-          <p:nvPr>
-            <p:ph type="sldNum" sz="quarter" idx="10"/>
-          </p:nvPr>
-        </p:nvSpPr>
-        <p:spPr/>
-        <p:txBody>
-          <a:bodyPr/>
-          <a:lstStyle/>
-          <a:p>
-            <a:fld id="{23B99BB9-C7F6-43B3-A122-46088ABB36FB}" type="slidenum">
-              <a:rPr lang="en-US" smtClean="0"/>
-              <a:t>23</a:t>
-            </a:fld>
-            <a:endParaRPr lang="en-US"/>
-          </a:p>
-        </p:txBody>
-      </p:sp>
-    </p:spTree>
-    <p:extLst>
-      <p:ext uri="{BB962C8B-B14F-4D97-AF65-F5344CB8AC3E}">
-        <p14:creationId xmlns:p14="http://schemas.microsoft.com/office/powerpoint/2010/main" val="443237358"/>
-      </p:ext>
-    </p:extLst>
-  </p:cSld>
-  <p:clrMapOvr>
-    <a:masterClrMapping/>
-  </p:clrMapOvr>
-</p:notes>
-</file>
-
-<file path=ppt/notesSlides/notesSlide21.xml><?xml version="1.0" encoding="utf-8"?>
-<p:notes xmlns:a="http://schemas.openxmlformats.org/drawingml/2006/main" xmlns:r="http://schemas.openxmlformats.org/officeDocument/2006/relationships" xmlns:p="http://schemas.openxmlformats.org/presentationml/2006/main">
-  <p:cSld>
-    <p:spTree>
-      <p:nvGrpSpPr>
-        <p:cNvPr id="1" name=""/>
-        <p:cNvGrpSpPr/>
-        <p:nvPr/>
-      </p:nvGrpSpPr>
-      <p:grpSpPr>
-        <a:xfrm>
-          <a:off x="0" y="0"/>
-          <a:ext cx="0" cy="0"/>
-          <a:chOff x="0" y="0"/>
-          <a:chExt cx="0" cy="0"/>
-        </a:xfrm>
-      </p:grpSpPr>
-      <p:sp>
-        <p:nvSpPr>
-          <p:cNvPr id="2" name="Slide Image Placeholder 1"/>
-          <p:cNvSpPr>
-            <a:spLocks noGrp="1" noRot="1" noChangeAspect="1"/>
-          </p:cNvSpPr>
-          <p:nvPr>
-            <p:ph type="sldImg"/>
-          </p:nvPr>
-        </p:nvSpPr>
-        <p:spPr/>
-      </p:sp>
-      <p:sp>
-        <p:nvSpPr>
-          <p:cNvPr id="3" name="Notes Placeholder 2"/>
-          <p:cNvSpPr>
-            <a:spLocks noGrp="1"/>
-          </p:cNvSpPr>
-          <p:nvPr>
-            <p:ph type="body" idx="1"/>
-          </p:nvPr>
-        </p:nvSpPr>
-        <p:spPr/>
-        <p:txBody>
-          <a:bodyPr/>
-          <a:lstStyle/>
-          <a:p>
-            <a:r>
-              <a:rPr lang="en-US" sz="1000" dirty="0"/>
-              <a:t>Hand out name tags and introduction forms before Syllabus Overview</a:t>
-            </a:r>
-          </a:p>
-        </p:txBody>
-      </p:sp>
-      <p:sp>
-        <p:nvSpPr>
-          <p:cNvPr id="4" name="Slide Number Placeholder 3"/>
-          <p:cNvSpPr>
-            <a:spLocks noGrp="1"/>
-          </p:cNvSpPr>
-          <p:nvPr>
-            <p:ph type="sldNum" sz="quarter" idx="10"/>
-          </p:nvPr>
-        </p:nvSpPr>
-        <p:spPr/>
-        <p:txBody>
-          <a:bodyPr/>
-          <a:lstStyle/>
-          <a:p>
-            <a:fld id="{23B99BB9-C7F6-43B3-A122-46088ABB36FB}" type="slidenum">
-              <a:rPr lang="en-US" smtClean="0"/>
-              <a:t>24</a:t>
-            </a:fld>
-            <a:endParaRPr lang="en-US"/>
-          </a:p>
-        </p:txBody>
-      </p:sp>
-    </p:spTree>
-    <p:extLst>
-      <p:ext uri="{BB962C8B-B14F-4D97-AF65-F5344CB8AC3E}">
-        <p14:creationId xmlns:p14="http://schemas.microsoft.com/office/powerpoint/2010/main" val="3513014254"/>
-      </p:ext>
-    </p:extLst>
-  </p:cSld>
-  <p:clrMapOvr>
-    <a:masterClrMapping/>
-  </p:clrMapOvr>
-</p:notes>
-</file>
-
-<file path=ppt/notesSlides/notesSlide22.xml><?xml version="1.0" encoding="utf-8"?>
-<p:notes xmlns:a="http://schemas.openxmlformats.org/drawingml/2006/main" xmlns:r="http://schemas.openxmlformats.org/officeDocument/2006/relationships" xmlns:p="http://schemas.openxmlformats.org/presentationml/2006/main">
-  <p:cSld>
-    <p:spTree>
-      <p:nvGrpSpPr>
-        <p:cNvPr id="1" name=""/>
-        <p:cNvGrpSpPr/>
-        <p:nvPr/>
-      </p:nvGrpSpPr>
-      <p:grpSpPr>
-        <a:xfrm>
-          <a:off x="0" y="0"/>
-          <a:ext cx="0" cy="0"/>
-          <a:chOff x="0" y="0"/>
-          <a:chExt cx="0" cy="0"/>
-        </a:xfrm>
-      </p:grpSpPr>
-      <p:sp>
-        <p:nvSpPr>
-          <p:cNvPr id="2" name="Slide Image Placeholder 1"/>
-          <p:cNvSpPr>
-            <a:spLocks noGrp="1" noRot="1" noChangeAspect="1"/>
-          </p:cNvSpPr>
-          <p:nvPr>
-            <p:ph type="sldImg"/>
-          </p:nvPr>
-        </p:nvSpPr>
-        <p:spPr/>
-      </p:sp>
-      <p:sp>
-        <p:nvSpPr>
-          <p:cNvPr id="3" name="Notes Placeholder 2"/>
-          <p:cNvSpPr>
-            <a:spLocks noGrp="1"/>
-          </p:cNvSpPr>
-          <p:nvPr>
-            <p:ph type="body" idx="1"/>
-          </p:nvPr>
-        </p:nvSpPr>
-        <p:spPr/>
-        <p:txBody>
-          <a:bodyPr/>
-          <a:lstStyle/>
-          <a:p>
-            <a:r>
-              <a:rPr lang="en-US" sz="1000" dirty="0"/>
-              <a:t>Optimism, good natured humor, and effectively working together is immensely important to delivering good software… and likely equally important to delivering just about any quality product</a:t>
-            </a:r>
-          </a:p>
-          <a:p>
-            <a:endParaRPr lang="en-US" sz="1000" dirty="0"/>
-          </a:p>
-          <a:p>
-            <a:r>
-              <a:rPr lang="en-US" sz="1000" dirty="0"/>
-              <a:t>Even if you don’t intend to be a professional software developer, many of the things that we learn will be valuable in related areas. </a:t>
-            </a:r>
-          </a:p>
-          <a:p>
-            <a:endParaRPr lang="en-US" sz="1000" dirty="0"/>
-          </a:p>
-          <a:p>
-            <a:r>
-              <a:rPr lang="en-US" sz="1000" dirty="0" err="1"/>
-              <a:t>Soooo</a:t>
-            </a:r>
-            <a:r>
-              <a:rPr lang="en-US" sz="1000" dirty="0"/>
-              <a:t>… We have 16 weeks to learn something valuable and interesting. Let’s enjoy our time together and make the most out of it. </a:t>
-            </a:r>
-          </a:p>
-          <a:p>
-            <a:endParaRPr lang="en-US" sz="1000" dirty="0"/>
-          </a:p>
-        </p:txBody>
-      </p:sp>
-      <p:sp>
-        <p:nvSpPr>
-          <p:cNvPr id="4" name="Slide Number Placeholder 3"/>
-          <p:cNvSpPr>
-            <a:spLocks noGrp="1"/>
-          </p:cNvSpPr>
-          <p:nvPr>
-            <p:ph type="sldNum" sz="quarter" idx="10"/>
-          </p:nvPr>
-        </p:nvSpPr>
-        <p:spPr/>
-        <p:txBody>
-          <a:bodyPr/>
-          <a:lstStyle/>
-          <a:p>
-            <a:fld id="{5394DE12-7B9B-46AA-AC19-C30A49928B9B}" type="slidenum">
-              <a:rPr lang="en-US" smtClean="0"/>
-              <a:t>25</a:t>
-            </a:fld>
-            <a:endParaRPr lang="en-US" dirty="0"/>
-          </a:p>
-        </p:txBody>
-      </p:sp>
-    </p:spTree>
-    <p:extLst>
-      <p:ext uri="{BB962C8B-B14F-4D97-AF65-F5344CB8AC3E}">
-        <p14:creationId xmlns:p14="http://schemas.microsoft.com/office/powerpoint/2010/main" val="1461292510"/>
-      </p:ext>
-    </p:extLst>
-  </p:cSld>
-  <p:clrMapOvr>
-    <a:masterClrMapping/>
-  </p:clrMapOvr>
-</p:notes>
-</file>
-
-<file path=ppt/notesSlides/notesSlide23.xml><?xml version="1.0" encoding="utf-8"?>
-<p:notes xmlns:a="http://schemas.openxmlformats.org/drawingml/2006/main" xmlns:r="http://schemas.openxmlformats.org/officeDocument/2006/relationships" xmlns:p="http://schemas.openxmlformats.org/presentationml/2006/main">
-  <p:cSld>
-    <p:spTree>
-      <p:nvGrpSpPr>
-        <p:cNvPr id="1" name=""/>
-        <p:cNvGrpSpPr/>
-        <p:nvPr/>
-      </p:nvGrpSpPr>
-      <p:grpSpPr>
-        <a:xfrm>
-          <a:off x="0" y="0"/>
-          <a:ext cx="0" cy="0"/>
-          <a:chOff x="0" y="0"/>
-          <a:chExt cx="0" cy="0"/>
-        </a:xfrm>
-      </p:grpSpPr>
-      <p:sp>
-        <p:nvSpPr>
-          <p:cNvPr id="2" name="Slide Image Placeholder 1"/>
-          <p:cNvSpPr>
-            <a:spLocks noGrp="1" noRot="1" noChangeAspect="1"/>
-          </p:cNvSpPr>
-          <p:nvPr>
-            <p:ph type="sldImg"/>
-          </p:nvPr>
-        </p:nvSpPr>
-        <p:spPr/>
-      </p:sp>
-      <p:sp>
-        <p:nvSpPr>
-          <p:cNvPr id="3" name="Notes Placeholder 2"/>
-          <p:cNvSpPr>
-            <a:spLocks noGrp="1"/>
-          </p:cNvSpPr>
-          <p:nvPr>
-            <p:ph type="body" idx="1"/>
-          </p:nvPr>
-        </p:nvSpPr>
-        <p:spPr/>
-        <p:txBody>
-          <a:bodyPr/>
-          <a:lstStyle/>
-          <a:p>
-            <a:pPr marL="440695" indent="-440695">
-              <a:spcBef>
-                <a:spcPts val="578"/>
-              </a:spcBef>
-              <a:buFont typeface="+mj-lt"/>
-              <a:buAutoNum type="arabicPeriod"/>
-            </a:pPr>
-            <a:r>
-              <a:rPr lang="en-US" sz="1700" dirty="0"/>
-              <a:t>As a </a:t>
-            </a:r>
-            <a:r>
-              <a:rPr lang="en-US" sz="1700" u="sng" dirty="0"/>
-              <a:t>Class</a:t>
-            </a:r>
-            <a:r>
-              <a:rPr lang="en-US" sz="1700" dirty="0"/>
-              <a:t> commit each </a:t>
-            </a:r>
-            <a:r>
-              <a:rPr lang="en-US" sz="1700" u="sng" dirty="0"/>
-              <a:t>Team</a:t>
-            </a:r>
-            <a:r>
-              <a:rPr lang="en-US" sz="1700" dirty="0"/>
-              <a:t> to research, discuss, and present at least one of the following topics:</a:t>
-            </a:r>
-          </a:p>
-          <a:p>
-            <a:pPr marL="771216" lvl="1" indent="-330521">
-              <a:buFont typeface="+mj-lt"/>
-              <a:buAutoNum type="alphaLcParenR"/>
-            </a:pPr>
-            <a:r>
-              <a:rPr lang="en-US" sz="1300" dirty="0"/>
-              <a:t>Databases on Azure including “Azure tables vs Azure MongoDB vs Azure other DBs”**</a:t>
-            </a:r>
-          </a:p>
-          <a:p>
-            <a:pPr marL="771216" lvl="1" indent="-330521">
-              <a:buFont typeface="+mj-lt"/>
-              <a:buAutoNum type="alphaLcParenR"/>
-            </a:pPr>
-            <a:r>
-              <a:rPr lang="en-US" sz="1300" dirty="0"/>
-              <a:t>Cloud/Azure based Authentication/Authorization services and who they could be integrated into a NodeJS based application*</a:t>
-            </a:r>
-          </a:p>
-          <a:p>
-            <a:pPr marL="771216" lvl="1" indent="-330521">
-              <a:buFont typeface="+mj-lt"/>
-              <a:buAutoNum type="alphaLcParenR"/>
-            </a:pPr>
-            <a:r>
-              <a:rPr lang="en-US" sz="1300" dirty="0"/>
-              <a:t>JavaScript and NodeJS  with a focus on Azure and including the best Internet based tutorials and/or books on the topic</a:t>
-            </a:r>
-          </a:p>
-          <a:p>
-            <a:pPr marL="771216" lvl="1" indent="-330521">
-              <a:buFont typeface="+mj-lt"/>
-              <a:buAutoNum type="alphaLcParenR"/>
-            </a:pPr>
-            <a:r>
-              <a:rPr lang="en-US" sz="1300" dirty="0"/>
-              <a:t>SaaS Frameworks including “MEAN vs LAMP vs Ruby on Rails”</a:t>
-            </a:r>
-          </a:p>
-          <a:p>
-            <a:pPr marL="771216" lvl="1" indent="-330521">
-              <a:buFont typeface="+mj-lt"/>
-              <a:buAutoNum type="alphaLcParenR"/>
-            </a:pPr>
-            <a:r>
-              <a:rPr lang="en-US" sz="1300" dirty="0"/>
-              <a:t>Service Oriented Architectures including “Web Services and SOAP/WSAD vs REST vs Sockets”</a:t>
-            </a:r>
-          </a:p>
-          <a:p>
-            <a:pPr marL="771216" lvl="1" indent="-330521">
-              <a:buFont typeface="+mj-lt"/>
-              <a:buAutoNum type="alphaLcParenR"/>
-            </a:pPr>
-            <a:r>
-              <a:rPr lang="en-US" sz="1300" dirty="0"/>
-              <a:t>SaaS Client Frameworks including “HTML/JavaScript vs AngularJS vs Angular2 vs React vs others”</a:t>
-            </a:r>
-          </a:p>
-          <a:p>
-            <a:pPr marL="771216" lvl="1" indent="-330521">
-              <a:buFont typeface="+mj-lt"/>
-              <a:buAutoNum type="alphaLcParenR"/>
-            </a:pPr>
-            <a:r>
-              <a:rPr lang="en-US" sz="1300" dirty="0"/>
-              <a:t>File Formats including “HTML vs XML vs JSON vs Key/Value Pair Text Files”</a:t>
-            </a:r>
-          </a:p>
-          <a:p>
-            <a:endParaRPr lang="en-US" dirty="0"/>
-          </a:p>
-        </p:txBody>
-      </p:sp>
-      <p:sp>
-        <p:nvSpPr>
-          <p:cNvPr id="4" name="Slide Number Placeholder 3"/>
-          <p:cNvSpPr>
-            <a:spLocks noGrp="1"/>
-          </p:cNvSpPr>
-          <p:nvPr>
-            <p:ph type="sldNum" sz="quarter" idx="10"/>
-          </p:nvPr>
-        </p:nvSpPr>
-        <p:spPr/>
-        <p:txBody>
-          <a:bodyPr/>
-          <a:lstStyle/>
-          <a:p>
-            <a:fld id="{23B99BB9-C7F6-43B3-A122-46088ABB36FB}" type="slidenum">
-              <a:rPr lang="en-US" smtClean="0"/>
-              <a:t>26</a:t>
-            </a:fld>
-            <a:endParaRPr lang="en-US"/>
-          </a:p>
-        </p:txBody>
-      </p:sp>
-    </p:spTree>
-    <p:extLst>
-      <p:ext uri="{BB962C8B-B14F-4D97-AF65-F5344CB8AC3E}">
-        <p14:creationId xmlns:p14="http://schemas.microsoft.com/office/powerpoint/2010/main" val="525392424"/>
-      </p:ext>
-    </p:extLst>
-  </p:cSld>
-  <p:clrMapOvr>
-    <a:masterClrMapping/>
-  </p:clrMapOvr>
-</p:notes>
-</file>
-
-<file path=ppt/notesSlides/notesSlide24.xml><?xml version="1.0" encoding="utf-8"?>
-<p:notes xmlns:a="http://schemas.openxmlformats.org/drawingml/2006/main" xmlns:r="http://schemas.openxmlformats.org/officeDocument/2006/relationships" xmlns:p="http://schemas.openxmlformats.org/presentationml/2006/main">
-  <p:cSld>
-    <p:spTree>
-      <p:nvGrpSpPr>
-        <p:cNvPr id="1" name=""/>
-        <p:cNvGrpSpPr/>
-        <p:nvPr/>
-      </p:nvGrpSpPr>
-      <p:grpSpPr>
-        <a:xfrm>
-          <a:off x="0" y="0"/>
-          <a:ext cx="0" cy="0"/>
-          <a:chOff x="0" y="0"/>
-          <a:chExt cx="0" cy="0"/>
-        </a:xfrm>
-      </p:grpSpPr>
-      <p:sp>
-        <p:nvSpPr>
-          <p:cNvPr id="2" name="Slide Image Placeholder 1"/>
-          <p:cNvSpPr>
-            <a:spLocks noGrp="1" noRot="1" noChangeAspect="1"/>
-          </p:cNvSpPr>
-          <p:nvPr>
-            <p:ph type="sldImg"/>
-          </p:nvPr>
-        </p:nvSpPr>
-        <p:spPr/>
-      </p:sp>
-      <p:sp>
-        <p:nvSpPr>
-          <p:cNvPr id="3" name="Notes Placeholder 2"/>
-          <p:cNvSpPr>
-            <a:spLocks noGrp="1"/>
-          </p:cNvSpPr>
-          <p:nvPr>
-            <p:ph type="body" idx="1"/>
-          </p:nvPr>
-        </p:nvSpPr>
-        <p:spPr/>
-        <p:txBody>
-          <a:bodyPr/>
-          <a:lstStyle/>
-          <a:p>
-            <a:r>
-              <a:rPr lang="en-US" sz="1000" dirty="0"/>
-              <a:t>Getting ready for next week… Get this set up for yourself this week by compiling and running “HelloWorld”.</a:t>
-            </a:r>
-          </a:p>
-          <a:p>
-            <a:endParaRPr lang="en-US" sz="1000" dirty="0"/>
-          </a:p>
-          <a:p>
-            <a:r>
-              <a:rPr lang="en-US" sz="1000" dirty="0"/>
-              <a:t>I will be using the Microsoft Code Editor and the command line Java JDK to review and grade your assignments. Make CERTAIN that the assignments you submit compile an run in these environments. Lets start by submitting a single .java file for at least the first two weeks. Then we will consider extending our practices. </a:t>
-            </a:r>
-          </a:p>
-          <a:p>
-            <a:endParaRPr lang="en-US" sz="1000" dirty="0"/>
-          </a:p>
-          <a:p>
-            <a:r>
-              <a:rPr lang="en-US" sz="1000" dirty="0"/>
-              <a:t>I will be compiling your applications with the standard </a:t>
-            </a:r>
-            <a:r>
-              <a:rPr lang="en-US" sz="1000" dirty="0" err="1"/>
-              <a:t>javac</a:t>
-            </a:r>
-            <a:r>
-              <a:rPr lang="en-US" sz="1000" dirty="0"/>
-              <a:t> and java command line tools. For example, if you submitted a file named “ShapesApp.java”, I would expect:</a:t>
-            </a:r>
-          </a:p>
-          <a:p>
-            <a:r>
-              <a:rPr lang="en-US" sz="1000" dirty="0"/>
-              <a:t>To compile  it with the command “</a:t>
-            </a:r>
-            <a:r>
-              <a:rPr lang="en-US" sz="1000" dirty="0" err="1"/>
-              <a:t>javac</a:t>
-            </a:r>
-            <a:r>
-              <a:rPr lang="en-US" sz="1000" dirty="0"/>
-              <a:t> .\ShapesApp.java”</a:t>
-            </a:r>
-          </a:p>
-          <a:p>
-            <a:r>
-              <a:rPr lang="en-US" sz="1000" dirty="0"/>
-              <a:t>To run it with the command “java -</a:t>
-            </a:r>
-            <a:r>
-              <a:rPr lang="en-US" sz="1000" dirty="0" err="1"/>
-              <a:t>cp</a:t>
-            </a:r>
-            <a:r>
-              <a:rPr lang="en-US" sz="1000" dirty="0"/>
-              <a:t> . </a:t>
-            </a:r>
-            <a:r>
-              <a:rPr lang="en-US" sz="1000" dirty="0" err="1"/>
-              <a:t>ShapesApp</a:t>
-            </a:r>
-            <a:r>
-              <a:rPr lang="en-US" sz="1000" dirty="0"/>
-              <a:t>”</a:t>
-            </a:r>
-          </a:p>
-          <a:p>
-            <a:endParaRPr lang="en-US" sz="1000" dirty="0"/>
-          </a:p>
-          <a:p>
-            <a:r>
-              <a:rPr lang="en-US" sz="1000" dirty="0"/>
-              <a:t>You should test all assignments using this configuration BEFORE you turn them in for review and grading. </a:t>
-            </a:r>
-          </a:p>
-        </p:txBody>
-      </p:sp>
-      <p:sp>
-        <p:nvSpPr>
-          <p:cNvPr id="4" name="Slide Number Placeholder 3"/>
-          <p:cNvSpPr>
-            <a:spLocks noGrp="1"/>
-          </p:cNvSpPr>
-          <p:nvPr>
-            <p:ph type="sldNum" sz="quarter" idx="10"/>
-          </p:nvPr>
-        </p:nvSpPr>
-        <p:spPr/>
-        <p:txBody>
-          <a:bodyPr/>
-          <a:lstStyle/>
-          <a:p>
-            <a:fld id="{5394DE12-7B9B-46AA-AC19-C30A49928B9B}" type="slidenum">
-              <a:rPr lang="en-US" smtClean="0"/>
-              <a:t>27</a:t>
-            </a:fld>
-            <a:endParaRPr lang="en-US"/>
-          </a:p>
-        </p:txBody>
-      </p:sp>
-    </p:spTree>
-    <p:extLst>
-      <p:ext uri="{BB962C8B-B14F-4D97-AF65-F5344CB8AC3E}">
-        <p14:creationId xmlns:p14="http://schemas.microsoft.com/office/powerpoint/2010/main" val="3781154547"/>
-      </p:ext>
-    </p:extLst>
-  </p:cSld>
-  <p:clrMapOvr>
-    <a:masterClrMapping/>
-  </p:clrMapOvr>
-</p:notes>
-</file>
-
-<file path=ppt/notesSlides/notesSlide25.xml><?xml version="1.0" encoding="utf-8"?>
-<p:notes xmlns:a="http://schemas.openxmlformats.org/drawingml/2006/main" xmlns:r="http://schemas.openxmlformats.org/officeDocument/2006/relationships" xmlns:p="http://schemas.openxmlformats.org/presentationml/2006/main">
-  <p:cSld>
-    <p:spTree>
-      <p:nvGrpSpPr>
-        <p:cNvPr id="1" name=""/>
-        <p:cNvGrpSpPr/>
-        <p:nvPr/>
-      </p:nvGrpSpPr>
-      <p:grpSpPr>
-        <a:xfrm>
-          <a:off x="0" y="0"/>
-          <a:ext cx="0" cy="0"/>
-          <a:chOff x="0" y="0"/>
-          <a:chExt cx="0" cy="0"/>
-        </a:xfrm>
-      </p:grpSpPr>
-      <p:sp>
-        <p:nvSpPr>
-          <p:cNvPr id="2" name="Slide Image Placeholder 1"/>
-          <p:cNvSpPr>
-            <a:spLocks noGrp="1" noRot="1" noChangeAspect="1"/>
-          </p:cNvSpPr>
-          <p:nvPr>
-            <p:ph type="sldImg"/>
-          </p:nvPr>
-        </p:nvSpPr>
-        <p:spPr/>
-      </p:sp>
-      <p:sp>
-        <p:nvSpPr>
-          <p:cNvPr id="3" name="Notes Placeholder 2"/>
-          <p:cNvSpPr>
-            <a:spLocks noGrp="1"/>
-          </p:cNvSpPr>
-          <p:nvPr>
-            <p:ph type="body" idx="1"/>
-          </p:nvPr>
-        </p:nvSpPr>
-        <p:spPr/>
-        <p:txBody>
-          <a:bodyPr/>
-          <a:lstStyle/>
-          <a:p>
-            <a:r>
-              <a:rPr lang="en-US" sz="1000" dirty="0"/>
-              <a:t>Optimism, good natured humor, and effectively working together is immensely important to delivering good software… and likely equally important to delivering just about any quality product</a:t>
-            </a:r>
-          </a:p>
-          <a:p>
-            <a:endParaRPr lang="en-US" sz="1000" dirty="0"/>
-          </a:p>
-          <a:p>
-            <a:r>
-              <a:rPr lang="en-US" sz="1000" dirty="0"/>
-              <a:t>Even if you don’t intend to be a professional software developer, many of the things that we learn will be valuable in related areas. </a:t>
-            </a:r>
-          </a:p>
-          <a:p>
-            <a:endParaRPr lang="en-US" sz="1000" dirty="0"/>
-          </a:p>
-          <a:p>
-            <a:r>
-              <a:rPr lang="en-US" sz="1000" dirty="0" err="1"/>
-              <a:t>Soooo</a:t>
-            </a:r>
-            <a:r>
-              <a:rPr lang="en-US" sz="1000" dirty="0"/>
-              <a:t>… We have 16 weeks to learn something valuable and interesting. Let’s enjoy our time together and make the most out of it. </a:t>
-            </a:r>
-          </a:p>
-          <a:p>
-            <a:endParaRPr lang="en-US" sz="1000" dirty="0"/>
-          </a:p>
-        </p:txBody>
-      </p:sp>
-      <p:sp>
-        <p:nvSpPr>
-          <p:cNvPr id="4" name="Slide Number Placeholder 3"/>
-          <p:cNvSpPr>
-            <a:spLocks noGrp="1"/>
-          </p:cNvSpPr>
-          <p:nvPr>
-            <p:ph type="sldNum" sz="quarter" idx="10"/>
-          </p:nvPr>
-        </p:nvSpPr>
-        <p:spPr/>
-        <p:txBody>
-          <a:bodyPr/>
-          <a:lstStyle/>
-          <a:p>
-            <a:fld id="{5394DE12-7B9B-46AA-AC19-C30A49928B9B}" type="slidenum">
-              <a:rPr lang="en-US" smtClean="0"/>
-              <a:t>28</a:t>
-            </a:fld>
-            <a:endParaRPr lang="en-US" dirty="0"/>
-          </a:p>
-        </p:txBody>
-      </p:sp>
-    </p:spTree>
-    <p:extLst>
-      <p:ext uri="{BB962C8B-B14F-4D97-AF65-F5344CB8AC3E}">
-        <p14:creationId xmlns:p14="http://schemas.microsoft.com/office/powerpoint/2010/main" val="2813715430"/>
-      </p:ext>
-    </p:extLst>
-  </p:cSld>
-  <p:clrMapOvr>
-    <a:masterClrMapping/>
-  </p:clrMapOvr>
-</p:notes>
-</file>
-
-<file path=ppt/notesSlides/notesSlide26.xml><?xml version="1.0" encoding="utf-8"?>
-<p:notes xmlns:a="http://schemas.openxmlformats.org/drawingml/2006/main" xmlns:r="http://schemas.openxmlformats.org/officeDocument/2006/relationships" xmlns:p="http://schemas.openxmlformats.org/presentationml/2006/main">
-  <p:cSld>
-    <p:spTree>
-      <p:nvGrpSpPr>
-        <p:cNvPr id="1" name=""/>
-        <p:cNvGrpSpPr/>
-        <p:nvPr/>
-      </p:nvGrpSpPr>
-      <p:grpSpPr>
-        <a:xfrm>
-          <a:off x="0" y="0"/>
-          <a:ext cx="0" cy="0"/>
-          <a:chOff x="0" y="0"/>
-          <a:chExt cx="0" cy="0"/>
-        </a:xfrm>
-      </p:grpSpPr>
-      <p:sp>
-        <p:nvSpPr>
-          <p:cNvPr id="2" name="Slide Image Placeholder 1"/>
-          <p:cNvSpPr>
-            <a:spLocks noGrp="1" noRot="1" noChangeAspect="1"/>
-          </p:cNvSpPr>
-          <p:nvPr>
-            <p:ph type="sldImg"/>
-          </p:nvPr>
-        </p:nvSpPr>
-        <p:spPr/>
-      </p:sp>
-      <p:sp>
-        <p:nvSpPr>
-          <p:cNvPr id="3" name="Notes Placeholder 2"/>
-          <p:cNvSpPr>
-            <a:spLocks noGrp="1"/>
-          </p:cNvSpPr>
-          <p:nvPr>
-            <p:ph type="body" idx="1"/>
-          </p:nvPr>
-        </p:nvSpPr>
-        <p:spPr/>
-        <p:txBody>
-          <a:bodyPr/>
-          <a:lstStyle/>
-          <a:p>
-            <a:r>
-              <a:rPr lang="en-US" dirty="0"/>
-              <a:t>*Your opportunity to give introductions will come after the syllabus overview.</a:t>
-            </a:r>
-          </a:p>
-          <a:p>
-            <a:endParaRPr lang="en-US" dirty="0"/>
-          </a:p>
-          <a:p>
-            <a:r>
-              <a:rPr lang="en-US" dirty="0"/>
-              <a:t>Lab Time needs to start no later than </a:t>
-            </a:r>
-            <a:r>
-              <a:rPr lang="en-US"/>
-              <a:t>2:40 today… please help me keep us on track</a:t>
-            </a:r>
-            <a:endParaRPr lang="en-US" dirty="0"/>
-          </a:p>
-        </p:txBody>
-      </p:sp>
-      <p:sp>
-        <p:nvSpPr>
-          <p:cNvPr id="4" name="Slide Number Placeholder 3"/>
-          <p:cNvSpPr>
-            <a:spLocks noGrp="1"/>
-          </p:cNvSpPr>
-          <p:nvPr>
-            <p:ph type="sldNum" sz="quarter" idx="10"/>
-          </p:nvPr>
-        </p:nvSpPr>
-        <p:spPr/>
-        <p:txBody>
-          <a:bodyPr/>
-          <a:lstStyle/>
-          <a:p>
-            <a:fld id="{23B99BB9-C7F6-43B3-A122-46088ABB36FB}" type="slidenum">
-              <a:rPr lang="en-US" smtClean="0"/>
-              <a:t>29</a:t>
-            </a:fld>
-            <a:endParaRPr lang="en-US"/>
-          </a:p>
-        </p:txBody>
-      </p:sp>
-    </p:spTree>
-    <p:extLst>
-      <p:ext uri="{BB962C8B-B14F-4D97-AF65-F5344CB8AC3E}">
-        <p14:creationId xmlns:p14="http://schemas.microsoft.com/office/powerpoint/2010/main" val="2523891034"/>
-      </p:ext>
-    </p:extLst>
-  </p:cSld>
-  <p:clrMapOvr>
-    <a:masterClrMapping/>
-  </p:clrMapOvr>
-</p:notes>
-</file>
-
-<file path=ppt/notesSlides/notesSlide27.xml><?xml version="1.0" encoding="utf-8"?>
-<p:notes xmlns:a="http://schemas.openxmlformats.org/drawingml/2006/main" xmlns:r="http://schemas.openxmlformats.org/officeDocument/2006/relationships" xmlns:p="http://schemas.openxmlformats.org/presentationml/2006/main">
-  <p:cSld>
-    <p:spTree>
-      <p:nvGrpSpPr>
-        <p:cNvPr id="1" name=""/>
-        <p:cNvGrpSpPr/>
-        <p:nvPr/>
-      </p:nvGrpSpPr>
-      <p:grpSpPr>
-        <a:xfrm>
-          <a:off x="0" y="0"/>
-          <a:ext cx="0" cy="0"/>
-          <a:chOff x="0" y="0"/>
-          <a:chExt cx="0" cy="0"/>
-        </a:xfrm>
-      </p:grpSpPr>
-      <p:sp>
-        <p:nvSpPr>
-          <p:cNvPr id="2" name="Slide Image Placeholder 1"/>
-          <p:cNvSpPr>
-            <a:spLocks noGrp="1" noRot="1" noChangeAspect="1"/>
-          </p:cNvSpPr>
-          <p:nvPr>
-            <p:ph type="sldImg"/>
-          </p:nvPr>
-        </p:nvSpPr>
-        <p:spPr/>
-      </p:sp>
-      <p:sp>
-        <p:nvSpPr>
-          <p:cNvPr id="3" name="Notes Placeholder 2"/>
-          <p:cNvSpPr>
-            <a:spLocks noGrp="1"/>
-          </p:cNvSpPr>
-          <p:nvPr>
-            <p:ph type="body" idx="1"/>
-          </p:nvPr>
-        </p:nvSpPr>
-        <p:spPr/>
-        <p:txBody>
-          <a:bodyPr/>
-          <a:lstStyle/>
-          <a:p>
-            <a:r>
-              <a:rPr lang="en-US" dirty="0"/>
-              <a:t>*Your opportunity to give introductions will come after the syllabus overview.</a:t>
-            </a:r>
-          </a:p>
-        </p:txBody>
-      </p:sp>
-      <p:sp>
-        <p:nvSpPr>
-          <p:cNvPr id="4" name="Slide Number Placeholder 3"/>
-          <p:cNvSpPr>
-            <a:spLocks noGrp="1"/>
-          </p:cNvSpPr>
-          <p:nvPr>
-            <p:ph type="sldNum" sz="quarter" idx="10"/>
-          </p:nvPr>
-        </p:nvSpPr>
-        <p:spPr/>
-        <p:txBody>
-          <a:bodyPr/>
-          <a:lstStyle/>
-          <a:p>
-            <a:fld id="{23B99BB9-C7F6-43B3-A122-46088ABB36FB}" type="slidenum">
-              <a:rPr lang="en-US" smtClean="0"/>
-              <a:t>30</a:t>
-            </a:fld>
-            <a:endParaRPr lang="en-US"/>
-          </a:p>
-        </p:txBody>
-      </p:sp>
-    </p:spTree>
-    <p:extLst>
-      <p:ext uri="{BB962C8B-B14F-4D97-AF65-F5344CB8AC3E}">
-        <p14:creationId xmlns:p14="http://schemas.microsoft.com/office/powerpoint/2010/main" val="266877959"/>
-      </p:ext>
-    </p:extLst>
-  </p:cSld>
-  <p:clrMapOvr>
-    <a:masterClrMapping/>
-  </p:clrMapOvr>
-</p:notes>
-</file>
-
-<file path=ppt/notesSlides/notesSlide28.xml><?xml version="1.0" encoding="utf-8"?>
-<p:notes xmlns:a="http://schemas.openxmlformats.org/drawingml/2006/main" xmlns:r="http://schemas.openxmlformats.org/officeDocument/2006/relationships" xmlns:p="http://schemas.openxmlformats.org/presentationml/2006/main">
-  <p:cSld>
-    <p:spTree>
-      <p:nvGrpSpPr>
-        <p:cNvPr id="1" name=""/>
-        <p:cNvGrpSpPr/>
-        <p:nvPr/>
-      </p:nvGrpSpPr>
-      <p:grpSpPr>
-        <a:xfrm>
-          <a:off x="0" y="0"/>
-          <a:ext cx="0" cy="0"/>
-          <a:chOff x="0" y="0"/>
-          <a:chExt cx="0" cy="0"/>
-        </a:xfrm>
-      </p:grpSpPr>
-      <p:sp>
-        <p:nvSpPr>
-          <p:cNvPr id="2" name="Slide Image Placeholder 1"/>
-          <p:cNvSpPr>
-            <a:spLocks noGrp="1" noRot="1" noChangeAspect="1"/>
-          </p:cNvSpPr>
-          <p:nvPr>
-            <p:ph type="sldImg"/>
-          </p:nvPr>
-        </p:nvSpPr>
-        <p:spPr/>
-      </p:sp>
-      <p:sp>
-        <p:nvSpPr>
-          <p:cNvPr id="3" name="Notes Placeholder 2"/>
-          <p:cNvSpPr>
-            <a:spLocks noGrp="1"/>
-          </p:cNvSpPr>
-          <p:nvPr>
-            <p:ph type="body" idx="1"/>
-          </p:nvPr>
-        </p:nvSpPr>
-        <p:spPr/>
-        <p:txBody>
-          <a:bodyPr/>
-          <a:lstStyle/>
-          <a:p>
-            <a:endParaRPr lang="en-US" sz="1000" dirty="0"/>
-          </a:p>
-        </p:txBody>
-      </p:sp>
-      <p:sp>
-        <p:nvSpPr>
-          <p:cNvPr id="4" name="Slide Number Placeholder 3"/>
-          <p:cNvSpPr>
-            <a:spLocks noGrp="1"/>
-          </p:cNvSpPr>
-          <p:nvPr>
-            <p:ph type="sldNum" sz="quarter" idx="10"/>
-          </p:nvPr>
-        </p:nvSpPr>
-        <p:spPr/>
-        <p:txBody>
-          <a:bodyPr/>
-          <a:lstStyle/>
-          <a:p>
-            <a:fld id="{5394DE12-7B9B-46AA-AC19-C30A49928B9B}" type="slidenum">
-              <a:rPr lang="en-US" smtClean="0"/>
-              <a:t>31</a:t>
-            </a:fld>
-            <a:endParaRPr lang="en-US" dirty="0"/>
-          </a:p>
-        </p:txBody>
-      </p:sp>
-    </p:spTree>
-    <p:extLst>
-      <p:ext uri="{BB962C8B-B14F-4D97-AF65-F5344CB8AC3E}">
-        <p14:creationId xmlns:p14="http://schemas.microsoft.com/office/powerpoint/2010/main" val="1602632177"/>
-      </p:ext>
-    </p:extLst>
-  </p:cSld>
-  <p:clrMapOvr>
-    <a:masterClrMapping/>
-  </p:clrMapOvr>
-</p:notes>
-</file>
-
-<file path=ppt/notesSlides/notesSlide29.xml><?xml version="1.0" encoding="utf-8"?>
-<p:notes xmlns:a="http://schemas.openxmlformats.org/drawingml/2006/main" xmlns:r="http://schemas.openxmlformats.org/officeDocument/2006/relationships" xmlns:p="http://schemas.openxmlformats.org/presentationml/2006/main">
-  <p:cSld>
-    <p:spTree>
-      <p:nvGrpSpPr>
-        <p:cNvPr id="1" name=""/>
-        <p:cNvGrpSpPr/>
-        <p:nvPr/>
-      </p:nvGrpSpPr>
-      <p:grpSpPr>
-        <a:xfrm>
-          <a:off x="0" y="0"/>
-          <a:ext cx="0" cy="0"/>
-          <a:chOff x="0" y="0"/>
-          <a:chExt cx="0" cy="0"/>
-        </a:xfrm>
-      </p:grpSpPr>
-      <p:sp>
-        <p:nvSpPr>
-          <p:cNvPr id="2" name="Slide Image Placeholder 1"/>
-          <p:cNvSpPr>
-            <a:spLocks noGrp="1" noRot="1" noChangeAspect="1"/>
-          </p:cNvSpPr>
-          <p:nvPr>
-            <p:ph type="sldImg"/>
-          </p:nvPr>
-        </p:nvSpPr>
-        <p:spPr/>
-      </p:sp>
-      <p:sp>
-        <p:nvSpPr>
-          <p:cNvPr id="3" name="Notes Placeholder 2"/>
-          <p:cNvSpPr>
-            <a:spLocks noGrp="1"/>
-          </p:cNvSpPr>
-          <p:nvPr>
-            <p:ph type="body" idx="1"/>
-          </p:nvPr>
-        </p:nvSpPr>
-        <p:spPr/>
-        <p:txBody>
-          <a:bodyPr/>
-          <a:lstStyle/>
-          <a:p>
-            <a:endParaRPr lang="en-US" sz="1000" dirty="0"/>
-          </a:p>
-        </p:txBody>
-      </p:sp>
-      <p:sp>
-        <p:nvSpPr>
-          <p:cNvPr id="4" name="Slide Number Placeholder 3"/>
-          <p:cNvSpPr>
-            <a:spLocks noGrp="1"/>
-          </p:cNvSpPr>
-          <p:nvPr>
-            <p:ph type="sldNum" sz="quarter" idx="10"/>
-          </p:nvPr>
-        </p:nvSpPr>
-        <p:spPr/>
-        <p:txBody>
-          <a:bodyPr/>
-          <a:lstStyle/>
-          <a:p>
-            <a:fld id="{5394DE12-7B9B-46AA-AC19-C30A49928B9B}" type="slidenum">
-              <a:rPr lang="en-US" smtClean="0"/>
-              <a:t>32</a:t>
-            </a:fld>
-            <a:endParaRPr lang="en-US" dirty="0"/>
-          </a:p>
-        </p:txBody>
-      </p:sp>
-    </p:spTree>
-    <p:extLst>
-      <p:ext uri="{BB962C8B-B14F-4D97-AF65-F5344CB8AC3E}">
-        <p14:creationId xmlns:p14="http://schemas.microsoft.com/office/powerpoint/2010/main" val="1288533814"/>
-      </p:ext>
-    </p:extLst>
-  </p:cSld>
-  <p:clrMapOvr>
-    <a:masterClrMapping/>
-  </p:clrMapOvr>
-</p:notes>
-</file>
-
 <file path=ppt/notesSlides/notesSlide3.xml><?xml version="1.0" encoding="utf-8"?>
 <p:notes xmlns:a="http://schemas.openxmlformats.org/drawingml/2006/main" xmlns:r="http://schemas.openxmlformats.org/officeDocument/2006/relationships" xmlns:p="http://schemas.openxmlformats.org/presentationml/2006/main">
   <p:cSld>
@@ -2838,360 +1328,6 @@
             <a:fld id="{23B99BB9-C7F6-43B3-A122-46088ABB36FB}" type="slidenum">
               <a:rPr lang="en-US" smtClean="0"/>
               <a:t>3</a:t>
-            </a:fld>
-            <a:endParaRPr lang="en-US"/>
-          </a:p>
-        </p:txBody>
-      </p:sp>
-    </p:spTree>
-    <p:extLst>
-      <p:ext uri="{BB962C8B-B14F-4D97-AF65-F5344CB8AC3E}">
-        <p14:creationId xmlns:p14="http://schemas.microsoft.com/office/powerpoint/2010/main" val="1654858640"/>
-      </p:ext>
-    </p:extLst>
-  </p:cSld>
-  <p:clrMapOvr>
-    <a:masterClrMapping/>
-  </p:clrMapOvr>
-</p:notes>
-</file>
-
-<file path=ppt/notesSlides/notesSlide30.xml><?xml version="1.0" encoding="utf-8"?>
-<p:notes xmlns:a="http://schemas.openxmlformats.org/drawingml/2006/main" xmlns:r="http://schemas.openxmlformats.org/officeDocument/2006/relationships" xmlns:p="http://schemas.openxmlformats.org/presentationml/2006/main">
-  <p:cSld>
-    <p:spTree>
-      <p:nvGrpSpPr>
-        <p:cNvPr id="1" name=""/>
-        <p:cNvGrpSpPr/>
-        <p:nvPr/>
-      </p:nvGrpSpPr>
-      <p:grpSpPr>
-        <a:xfrm>
-          <a:off x="0" y="0"/>
-          <a:ext cx="0" cy="0"/>
-          <a:chOff x="0" y="0"/>
-          <a:chExt cx="0" cy="0"/>
-        </a:xfrm>
-      </p:grpSpPr>
-      <p:sp>
-        <p:nvSpPr>
-          <p:cNvPr id="2" name="Slide Image Placeholder 1"/>
-          <p:cNvSpPr>
-            <a:spLocks noGrp="1" noRot="1" noChangeAspect="1"/>
-          </p:cNvSpPr>
-          <p:nvPr>
-            <p:ph type="sldImg"/>
-          </p:nvPr>
-        </p:nvSpPr>
-        <p:spPr/>
-      </p:sp>
-      <p:sp>
-        <p:nvSpPr>
-          <p:cNvPr id="3" name="Notes Placeholder 2"/>
-          <p:cNvSpPr>
-            <a:spLocks noGrp="1"/>
-          </p:cNvSpPr>
-          <p:nvPr>
-            <p:ph type="body" idx="1"/>
-          </p:nvPr>
-        </p:nvSpPr>
-        <p:spPr/>
-        <p:txBody>
-          <a:bodyPr/>
-          <a:lstStyle/>
-          <a:p>
-            <a:endParaRPr lang="en-US" dirty="0"/>
-          </a:p>
-        </p:txBody>
-      </p:sp>
-      <p:sp>
-        <p:nvSpPr>
-          <p:cNvPr id="4" name="Slide Number Placeholder 3"/>
-          <p:cNvSpPr>
-            <a:spLocks noGrp="1"/>
-          </p:cNvSpPr>
-          <p:nvPr>
-            <p:ph type="sldNum" sz="quarter" idx="10"/>
-          </p:nvPr>
-        </p:nvSpPr>
-        <p:spPr/>
-        <p:txBody>
-          <a:bodyPr/>
-          <a:lstStyle/>
-          <a:p>
-            <a:fld id="{5394DE12-7B9B-46AA-AC19-C30A49928B9B}" type="slidenum">
-              <a:rPr lang="en-US" smtClean="0"/>
-              <a:t>33</a:t>
-            </a:fld>
-            <a:endParaRPr lang="en-US" dirty="0"/>
-          </a:p>
-        </p:txBody>
-      </p:sp>
-    </p:spTree>
-    <p:extLst>
-      <p:ext uri="{BB962C8B-B14F-4D97-AF65-F5344CB8AC3E}">
-        <p14:creationId xmlns:p14="http://schemas.microsoft.com/office/powerpoint/2010/main" val="2687718071"/>
-      </p:ext>
-    </p:extLst>
-  </p:cSld>
-  <p:clrMapOvr>
-    <a:masterClrMapping/>
-  </p:clrMapOvr>
-</p:notes>
-</file>
-
-<file path=ppt/notesSlides/notesSlide31.xml><?xml version="1.0" encoding="utf-8"?>
-<p:notes xmlns:a="http://schemas.openxmlformats.org/drawingml/2006/main" xmlns:r="http://schemas.openxmlformats.org/officeDocument/2006/relationships" xmlns:p="http://schemas.openxmlformats.org/presentationml/2006/main">
-  <p:cSld>
-    <p:spTree>
-      <p:nvGrpSpPr>
-        <p:cNvPr id="1" name=""/>
-        <p:cNvGrpSpPr/>
-        <p:nvPr/>
-      </p:nvGrpSpPr>
-      <p:grpSpPr>
-        <a:xfrm>
-          <a:off x="0" y="0"/>
-          <a:ext cx="0" cy="0"/>
-          <a:chOff x="0" y="0"/>
-          <a:chExt cx="0" cy="0"/>
-        </a:xfrm>
-      </p:grpSpPr>
-      <p:sp>
-        <p:nvSpPr>
-          <p:cNvPr id="2" name="Slide Image Placeholder 1"/>
-          <p:cNvSpPr>
-            <a:spLocks noGrp="1" noRot="1" noChangeAspect="1"/>
-          </p:cNvSpPr>
-          <p:nvPr>
-            <p:ph type="sldImg"/>
-          </p:nvPr>
-        </p:nvSpPr>
-        <p:spPr/>
-      </p:sp>
-      <p:sp>
-        <p:nvSpPr>
-          <p:cNvPr id="3" name="Notes Placeholder 2"/>
-          <p:cNvSpPr>
-            <a:spLocks noGrp="1"/>
-          </p:cNvSpPr>
-          <p:nvPr>
-            <p:ph type="body" idx="1"/>
-          </p:nvPr>
-        </p:nvSpPr>
-        <p:spPr/>
-        <p:txBody>
-          <a:bodyPr/>
-          <a:lstStyle/>
-          <a:p>
-            <a:endParaRPr lang="en-US" dirty="0"/>
-          </a:p>
-        </p:txBody>
-      </p:sp>
-      <p:sp>
-        <p:nvSpPr>
-          <p:cNvPr id="4" name="Slide Number Placeholder 3"/>
-          <p:cNvSpPr>
-            <a:spLocks noGrp="1"/>
-          </p:cNvSpPr>
-          <p:nvPr>
-            <p:ph type="sldNum" sz="quarter" idx="10"/>
-          </p:nvPr>
-        </p:nvSpPr>
-        <p:spPr/>
-        <p:txBody>
-          <a:bodyPr/>
-          <a:lstStyle/>
-          <a:p>
-            <a:fld id="{5394DE12-7B9B-46AA-AC19-C30A49928B9B}" type="slidenum">
-              <a:rPr lang="en-US" smtClean="0"/>
-              <a:t>34</a:t>
-            </a:fld>
-            <a:endParaRPr lang="en-US" dirty="0"/>
-          </a:p>
-        </p:txBody>
-      </p:sp>
-    </p:spTree>
-    <p:extLst>
-      <p:ext uri="{BB962C8B-B14F-4D97-AF65-F5344CB8AC3E}">
-        <p14:creationId xmlns:p14="http://schemas.microsoft.com/office/powerpoint/2010/main" val="3355459141"/>
-      </p:ext>
-    </p:extLst>
-  </p:cSld>
-  <p:clrMapOvr>
-    <a:masterClrMapping/>
-  </p:clrMapOvr>
-</p:notes>
-</file>
-
-<file path=ppt/notesSlides/notesSlide32.xml><?xml version="1.0" encoding="utf-8"?>
-<p:notes xmlns:a="http://schemas.openxmlformats.org/drawingml/2006/main" xmlns:r="http://schemas.openxmlformats.org/officeDocument/2006/relationships" xmlns:p="http://schemas.openxmlformats.org/presentationml/2006/main">
-  <p:cSld>
-    <p:spTree>
-      <p:nvGrpSpPr>
-        <p:cNvPr id="1" name=""/>
-        <p:cNvGrpSpPr/>
-        <p:nvPr/>
-      </p:nvGrpSpPr>
-      <p:grpSpPr>
-        <a:xfrm>
-          <a:off x="0" y="0"/>
-          <a:ext cx="0" cy="0"/>
-          <a:chOff x="0" y="0"/>
-          <a:chExt cx="0" cy="0"/>
-        </a:xfrm>
-      </p:grpSpPr>
-      <p:sp>
-        <p:nvSpPr>
-          <p:cNvPr id="2" name="Slide Image Placeholder 1"/>
-          <p:cNvSpPr>
-            <a:spLocks noGrp="1" noRot="1" noChangeAspect="1"/>
-          </p:cNvSpPr>
-          <p:nvPr>
-            <p:ph type="sldImg"/>
-          </p:nvPr>
-        </p:nvSpPr>
-        <p:spPr/>
-      </p:sp>
-      <p:sp>
-        <p:nvSpPr>
-          <p:cNvPr id="3" name="Notes Placeholder 2"/>
-          <p:cNvSpPr>
-            <a:spLocks noGrp="1"/>
-          </p:cNvSpPr>
-          <p:nvPr>
-            <p:ph type="body" idx="1"/>
-          </p:nvPr>
-        </p:nvSpPr>
-        <p:spPr/>
-        <p:txBody>
-          <a:bodyPr/>
-          <a:lstStyle/>
-          <a:p>
-            <a:r>
-              <a:rPr lang="en-US" sz="1200" dirty="0"/>
-              <a:t>This was kind of “hippy-</a:t>
-            </a:r>
-            <a:r>
-              <a:rPr lang="en-US" sz="1200" dirty="0" err="1"/>
-              <a:t>ish</a:t>
-            </a:r>
-            <a:r>
-              <a:rPr lang="en-US" sz="1200" dirty="0"/>
-              <a:t>” and egalitarian in its day… quite controversial in its day</a:t>
-            </a:r>
-          </a:p>
-          <a:p>
-            <a:r>
-              <a:rPr lang="en-US" sz="1200" dirty="0"/>
-              <a:t>“Everyone is a team member and is responsible for the work getting done”… we don’t need no titles or positions… self-organizing… we will make our own commitments… transparency (let’s share the information)… flexible/organic teams, organic architecture (minimal documentation/standards)… no contracts (let’s talk it over)</a:t>
-            </a:r>
-          </a:p>
-          <a:p>
-            <a:endParaRPr lang="en-US" sz="1200" dirty="0"/>
-          </a:p>
-          <a:p>
-            <a:r>
-              <a:rPr lang="en-US" sz="1200" dirty="0"/>
-              <a:t>The flip side:</a:t>
-            </a:r>
-          </a:p>
-          <a:p>
-            <a:pPr marL="171450" indent="-171450">
-              <a:buFont typeface="Arial" panose="020B0604020202020204" pitchFamily="34" charset="0"/>
-              <a:buChar char="•"/>
-            </a:pPr>
-            <a:r>
-              <a:rPr lang="en-US" sz="1200" dirty="0"/>
-              <a:t>We will actively and voluntarily play important roles on our team</a:t>
-            </a:r>
-          </a:p>
-          <a:p>
-            <a:pPr marL="171450" indent="-171450">
-              <a:buFont typeface="Arial" panose="020B0604020202020204" pitchFamily="34" charset="0"/>
-              <a:buChar char="•"/>
-            </a:pPr>
-            <a:r>
-              <a:rPr lang="en-US" sz="1200" dirty="0"/>
-              <a:t>The rules (rituals) that we do have… we WILL follow</a:t>
-            </a:r>
-          </a:p>
-          <a:p>
-            <a:pPr marL="171450" indent="-171450">
-              <a:buFont typeface="Arial" panose="020B0604020202020204" pitchFamily="34" charset="0"/>
-              <a:buChar char="•"/>
-            </a:pPr>
-            <a:r>
-              <a:rPr lang="en-US" sz="1200" dirty="0"/>
-              <a:t>We will create, demo, and release working software/products</a:t>
-            </a:r>
-          </a:p>
-          <a:p>
-            <a:pPr marL="171450" indent="-171450">
-              <a:buFont typeface="Arial" panose="020B0604020202020204" pitchFamily="34" charset="0"/>
-              <a:buChar char="•"/>
-            </a:pPr>
-            <a:r>
-              <a:rPr lang="en-US" sz="1200" dirty="0"/>
-              <a:t>We will utilize practical processes, tools, documentation, and planning</a:t>
-            </a:r>
-          </a:p>
-          <a:p>
-            <a:pPr marL="171450" indent="-171450">
-              <a:buFont typeface="Arial" panose="020B0604020202020204" pitchFamily="34" charset="0"/>
-              <a:buChar char="•"/>
-            </a:pPr>
-            <a:r>
-              <a:rPr lang="en-US" sz="1200" dirty="0"/>
-              <a:t>When we make commitments, we will live up to those commitments… as a team (“No winners on a losing team, and no losers on a winning team”)</a:t>
-            </a:r>
-          </a:p>
-          <a:p>
-            <a:pPr marL="171450" indent="-171450">
-              <a:buFont typeface="Arial" panose="020B0604020202020204" pitchFamily="34" charset="0"/>
-              <a:buChar char="•"/>
-            </a:pPr>
-            <a:r>
-              <a:rPr lang="en-US" sz="1200" dirty="0"/>
-              <a:t>We will be responsive and continuously improve (Retrospectives)</a:t>
-            </a:r>
-          </a:p>
-          <a:p>
-            <a:pPr marL="171450" indent="-171450">
-              <a:buFont typeface="Arial" panose="020B0604020202020204" pitchFamily="34" charset="0"/>
-              <a:buChar char="•"/>
-            </a:pPr>
-            <a:r>
-              <a:rPr lang="en-US" sz="1200" dirty="0"/>
-              <a:t>We will be transparent with how WE work and share our information</a:t>
-            </a:r>
-          </a:p>
-          <a:p>
-            <a:endParaRPr lang="en-US" sz="1200" dirty="0"/>
-          </a:p>
-          <a:p>
-            <a:endParaRPr lang="en-US" dirty="0"/>
-          </a:p>
-        </p:txBody>
-      </p:sp>
-      <p:sp>
-        <p:nvSpPr>
-          <p:cNvPr id="4" name="Slide Number Placeholder 3"/>
-          <p:cNvSpPr>
-            <a:spLocks noGrp="1"/>
-          </p:cNvSpPr>
-          <p:nvPr>
-            <p:ph type="sldNum" sz="quarter" idx="10"/>
-          </p:nvPr>
-        </p:nvSpPr>
-        <p:spPr/>
-        <p:txBody>
-          <a:bodyPr/>
-          <a:lstStyle/>
-          <a:p>
-            <a:fld id="{23B99BB9-C7F6-43B3-A122-46088ABB36FB}" type="slidenum">
-              <a:rPr lang="en-US" smtClean="0"/>
-              <a:t>35</a:t>
             </a:fld>
             <a:endParaRPr lang="en-US"/>
           </a:p>
@@ -3593,7 +1729,109 @@
           <a:bodyPr/>
           <a:lstStyle/>
           <a:p>
-            <a:endParaRPr lang="en-US" sz="1000" dirty="0"/>
+            <a:r>
+              <a:rPr lang="en-US" sz="1200" dirty="0"/>
+              <a:t>This was kind of “hippy-</a:t>
+            </a:r>
+            <a:r>
+              <a:rPr lang="en-US" sz="1200" dirty="0" err="1"/>
+              <a:t>ish</a:t>
+            </a:r>
+            <a:r>
+              <a:rPr lang="en-US" sz="1200" dirty="0"/>
+              <a:t>” and egalitarian in its day… quite controversial in its day</a:t>
+            </a:r>
+          </a:p>
+          <a:p>
+            <a:r>
+              <a:rPr lang="en-US" sz="1200" dirty="0"/>
+              <a:t>“Everyone is a team member and is responsible for the work getting done”… we don’t need no titles or positions… self-organizing… we will make our own commitments… transparency (let’s share the information)… flexible/organic teams, organic architecture (minimal documentation/standards)… no contracts (let’s talk it over)</a:t>
+            </a:r>
+          </a:p>
+          <a:p>
+            <a:endParaRPr lang="en-US" sz="1200" dirty="0"/>
+          </a:p>
+          <a:p>
+            <a:r>
+              <a:rPr lang="en-US" sz="1200" dirty="0"/>
+              <a:t>The flip side:</a:t>
+            </a:r>
+          </a:p>
+          <a:p>
+            <a:pPr marL="171450" indent="-171450">
+              <a:buFont typeface="Arial" panose="020B0604020202020204" pitchFamily="34" charset="0"/>
+              <a:buChar char="•"/>
+            </a:pPr>
+            <a:r>
+              <a:rPr lang="en-US" sz="1200" dirty="0"/>
+              <a:t>We will actively and voluntarily play important roles on our team</a:t>
+            </a:r>
+          </a:p>
+          <a:p>
+            <a:pPr marL="171450" indent="-171450">
+              <a:buFont typeface="Arial" panose="020B0604020202020204" pitchFamily="34" charset="0"/>
+              <a:buChar char="•"/>
+            </a:pPr>
+            <a:r>
+              <a:rPr lang="en-US" sz="1200" dirty="0"/>
+              <a:t>The rules (rituals) that we do have… we WILL follow</a:t>
+            </a:r>
+          </a:p>
+          <a:p>
+            <a:pPr marL="171450" indent="-171450">
+              <a:buFont typeface="Arial" panose="020B0604020202020204" pitchFamily="34" charset="0"/>
+              <a:buChar char="•"/>
+            </a:pPr>
+            <a:r>
+              <a:rPr lang="en-US" sz="1200" dirty="0"/>
+              <a:t>We will create, demo, and release working software/products</a:t>
+            </a:r>
+          </a:p>
+          <a:p>
+            <a:pPr marL="171450" indent="-171450">
+              <a:buFont typeface="Arial" panose="020B0604020202020204" pitchFamily="34" charset="0"/>
+              <a:buChar char="•"/>
+            </a:pPr>
+            <a:r>
+              <a:rPr lang="en-US" sz="1200" dirty="0"/>
+              <a:t>We will utilize practical processes, tools, documentation, and planning</a:t>
+            </a:r>
+          </a:p>
+          <a:p>
+            <a:pPr marL="171450" indent="-171450">
+              <a:buFont typeface="Arial" panose="020B0604020202020204" pitchFamily="34" charset="0"/>
+              <a:buChar char="•"/>
+            </a:pPr>
+            <a:r>
+              <a:rPr lang="en-US" sz="1200" dirty="0"/>
+              <a:t>When we make commitments, we will live up to those commitments… as a team (“No winners on a losing team, and no losers on a winning team”)</a:t>
+            </a:r>
+          </a:p>
+          <a:p>
+            <a:pPr marL="171450" indent="-171450">
+              <a:buFont typeface="Arial" panose="020B0604020202020204" pitchFamily="34" charset="0"/>
+              <a:buChar char="•"/>
+            </a:pPr>
+            <a:r>
+              <a:rPr lang="en-US" sz="1200" dirty="0"/>
+              <a:t>We will be responsive and continuously improve (Retrospectives)</a:t>
+            </a:r>
+          </a:p>
+          <a:p>
+            <a:pPr marL="171450" indent="-171450">
+              <a:buFont typeface="Arial" panose="020B0604020202020204" pitchFamily="34" charset="0"/>
+              <a:buChar char="•"/>
+            </a:pPr>
+            <a:r>
+              <a:rPr lang="en-US" sz="1200" dirty="0"/>
+              <a:t>We will be transparent with how WE work and share our information</a:t>
+            </a:r>
+          </a:p>
+          <a:p>
+            <a:endParaRPr lang="en-US" sz="1200" dirty="0"/>
+          </a:p>
+          <a:p>
+            <a:endParaRPr lang="en-US" dirty="0"/>
           </a:p>
         </p:txBody>
       </p:sp>
@@ -3612,18 +1850,18 @@
           <a:bodyPr/>
           <a:lstStyle/>
           <a:p>
-            <a:fld id="{5394DE12-7B9B-46AA-AC19-C30A49928B9B}" type="slidenum">
+            <a:fld id="{23B99BB9-C7F6-43B3-A122-46088ABB36FB}" type="slidenum">
               <a:rPr lang="en-US" smtClean="0"/>
               <a:t>9</a:t>
             </a:fld>
-            <a:endParaRPr lang="en-US" dirty="0"/>
+            <a:endParaRPr lang="en-US"/>
           </a:p>
         </p:txBody>
       </p:sp>
     </p:spTree>
     <p:extLst>
       <p:ext uri="{BB962C8B-B14F-4D97-AF65-F5344CB8AC3E}">
-        <p14:creationId xmlns:p14="http://schemas.microsoft.com/office/powerpoint/2010/main" val="3527094073"/>
+        <p14:creationId xmlns:p14="http://schemas.microsoft.com/office/powerpoint/2010/main" val="1445466240"/>
       </p:ext>
     </p:extLst>
   </p:cSld>
@@ -3677,37 +1915,37 @@
           <a:bodyPr/>
           <a:lstStyle/>
           <a:p>
+            <a:endParaRPr lang="en-US" sz="1000" dirty="0"/>
+          </a:p>
+        </p:txBody>
+      </p:sp>
+      <p:sp>
+        <p:nvSpPr>
+          <p:cNvPr id="4" name="Slide Number Placeholder 3"/>
+          <p:cNvSpPr>
+            <a:spLocks noGrp="1"/>
+          </p:cNvSpPr>
+          <p:nvPr>
+            <p:ph type="sldNum" sz="quarter" idx="10"/>
+          </p:nvPr>
+        </p:nvSpPr>
+        <p:spPr/>
+        <p:txBody>
+          <a:bodyPr/>
+          <a:lstStyle/>
+          <a:p>
+            <a:fld id="{5394DE12-7B9B-46AA-AC19-C30A49928B9B}" type="slidenum">
+              <a:rPr lang="en-US" smtClean="0"/>
+              <a:t>11</a:t>
+            </a:fld>
             <a:endParaRPr lang="en-US" dirty="0"/>
-          </a:p>
-        </p:txBody>
-      </p:sp>
-      <p:sp>
-        <p:nvSpPr>
-          <p:cNvPr id="4" name="Slide Number Placeholder 3"/>
-          <p:cNvSpPr>
-            <a:spLocks noGrp="1"/>
-          </p:cNvSpPr>
-          <p:nvPr>
-            <p:ph type="sldNum" sz="quarter" idx="10"/>
-          </p:nvPr>
-        </p:nvSpPr>
-        <p:spPr/>
-        <p:txBody>
-          <a:bodyPr/>
-          <a:lstStyle/>
-          <a:p>
-            <a:fld id="{23B99BB9-C7F6-43B3-A122-46088ABB36FB}" type="slidenum">
-              <a:rPr lang="en-US" smtClean="0"/>
-              <a:t>10</a:t>
-            </a:fld>
-            <a:endParaRPr lang="en-US"/>
           </a:p>
         </p:txBody>
       </p:sp>
     </p:spTree>
     <p:extLst>
       <p:ext uri="{BB962C8B-B14F-4D97-AF65-F5344CB8AC3E}">
-        <p14:creationId xmlns:p14="http://schemas.microsoft.com/office/powerpoint/2010/main" val="3791908270"/>
+        <p14:creationId xmlns:p14="http://schemas.microsoft.com/office/powerpoint/2010/main" val="3527094073"/>
       </p:ext>
     </p:extLst>
   </p:cSld>
@@ -3864,7 +2102,7 @@
           <a:p>
             <a:fld id="{1B52E0E1-344B-4E26-B5AD-CE86AB802485}" type="datetimeFigureOut">
               <a:rPr lang="en-US" smtClean="0"/>
-              <a:t>1/15/2019</a:t>
+              <a:t>1/16/2019</a:t>
             </a:fld>
             <a:endParaRPr lang="en-US"/>
           </a:p>
@@ -4062,7 +2300,7 @@
           <a:p>
             <a:fld id="{1B52E0E1-344B-4E26-B5AD-CE86AB802485}" type="datetimeFigureOut">
               <a:rPr lang="en-US" smtClean="0"/>
-              <a:t>1/15/2019</a:t>
+              <a:t>1/16/2019</a:t>
             </a:fld>
             <a:endParaRPr lang="en-US"/>
           </a:p>
@@ -4270,7 +2508,7 @@
           <a:p>
             <a:fld id="{1B52E0E1-344B-4E26-B5AD-CE86AB802485}" type="datetimeFigureOut">
               <a:rPr lang="en-US" smtClean="0"/>
-              <a:t>1/15/2019</a:t>
+              <a:t>1/16/2019</a:t>
             </a:fld>
             <a:endParaRPr lang="en-US"/>
           </a:p>
@@ -4468,7 +2706,7 @@
           <a:p>
             <a:fld id="{1B52E0E1-344B-4E26-B5AD-CE86AB802485}" type="datetimeFigureOut">
               <a:rPr lang="en-US" smtClean="0"/>
-              <a:t>1/15/2019</a:t>
+              <a:t>1/16/2019</a:t>
             </a:fld>
             <a:endParaRPr lang="en-US"/>
           </a:p>
@@ -4743,7 +2981,7 @@
           <a:p>
             <a:fld id="{1B52E0E1-344B-4E26-B5AD-CE86AB802485}" type="datetimeFigureOut">
               <a:rPr lang="en-US" smtClean="0"/>
-              <a:t>1/15/2019</a:t>
+              <a:t>1/16/2019</a:t>
             </a:fld>
             <a:endParaRPr lang="en-US"/>
           </a:p>
@@ -5008,7 +3246,7 @@
           <a:p>
             <a:fld id="{1B52E0E1-344B-4E26-B5AD-CE86AB802485}" type="datetimeFigureOut">
               <a:rPr lang="en-US" smtClean="0"/>
-              <a:t>1/15/2019</a:t>
+              <a:t>1/16/2019</a:t>
             </a:fld>
             <a:endParaRPr lang="en-US"/>
           </a:p>
@@ -5420,7 +3658,7 @@
           <a:p>
             <a:fld id="{1B52E0E1-344B-4E26-B5AD-CE86AB802485}" type="datetimeFigureOut">
               <a:rPr lang="en-US" smtClean="0"/>
-              <a:t>1/15/2019</a:t>
+              <a:t>1/16/2019</a:t>
             </a:fld>
             <a:endParaRPr lang="en-US"/>
           </a:p>
@@ -5561,7 +3799,7 @@
           <a:p>
             <a:fld id="{1B52E0E1-344B-4E26-B5AD-CE86AB802485}" type="datetimeFigureOut">
               <a:rPr lang="en-US" smtClean="0"/>
-              <a:t>1/15/2019</a:t>
+              <a:t>1/16/2019</a:t>
             </a:fld>
             <a:endParaRPr lang="en-US"/>
           </a:p>
@@ -5674,7 +3912,7 @@
           <a:p>
             <a:fld id="{1B52E0E1-344B-4E26-B5AD-CE86AB802485}" type="datetimeFigureOut">
               <a:rPr lang="en-US" smtClean="0"/>
-              <a:t>1/15/2019</a:t>
+              <a:t>1/16/2019</a:t>
             </a:fld>
             <a:endParaRPr lang="en-US"/>
           </a:p>
@@ -5985,7 +4223,7 @@
           <a:p>
             <a:fld id="{1B52E0E1-344B-4E26-B5AD-CE86AB802485}" type="datetimeFigureOut">
               <a:rPr lang="en-US" smtClean="0"/>
-              <a:t>1/15/2019</a:t>
+              <a:t>1/16/2019</a:t>
             </a:fld>
             <a:endParaRPr lang="en-US"/>
           </a:p>
@@ -6273,7 +4511,7 @@
           <a:p>
             <a:fld id="{1B52E0E1-344B-4E26-B5AD-CE86AB802485}" type="datetimeFigureOut">
               <a:rPr lang="en-US" smtClean="0"/>
-              <a:t>1/15/2019</a:t>
+              <a:t>1/16/2019</a:t>
             </a:fld>
             <a:endParaRPr lang="en-US"/>
           </a:p>
@@ -6514,7 +4752,7 @@
           <a:p>
             <a:fld id="{1B52E0E1-344B-4E26-B5AD-CE86AB802485}" type="datetimeFigureOut">
               <a:rPr lang="en-US" smtClean="0"/>
-              <a:t>1/15/2019</a:t>
+              <a:t>1/16/2019</a:t>
             </a:fld>
             <a:endParaRPr lang="en-US"/>
           </a:p>
@@ -7004,7 +5242,7 @@
         </p:spPr>
         <p:txBody>
           <a:bodyPr>
-            <a:normAutofit fontScale="92500" lnSpcReduction="10000"/>
+            <a:normAutofit fontScale="92500" lnSpcReduction="20000"/>
           </a:bodyPr>
           <a:lstStyle/>
           <a:p>
@@ -7063,7 +5301,7 @@
             </a:pPr>
             <a:r>
               <a:rPr lang="en-US" sz="2200" dirty="0"/>
-              <a:t>Review Weeks 1&amp;2 (Sprint 1) Activities &amp; Assignments</a:t>
+              <a:t>The Agile Manifesto &amp; Sprint Reviews</a:t>
             </a:r>
           </a:p>
           <a:p>
@@ -7073,6 +5311,16 @@
             </a:pPr>
             <a:r>
               <a:rPr lang="en-US" sz="2200" dirty="0"/>
+              <a:t>Review Weeks 1&amp;2 (Sprint 1) Activities &amp; Assignments</a:t>
+            </a:r>
+          </a:p>
+          <a:p>
+            <a:pPr marL="457200" indent="-457200">
+              <a:buFont typeface="+mj-lt"/>
+              <a:buAutoNum type="arabicPeriod"/>
+            </a:pPr>
+            <a:r>
+              <a:rPr lang="en-US" sz="2200" dirty="0"/>
               <a:t>Review </a:t>
             </a:r>
             <a:r>
@@ -7081,7 +5329,7 @@
             </a:r>
             <a:r>
               <a:rPr lang="en-US" sz="2200" dirty="0"/>
-              <a:t> Topics</a:t>
+              <a:t> Topics… OOP Concepts, Patterns, and Principles</a:t>
             </a:r>
           </a:p>
           <a:p>
@@ -7215,6 +5463,600 @@
           <p:cNvPr id="2" name="Title 1">
             <a:extLst>
               <a:ext uri="{FF2B5EF4-FFF2-40B4-BE49-F238E27FC236}">
+                <a16:creationId xmlns:a16="http://schemas.microsoft.com/office/drawing/2014/main" id="{443FD3EE-6698-4602-B4C0-718F014616A4}"/>
+              </a:ext>
+            </a:extLst>
+          </p:cNvPr>
+          <p:cNvSpPr>
+            <a:spLocks noGrp="1"/>
+          </p:cNvSpPr>
+          <p:nvPr>
+            <p:ph type="title"/>
+          </p:nvPr>
+        </p:nvSpPr>
+        <p:spPr/>
+        <p:txBody>
+          <a:bodyPr/>
+          <a:lstStyle/>
+          <a:p>
+            <a:r>
+              <a:rPr lang="en-US" dirty="0"/>
+              <a:t>Scrum &amp; Scrum Roles – Sprint Review</a:t>
+            </a:r>
+          </a:p>
+        </p:txBody>
+      </p:sp>
+      <p:pic>
+        <p:nvPicPr>
+          <p:cNvPr id="1026" name="Picture 2" descr="https://upload.wikimedia.org/wikipedia/commons/d/df/Scrum_Framework.png">
+            <a:extLst>
+              <a:ext uri="{FF2B5EF4-FFF2-40B4-BE49-F238E27FC236}">
+                <a16:creationId xmlns:a16="http://schemas.microsoft.com/office/drawing/2014/main" id="{94D187A3-9AAC-4908-B843-2E262C28DBFE}"/>
+              </a:ext>
+            </a:extLst>
+          </p:cNvPr>
+          <p:cNvPicPr>
+            <a:picLocks noChangeAspect="1" noChangeArrowheads="1"/>
+          </p:cNvPicPr>
+          <p:nvPr/>
+        </p:nvPicPr>
+        <p:blipFill>
+          <a:blip r:embed="rId2">
+            <a:extLst>
+              <a:ext uri="{28A0092B-C50C-407E-A947-70E740481C1C}">
+                <a14:useLocalDpi xmlns:a14="http://schemas.microsoft.com/office/drawing/2010/main" val="0"/>
+              </a:ext>
+            </a:extLst>
+          </a:blip>
+          <a:srcRect/>
+          <a:stretch>
+            <a:fillRect/>
+          </a:stretch>
+        </p:blipFill>
+        <p:spPr bwMode="auto">
+          <a:xfrm>
+            <a:off x="2221847" y="1341064"/>
+            <a:ext cx="8138182" cy="4531099"/>
+          </a:xfrm>
+          <a:prstGeom prst="rect">
+            <a:avLst/>
+          </a:prstGeom>
+          <a:noFill/>
+          <a:extLst>
+            <a:ext uri="{909E8E84-426E-40DD-AFC4-6F175D3DCCD1}">
+              <a14:hiddenFill xmlns:a14="http://schemas.microsoft.com/office/drawing/2010/main">
+                <a:solidFill>
+                  <a:srgbClr val="FFFFFF"/>
+                </a:solidFill>
+              </a14:hiddenFill>
+            </a:ext>
+          </a:extLst>
+        </p:spPr>
+      </p:pic>
+      <p:sp>
+        <p:nvSpPr>
+          <p:cNvPr id="6" name="Rectangle 5">
+            <a:extLst>
+              <a:ext uri="{FF2B5EF4-FFF2-40B4-BE49-F238E27FC236}">
+                <a16:creationId xmlns:a16="http://schemas.microsoft.com/office/drawing/2014/main" id="{C5034F42-102F-445B-BE40-5AF1FC99349D}"/>
+              </a:ext>
+            </a:extLst>
+          </p:cNvPr>
+          <p:cNvSpPr/>
+          <p:nvPr/>
+        </p:nvSpPr>
+        <p:spPr>
+          <a:xfrm>
+            <a:off x="3916346" y="6123543"/>
+            <a:ext cx="4749185" cy="369332"/>
+          </a:xfrm>
+          <a:prstGeom prst="rect">
+            <a:avLst/>
+          </a:prstGeom>
+        </p:spPr>
+        <p:txBody>
+          <a:bodyPr wrap="none">
+            <a:spAutoFit/>
+          </a:bodyPr>
+          <a:lstStyle/>
+          <a:p>
+            <a:r>
+              <a:rPr lang="en-US" dirty="0"/>
+              <a:t>By </a:t>
+            </a:r>
+            <a:r>
+              <a:rPr lang="en-US" dirty="0" err="1">
+                <a:hlinkClick r:id="rId3" tooltip="User:Dr ian mitchell (page does not exist)"/>
+              </a:rPr>
+              <a:t>Dr</a:t>
+            </a:r>
+            <a:r>
+              <a:rPr lang="en-US" dirty="0">
+                <a:hlinkClick r:id="rId3" tooltip="User:Dr ian mitchell (page does not exist)"/>
+              </a:rPr>
+              <a:t> </a:t>
+            </a:r>
+            <a:r>
+              <a:rPr lang="en-US" dirty="0" err="1">
+                <a:hlinkClick r:id="rId3" tooltip="User:Dr ian mitchell (page does not exist)"/>
+              </a:rPr>
+              <a:t>ian</a:t>
+            </a:r>
+            <a:r>
+              <a:rPr lang="en-US" dirty="0">
+                <a:hlinkClick r:id="rId3" tooltip="User:Dr ian mitchell (page does not exist)"/>
+              </a:rPr>
+              <a:t> </a:t>
+            </a:r>
+            <a:r>
+              <a:rPr lang="en-US" dirty="0" err="1">
+                <a:hlinkClick r:id="rId3" tooltip="User:Dr ian mitchell (page does not exist)"/>
+              </a:rPr>
+              <a:t>mitchell</a:t>
+            </a:r>
+            <a:r>
+              <a:rPr lang="en-US" dirty="0"/>
+              <a:t> - Own work, </a:t>
+            </a:r>
+            <a:r>
+              <a:rPr lang="en-US" dirty="0">
+                <a:hlinkClick r:id="rId4" tooltip="Creative Commons Attribution-Share Alike 4.0"/>
+              </a:rPr>
+              <a:t>CC BY-SA 4.0</a:t>
+            </a:r>
+            <a:r>
+              <a:rPr lang="en-US" dirty="0"/>
+              <a:t>, </a:t>
+            </a:r>
+            <a:r>
+              <a:rPr lang="en-US" dirty="0">
+                <a:hlinkClick r:id="rId5"/>
+              </a:rPr>
+              <a:t>Link</a:t>
+            </a:r>
+            <a:endParaRPr lang="en-US" dirty="0"/>
+          </a:p>
+        </p:txBody>
+      </p:sp>
+      <p:sp>
+        <p:nvSpPr>
+          <p:cNvPr id="13" name="Oval 12">
+            <a:extLst>
+              <a:ext uri="{FF2B5EF4-FFF2-40B4-BE49-F238E27FC236}">
+                <a16:creationId xmlns:a16="http://schemas.microsoft.com/office/drawing/2014/main" id="{CB822028-AE62-4F61-8F14-297C0D4C1218}"/>
+              </a:ext>
+            </a:extLst>
+          </p:cNvPr>
+          <p:cNvSpPr/>
+          <p:nvPr/>
+        </p:nvSpPr>
+        <p:spPr>
+          <a:xfrm>
+            <a:off x="7314143" y="4832332"/>
+            <a:ext cx="1303578" cy="554229"/>
+          </a:xfrm>
+          <a:prstGeom prst="ellipse">
+            <a:avLst/>
+          </a:prstGeom>
+          <a:solidFill>
+            <a:schemeClr val="tx1">
+              <a:alpha val="0"/>
+            </a:schemeClr>
+          </a:solidFill>
+          <a:ln w="38100">
+            <a:solidFill>
+              <a:srgbClr val="C00000"/>
+            </a:solidFill>
+          </a:ln>
+        </p:spPr>
+        <p:style>
+          <a:lnRef idx="2">
+            <a:schemeClr val="accent1">
+              <a:shade val="50000"/>
+            </a:schemeClr>
+          </a:lnRef>
+          <a:fillRef idx="1">
+            <a:schemeClr val="accent1"/>
+          </a:fillRef>
+          <a:effectRef idx="0">
+            <a:schemeClr val="accent1"/>
+          </a:effectRef>
+          <a:fontRef idx="minor">
+            <a:schemeClr val="lt1"/>
+          </a:fontRef>
+        </p:style>
+        <p:txBody>
+          <a:bodyPr rtlCol="0" anchor="ctr"/>
+          <a:lstStyle/>
+          <a:p>
+            <a:pPr algn="ctr"/>
+            <a:endParaRPr lang="en-US"/>
+          </a:p>
+        </p:txBody>
+      </p:sp>
+    </p:spTree>
+    <p:extLst>
+      <p:ext uri="{BB962C8B-B14F-4D97-AF65-F5344CB8AC3E}">
+        <p14:creationId xmlns:p14="http://schemas.microsoft.com/office/powerpoint/2010/main" val="3648762814"/>
+      </p:ext>
+    </p:extLst>
+  </p:cSld>
+  <p:clrMapOvr>
+    <a:masterClrMapping/>
+  </p:clrMapOvr>
+  <p:timing>
+    <p:tnLst>
+      <p:par>
+        <p:cTn id="1" dur="indefinite" restart="never" nodeType="tmRoot">
+          <p:childTnLst>
+            <p:seq concurrent="1" nextAc="seek">
+              <p:cTn id="2" dur="indefinite" nodeType="mainSeq">
+                <p:childTnLst>
+                  <p:par>
+                    <p:cTn id="3" fill="hold">
+                      <p:stCondLst>
+                        <p:cond delay="indefinite"/>
+                      </p:stCondLst>
+                      <p:childTnLst>
+                        <p:par>
+                          <p:cTn id="4" fill="hold">
+                            <p:stCondLst>
+                              <p:cond delay="0"/>
+                            </p:stCondLst>
+                            <p:childTnLst>
+                              <p:par>
+                                <p:cTn id="5" presetID="2" presetClass="entr" presetSubtype="4" fill="hold" grpId="0" nodeType="clickEffect">
+                                  <p:stCondLst>
+                                    <p:cond delay="0"/>
+                                  </p:stCondLst>
+                                  <p:childTnLst>
+                                    <p:set>
+                                      <p:cBhvr>
+                                        <p:cTn id="6" dur="1" fill="hold">
+                                          <p:stCondLst>
+                                            <p:cond delay="0"/>
+                                          </p:stCondLst>
+                                        </p:cTn>
+                                        <p:tgtEl>
+                                          <p:spTgt spid="13"/>
+                                        </p:tgtEl>
+                                        <p:attrNameLst>
+                                          <p:attrName>style.visibility</p:attrName>
+                                        </p:attrNameLst>
+                                      </p:cBhvr>
+                                      <p:to>
+                                        <p:strVal val="visible"/>
+                                      </p:to>
+                                    </p:set>
+                                    <p:anim calcmode="lin" valueType="num">
+                                      <p:cBhvr additive="base">
+                                        <p:cTn id="7" dur="500" fill="hold"/>
+                                        <p:tgtEl>
+                                          <p:spTgt spid="13"/>
+                                        </p:tgtEl>
+                                        <p:attrNameLst>
+                                          <p:attrName>ppt_x</p:attrName>
+                                        </p:attrNameLst>
+                                      </p:cBhvr>
+                                      <p:tavLst>
+                                        <p:tav tm="0">
+                                          <p:val>
+                                            <p:strVal val="#ppt_x"/>
+                                          </p:val>
+                                        </p:tav>
+                                        <p:tav tm="100000">
+                                          <p:val>
+                                            <p:strVal val="#ppt_x"/>
+                                          </p:val>
+                                        </p:tav>
+                                      </p:tavLst>
+                                    </p:anim>
+                                    <p:anim calcmode="lin" valueType="num">
+                                      <p:cBhvr additive="base">
+                                        <p:cTn id="8" dur="500" fill="hold"/>
+                                        <p:tgtEl>
+                                          <p:spTgt spid="13"/>
+                                        </p:tgtEl>
+                                        <p:attrNameLst>
+                                          <p:attrName>ppt_y</p:attrName>
+                                        </p:attrNameLst>
+                                      </p:cBhvr>
+                                      <p:tavLst>
+                                        <p:tav tm="0">
+                                          <p:val>
+                                            <p:strVal val="1+#ppt_h/2"/>
+                                          </p:val>
+                                        </p:tav>
+                                        <p:tav tm="100000">
+                                          <p:val>
+                                            <p:strVal val="#ppt_y"/>
+                                          </p:val>
+                                        </p:tav>
+                                      </p:tavLst>
+                                    </p:anim>
+                                  </p:childTnLst>
+                                </p:cTn>
+                              </p:par>
+                            </p:childTnLst>
+                          </p:cTn>
+                        </p:par>
+                      </p:childTnLst>
+                    </p:cTn>
+                  </p:par>
+                </p:childTnLst>
+              </p:cTn>
+              <p:prevCondLst>
+                <p:cond evt="onPrev" delay="0">
+                  <p:tgtEl>
+                    <p:sldTgt/>
+                  </p:tgtEl>
+                </p:cond>
+              </p:prevCondLst>
+              <p:nextCondLst>
+                <p:cond evt="onNext" delay="0">
+                  <p:tgtEl>
+                    <p:sldTgt/>
+                  </p:tgtEl>
+                </p:cond>
+              </p:nextCondLst>
+            </p:seq>
+          </p:childTnLst>
+        </p:cTn>
+      </p:par>
+    </p:tnLst>
+    <p:bldLst>
+      <p:bldP spid="13" grpId="0" animBg="1"/>
+    </p:bldLst>
+  </p:timing>
+</p:sld>
+</file>
+
+<file path=ppt/slides/slide11.xml><?xml version="1.0" encoding="utf-8"?>
+<p:sld xmlns:a="http://schemas.openxmlformats.org/drawingml/2006/main" xmlns:r="http://schemas.openxmlformats.org/officeDocument/2006/relationships" xmlns:p="http://schemas.openxmlformats.org/presentationml/2006/main">
+  <p:cSld>
+    <p:spTree>
+      <p:nvGrpSpPr>
+        <p:cNvPr id="1" name=""/>
+        <p:cNvGrpSpPr/>
+        <p:nvPr/>
+      </p:nvGrpSpPr>
+      <p:grpSpPr>
+        <a:xfrm>
+          <a:off x="0" y="0"/>
+          <a:ext cx="0" cy="0"/>
+          <a:chOff x="0" y="0"/>
+          <a:chExt cx="0" cy="0"/>
+        </a:xfrm>
+      </p:grpSpPr>
+      <p:sp>
+        <p:nvSpPr>
+          <p:cNvPr id="2" name="Title 1"/>
+          <p:cNvSpPr>
+            <a:spLocks noGrp="1"/>
+          </p:cNvSpPr>
+          <p:nvPr>
+            <p:ph type="ctrTitle"/>
+          </p:nvPr>
+        </p:nvSpPr>
+        <p:spPr>
+          <a:xfrm>
+            <a:off x="1524000" y="3025490"/>
+            <a:ext cx="9144000" cy="807019"/>
+          </a:xfrm>
+        </p:spPr>
+        <p:txBody>
+          <a:bodyPr anchor="ctr">
+            <a:normAutofit fontScale="90000"/>
+          </a:bodyPr>
+          <a:lstStyle/>
+          <a:p>
+            <a:r>
+              <a:rPr lang="en-US" sz="4800" dirty="0"/>
+              <a:t>Weeks 1&amp;2 (Sprint 1)</a:t>
+            </a:r>
+            <a:br>
+              <a:rPr lang="en-US" sz="4800" dirty="0"/>
+            </a:br>
+            <a:r>
+              <a:rPr lang="en-US" sz="4800" dirty="0"/>
+              <a:t>Activities &amp; Assignments</a:t>
+            </a:r>
+          </a:p>
+        </p:txBody>
+      </p:sp>
+    </p:spTree>
+    <p:extLst>
+      <p:ext uri="{BB962C8B-B14F-4D97-AF65-F5344CB8AC3E}">
+        <p14:creationId xmlns:p14="http://schemas.microsoft.com/office/powerpoint/2010/main" val="2589612038"/>
+      </p:ext>
+    </p:extLst>
+  </p:cSld>
+  <p:clrMapOvr>
+    <a:masterClrMapping/>
+  </p:clrMapOvr>
+</p:sld>
+</file>
+
+<file path=ppt/slides/slide12.xml><?xml version="1.0" encoding="utf-8"?>
+<p:sld xmlns:a="http://schemas.openxmlformats.org/drawingml/2006/main" xmlns:r="http://schemas.openxmlformats.org/officeDocument/2006/relationships" xmlns:p="http://schemas.openxmlformats.org/presentationml/2006/main">
+  <p:cSld>
+    <p:spTree>
+      <p:nvGrpSpPr>
+        <p:cNvPr id="1" name=""/>
+        <p:cNvGrpSpPr/>
+        <p:nvPr/>
+      </p:nvGrpSpPr>
+      <p:grpSpPr>
+        <a:xfrm>
+          <a:off x="0" y="0"/>
+          <a:ext cx="0" cy="0"/>
+          <a:chOff x="0" y="0"/>
+          <a:chExt cx="0" cy="0"/>
+        </a:xfrm>
+      </p:grpSpPr>
+      <p:sp>
+        <p:nvSpPr>
+          <p:cNvPr id="4" name="Title 1">
+            <a:extLst>
+              <a:ext uri="{FF2B5EF4-FFF2-40B4-BE49-F238E27FC236}">
+                <a16:creationId xmlns:a16="http://schemas.microsoft.com/office/drawing/2014/main" id="{527CE47F-3EF6-48CA-9239-E8B6E5C6B41A}"/>
+              </a:ext>
+            </a:extLst>
+          </p:cNvPr>
+          <p:cNvSpPr>
+            <a:spLocks noGrp="1"/>
+          </p:cNvSpPr>
+          <p:nvPr>
+            <p:ph type="title"/>
+          </p:nvPr>
+        </p:nvSpPr>
+        <p:spPr>
+          <a:xfrm>
+            <a:off x="838200" y="365125"/>
+            <a:ext cx="10515600" cy="1325563"/>
+          </a:xfrm>
+        </p:spPr>
+        <p:txBody>
+          <a:bodyPr>
+            <a:normAutofit/>
+          </a:bodyPr>
+          <a:lstStyle/>
+          <a:p>
+            <a:r>
+              <a:rPr lang="en-US" sz="3600" dirty="0"/>
+              <a:t>Review Selected Topics &amp; Activities</a:t>
+            </a:r>
+          </a:p>
+        </p:txBody>
+      </p:sp>
+      <p:sp>
+        <p:nvSpPr>
+          <p:cNvPr id="5" name="Content Placeholder 2">
+            <a:extLst>
+              <a:ext uri="{FF2B5EF4-FFF2-40B4-BE49-F238E27FC236}">
+                <a16:creationId xmlns:a16="http://schemas.microsoft.com/office/drawing/2014/main" id="{E8F0EA9A-219C-40FD-AE36-784EE1B77D56}"/>
+              </a:ext>
+            </a:extLst>
+          </p:cNvPr>
+          <p:cNvSpPr>
+            <a:spLocks noGrp="1"/>
+          </p:cNvSpPr>
+          <p:nvPr>
+            <p:ph idx="1"/>
+          </p:nvPr>
+        </p:nvSpPr>
+        <p:spPr>
+          <a:xfrm>
+            <a:off x="838198" y="1364776"/>
+            <a:ext cx="10515601" cy="5338174"/>
+          </a:xfrm>
+        </p:spPr>
+        <p:txBody>
+          <a:bodyPr>
+            <a:normAutofit/>
+          </a:bodyPr>
+          <a:lstStyle/>
+          <a:p>
+            <a:pPr marL="0" indent="0">
+              <a:spcBef>
+                <a:spcPts val="600"/>
+              </a:spcBef>
+              <a:buNone/>
+            </a:pPr>
+            <a:r>
+              <a:rPr lang="en-US" sz="2000" dirty="0"/>
+              <a:t>The following topics are covered in other sessions so we will be very selective about the which portions we cover:</a:t>
+            </a:r>
+          </a:p>
+          <a:p>
+            <a:pPr marL="457200" indent="-457200">
+              <a:spcBef>
+                <a:spcPts val="600"/>
+              </a:spcBef>
+              <a:buFont typeface="+mj-lt"/>
+              <a:buAutoNum type="arabicPeriod"/>
+            </a:pPr>
+            <a:r>
+              <a:rPr lang="en-US" sz="2000" dirty="0"/>
+              <a:t>Java Development Environment Overview</a:t>
+            </a:r>
+          </a:p>
+          <a:p>
+            <a:pPr marL="457200" indent="-457200">
+              <a:spcBef>
+                <a:spcPts val="600"/>
+              </a:spcBef>
+              <a:buFont typeface="+mj-lt"/>
+              <a:buAutoNum type="arabicPeriod"/>
+            </a:pPr>
+            <a:r>
+              <a:rPr lang="en-US" sz="2000" dirty="0"/>
+              <a:t>Concepts &amp; Practices</a:t>
+            </a:r>
+          </a:p>
+          <a:p>
+            <a:pPr marL="457200" indent="-457200">
+              <a:spcBef>
+                <a:spcPts val="600"/>
+              </a:spcBef>
+              <a:buFont typeface="+mj-lt"/>
+              <a:buAutoNum type="arabicPeriod"/>
+            </a:pPr>
+            <a:r>
+              <a:rPr lang="en-US" sz="2000" dirty="0"/>
+              <a:t>Patterns</a:t>
+            </a:r>
+          </a:p>
+          <a:p>
+            <a:pPr marL="457200" indent="-457200">
+              <a:spcBef>
+                <a:spcPts val="600"/>
+              </a:spcBef>
+              <a:buFont typeface="+mj-lt"/>
+              <a:buAutoNum type="arabicPeriod"/>
+            </a:pPr>
+            <a:r>
+              <a:rPr lang="en-US" sz="2000" dirty="0"/>
+              <a:t>Principles</a:t>
+            </a:r>
+          </a:p>
+        </p:txBody>
+      </p:sp>
+    </p:spTree>
+    <p:extLst>
+      <p:ext uri="{BB962C8B-B14F-4D97-AF65-F5344CB8AC3E}">
+        <p14:creationId xmlns:p14="http://schemas.microsoft.com/office/powerpoint/2010/main" val="3322466417"/>
+      </p:ext>
+    </p:extLst>
+  </p:cSld>
+  <p:clrMapOvr>
+    <a:masterClrMapping/>
+  </p:clrMapOvr>
+</p:sld>
+</file>
+
+<file path=ppt/slides/slide13.xml><?xml version="1.0" encoding="utf-8"?>
+<p:sld xmlns:a="http://schemas.openxmlformats.org/drawingml/2006/main" xmlns:r="http://schemas.openxmlformats.org/officeDocument/2006/relationships" xmlns:p="http://schemas.openxmlformats.org/presentationml/2006/main">
+  <p:cSld>
+    <p:spTree>
+      <p:nvGrpSpPr>
+        <p:cNvPr id="1" name=""/>
+        <p:cNvGrpSpPr/>
+        <p:nvPr/>
+      </p:nvGrpSpPr>
+      <p:grpSpPr>
+        <a:xfrm>
+          <a:off x="0" y="0"/>
+          <a:ext cx="0" cy="0"/>
+          <a:chOff x="0" y="0"/>
+          <a:chExt cx="0" cy="0"/>
+        </a:xfrm>
+      </p:grpSpPr>
+      <p:sp>
+        <p:nvSpPr>
+          <p:cNvPr id="2" name="Title 1">
+            <a:extLst>
+              <a:ext uri="{FF2B5EF4-FFF2-40B4-BE49-F238E27FC236}">
                 <a16:creationId xmlns:a16="http://schemas.microsoft.com/office/drawing/2014/main" id="{4D446405-6F1F-4926-B387-B75245C2FB0C}"/>
               </a:ext>
             </a:extLst>
@@ -7484,7 +6326,7 @@
 </p:sld>
 </file>
 
-<file path=ppt/slides/slide11.xml><?xml version="1.0" encoding="utf-8"?>
+<file path=ppt/slides/slide14.xml><?xml version="1.0" encoding="utf-8"?>
 <p:sld xmlns:a="http://schemas.openxmlformats.org/drawingml/2006/main" xmlns:r="http://schemas.openxmlformats.org/officeDocument/2006/relationships" xmlns:p="http://schemas.openxmlformats.org/presentationml/2006/main">
   <p:cSld>
     <p:spTree>
@@ -7812,98 +6654,7 @@
 </p:sld>
 </file>
 
-<file path=ppt/slides/slide12.xml><?xml version="1.0" encoding="utf-8"?>
-<p:sld xmlns:a="http://schemas.openxmlformats.org/drawingml/2006/main" xmlns:r="http://schemas.openxmlformats.org/officeDocument/2006/relationships" xmlns:p="http://schemas.openxmlformats.org/presentationml/2006/main">
-  <p:cSld>
-    <p:bg>
-      <p:bgPr>
-        <a:solidFill>
-          <a:srgbClr val="FFC000"/>
-        </a:solidFill>
-        <a:effectLst/>
-      </p:bgPr>
-    </p:bg>
-    <p:spTree>
-      <p:nvGrpSpPr>
-        <p:cNvPr id="1" name=""/>
-        <p:cNvGrpSpPr/>
-        <p:nvPr/>
-      </p:nvGrpSpPr>
-      <p:grpSpPr>
-        <a:xfrm>
-          <a:off x="0" y="0"/>
-          <a:ext cx="0" cy="0"/>
-          <a:chOff x="0" y="0"/>
-          <a:chExt cx="0" cy="0"/>
-        </a:xfrm>
-      </p:grpSpPr>
-      <p:sp>
-        <p:nvSpPr>
-          <p:cNvPr id="2" name="Title 1">
-            <a:extLst>
-              <a:ext uri="{FF2B5EF4-FFF2-40B4-BE49-F238E27FC236}">
-                <a16:creationId xmlns:a16="http://schemas.microsoft.com/office/drawing/2014/main" id="{1BA0F2A8-CA29-4CAF-A1E5-B9AEB3F75CEB}"/>
-              </a:ext>
-            </a:extLst>
-          </p:cNvPr>
-          <p:cNvSpPr>
-            <a:spLocks noGrp="1"/>
-          </p:cNvSpPr>
-          <p:nvPr>
-            <p:ph type="title"/>
-          </p:nvPr>
-        </p:nvSpPr>
-        <p:spPr/>
-        <p:txBody>
-          <a:bodyPr/>
-          <a:lstStyle/>
-          <a:p>
-            <a:r>
-              <a:rPr lang="en-US" dirty="0"/>
-              <a:t>Start Here to Edit</a:t>
-            </a:r>
-          </a:p>
-        </p:txBody>
-      </p:sp>
-      <p:sp>
-        <p:nvSpPr>
-          <p:cNvPr id="3" name="Content Placeholder 2">
-            <a:extLst>
-              <a:ext uri="{FF2B5EF4-FFF2-40B4-BE49-F238E27FC236}">
-                <a16:creationId xmlns:a16="http://schemas.microsoft.com/office/drawing/2014/main" id="{8AF49236-F343-44B3-9A08-62160CAC07B3}"/>
-              </a:ext>
-            </a:extLst>
-          </p:cNvPr>
-          <p:cNvSpPr>
-            <a:spLocks noGrp="1"/>
-          </p:cNvSpPr>
-          <p:nvPr>
-            <p:ph idx="1"/>
-          </p:nvPr>
-        </p:nvSpPr>
-        <p:spPr/>
-        <p:txBody>
-          <a:bodyPr/>
-          <a:lstStyle/>
-          <a:p>
-            <a:endParaRPr lang="en-US" dirty="0"/>
-          </a:p>
-        </p:txBody>
-      </p:sp>
-    </p:spTree>
-    <p:extLst>
-      <p:ext uri="{BB962C8B-B14F-4D97-AF65-F5344CB8AC3E}">
-        <p14:creationId xmlns:p14="http://schemas.microsoft.com/office/powerpoint/2010/main" val="2368583811"/>
-      </p:ext>
-    </p:extLst>
-  </p:cSld>
-  <p:clrMapOvr>
-    <a:masterClrMapping/>
-  </p:clrMapOvr>
-</p:sld>
-</file>
-
-<file path=ppt/slides/slide13.xml><?xml version="1.0" encoding="utf-8"?>
+<file path=ppt/slides/slide15.xml><?xml version="1.0" encoding="utf-8"?>
 <p:sld xmlns:a="http://schemas.openxmlformats.org/drawingml/2006/main" xmlns:r="http://schemas.openxmlformats.org/officeDocument/2006/relationships" xmlns:p="http://schemas.openxmlformats.org/presentationml/2006/main">
   <p:cSld>
     <p:spTree>
@@ -7920,6 +6671,246 @@
           <a:chExt cx="0" cy="0"/>
         </a:xfrm>
       </p:grpSpPr>
+      <p:pic>
+        <p:nvPicPr>
+          <p:cNvPr id="4" name="Picture 3">
+            <a:extLst>
+              <a:ext uri="{FF2B5EF4-FFF2-40B4-BE49-F238E27FC236}">
+                <a16:creationId xmlns:a16="http://schemas.microsoft.com/office/drawing/2014/main" id="{B264684E-8309-4209-8AEF-C8BA9FE476C3}"/>
+              </a:ext>
+            </a:extLst>
+          </p:cNvPr>
+          <p:cNvPicPr>
+            <a:picLocks noChangeAspect="1"/>
+          </p:cNvPicPr>
+          <p:nvPr/>
+        </p:nvPicPr>
+        <p:blipFill>
+          <a:blip r:embed="rId3"/>
+          <a:stretch>
+            <a:fillRect/>
+          </a:stretch>
+        </p:blipFill>
+        <p:spPr>
+          <a:xfrm>
+            <a:off x="6680792" y="1304692"/>
+            <a:ext cx="4602666" cy="4248615"/>
+          </a:xfrm>
+          <a:prstGeom prst="rect">
+            <a:avLst/>
+          </a:prstGeom>
+        </p:spPr>
+      </p:pic>
+      <p:sp>
+        <p:nvSpPr>
+          <p:cNvPr id="2" name="Title 1"/>
+          <p:cNvSpPr>
+            <a:spLocks noGrp="1"/>
+          </p:cNvSpPr>
+          <p:nvPr>
+            <p:ph type="title"/>
+          </p:nvPr>
+        </p:nvSpPr>
+        <p:spPr>
+          <a:xfrm>
+            <a:off x="811620" y="365126"/>
+            <a:ext cx="10515600" cy="757272"/>
+          </a:xfrm>
+        </p:spPr>
+        <p:txBody>
+          <a:bodyPr>
+            <a:normAutofit/>
+          </a:bodyPr>
+          <a:lstStyle/>
+          <a:p>
+            <a:r>
+              <a:rPr lang="en-US" sz="3600" dirty="0"/>
+              <a:t>Java Development Environment Overview</a:t>
+            </a:r>
+          </a:p>
+        </p:txBody>
+      </p:sp>
+      <p:sp>
+        <p:nvSpPr>
+          <p:cNvPr id="7" name="Content Placeholder 2"/>
+          <p:cNvSpPr>
+            <a:spLocks noGrp="1"/>
+          </p:cNvSpPr>
+          <p:nvPr>
+            <p:ph idx="1"/>
+          </p:nvPr>
+        </p:nvSpPr>
+        <p:spPr>
+          <a:xfrm>
+            <a:off x="811620" y="1389690"/>
+            <a:ext cx="5488171" cy="4208352"/>
+          </a:xfrm>
+        </p:spPr>
+        <p:txBody>
+          <a:bodyPr>
+            <a:normAutofit/>
+          </a:bodyPr>
+          <a:lstStyle/>
+          <a:p>
+            <a:pPr marL="0" indent="0">
+              <a:buNone/>
+            </a:pPr>
+            <a:r>
+              <a:rPr lang="en-US" sz="2000" u="sng" dirty="0"/>
+              <a:t>Standard Java tools for this class include:</a:t>
+            </a:r>
+          </a:p>
+          <a:p>
+            <a:pPr>
+              <a:buFont typeface="Wingdings" panose="05000000000000000000" pitchFamily="2" charset="2"/>
+              <a:buChar char="§"/>
+            </a:pPr>
+            <a:r>
+              <a:rPr lang="en-US" sz="2000" dirty="0"/>
+              <a:t>Java SE Development Kit (SDK) </a:t>
+            </a:r>
+            <a:r>
+              <a:rPr lang="en-US" sz="2000" dirty="0">
+                <a:hlinkClick r:id="rId4"/>
+              </a:rPr>
+              <a:t>[link]</a:t>
+            </a:r>
+            <a:endParaRPr lang="en-US" sz="2000" dirty="0"/>
+          </a:p>
+          <a:p>
+            <a:pPr>
+              <a:buFont typeface="Wingdings" panose="05000000000000000000" pitchFamily="2" charset="2"/>
+              <a:buChar char="§"/>
+            </a:pPr>
+            <a:r>
+              <a:rPr lang="en-US" sz="2000" dirty="0"/>
+              <a:t>Text Editor (Microsoft Visual Studio Code)</a:t>
+            </a:r>
+          </a:p>
+          <a:p>
+            <a:pPr>
+              <a:buFont typeface="Wingdings" panose="05000000000000000000" pitchFamily="2" charset="2"/>
+              <a:buChar char="§"/>
+            </a:pPr>
+            <a:endParaRPr lang="en-US" sz="2000" dirty="0"/>
+          </a:p>
+          <a:p>
+            <a:pPr marL="0" indent="0">
+              <a:buNone/>
+            </a:pPr>
+            <a:r>
+              <a:rPr lang="en-US" sz="2000" u="sng" dirty="0"/>
+              <a:t>Additional Tools:</a:t>
+            </a:r>
+          </a:p>
+          <a:p>
+            <a:pPr>
+              <a:buFont typeface="Wingdings" panose="05000000000000000000" pitchFamily="2" charset="2"/>
+              <a:buChar char="§"/>
+            </a:pPr>
+            <a:r>
+              <a:rPr lang="en-US" sz="2000" dirty="0"/>
+              <a:t>Git and GitHub</a:t>
+            </a:r>
+          </a:p>
+          <a:p>
+            <a:pPr>
+              <a:buFont typeface="Wingdings" panose="05000000000000000000" pitchFamily="2" charset="2"/>
+              <a:buChar char="§"/>
+            </a:pPr>
+            <a:r>
+              <a:rPr lang="en-US" sz="2000" dirty="0"/>
+              <a:t>Eclipse</a:t>
+            </a:r>
+          </a:p>
+          <a:p>
+            <a:pPr>
+              <a:buFont typeface="Wingdings" panose="05000000000000000000" pitchFamily="2" charset="2"/>
+              <a:buChar char="§"/>
+            </a:pPr>
+            <a:r>
+              <a:rPr lang="en-US" sz="2000" dirty="0"/>
+              <a:t>You are welcome to use addition tools, but please don’t make your assignments dependent on those tools.</a:t>
+            </a:r>
+          </a:p>
+          <a:p>
+            <a:pPr marL="0" indent="0">
+              <a:buNone/>
+            </a:pPr>
+            <a:endParaRPr lang="en-US" sz="2000" dirty="0"/>
+          </a:p>
+        </p:txBody>
+      </p:sp>
+      <p:sp>
+        <p:nvSpPr>
+          <p:cNvPr id="6" name="Arrow: Right 5"/>
+          <p:cNvSpPr/>
+          <p:nvPr/>
+        </p:nvSpPr>
+        <p:spPr>
+          <a:xfrm>
+            <a:off x="5900188" y="1796902"/>
+            <a:ext cx="510363" cy="366823"/>
+          </a:xfrm>
+          <a:prstGeom prst="rightArrow">
+            <a:avLst/>
+          </a:prstGeom>
+        </p:spPr>
+        <p:style>
+          <a:lnRef idx="2">
+            <a:schemeClr val="accent1">
+              <a:shade val="50000"/>
+            </a:schemeClr>
+          </a:lnRef>
+          <a:fillRef idx="1">
+            <a:schemeClr val="accent1"/>
+          </a:fillRef>
+          <a:effectRef idx="0">
+            <a:schemeClr val="accent1"/>
+          </a:effectRef>
+          <a:fontRef idx="minor">
+            <a:schemeClr val="lt1"/>
+          </a:fontRef>
+        </p:style>
+        <p:txBody>
+          <a:bodyPr rtlCol="0" anchor="ctr"/>
+          <a:lstStyle/>
+          <a:p>
+            <a:pPr algn="ctr"/>
+            <a:endParaRPr lang="en-US"/>
+          </a:p>
+        </p:txBody>
+      </p:sp>
+    </p:spTree>
+    <p:extLst>
+      <p:ext uri="{BB962C8B-B14F-4D97-AF65-F5344CB8AC3E}">
+        <p14:creationId xmlns:p14="http://schemas.microsoft.com/office/powerpoint/2010/main" val="421982907"/>
+      </p:ext>
+    </p:extLst>
+  </p:cSld>
+  <p:clrMapOvr>
+    <a:masterClrMapping/>
+  </p:clrMapOvr>
+</p:sld>
+</file>
+
+<file path=ppt/slides/slide16.xml><?xml version="1.0" encoding="utf-8"?>
+<p:sld xmlns:a="http://schemas.openxmlformats.org/drawingml/2006/main" xmlns:r="http://schemas.openxmlformats.org/officeDocument/2006/relationships" xmlns:p="http://schemas.openxmlformats.org/presentationml/2006/main">
+  <p:cSld>
+    <p:spTree>
+      <p:nvGrpSpPr>
+        <p:cNvPr id="1" name=""/>
+        <p:cNvGrpSpPr/>
+        <p:nvPr/>
+      </p:nvGrpSpPr>
+      <p:grpSpPr>
+        <a:xfrm>
+          <a:off x="0" y="0"/>
+          <a:ext cx="0" cy="0"/>
+          <a:chOff x="0" y="0"/>
+          <a:chExt cx="0" cy="0"/>
+        </a:xfrm>
+      </p:grpSpPr>
       <p:sp>
         <p:nvSpPr>
           <p:cNvPr id="2" name="Title 1"/>
@@ -7969,7 +6960,7 @@
 </p:sld>
 </file>
 
-<file path=ppt/slides/slide14.xml><?xml version="1.0" encoding="utf-8"?>
+<file path=ppt/slides/slide17.xml><?xml version="1.0" encoding="utf-8"?>
 <p:sld xmlns:a="http://schemas.openxmlformats.org/drawingml/2006/main" xmlns:r="http://schemas.openxmlformats.org/officeDocument/2006/relationships" xmlns:p="http://schemas.openxmlformats.org/presentationml/2006/main">
   <p:cSld>
     <p:bg>
@@ -8038,1243 +7029,6 @@
 </p:sld>
 </file>
 
-<file path=ppt/slides/slide15.xml><?xml version="1.0" encoding="utf-8"?>
-<p:sld xmlns:a="http://schemas.openxmlformats.org/drawingml/2006/main" xmlns:r="http://schemas.openxmlformats.org/officeDocument/2006/relationships" xmlns:p="http://schemas.openxmlformats.org/presentationml/2006/main">
-  <p:cSld>
-    <p:spTree>
-      <p:nvGrpSpPr>
-        <p:cNvPr id="1" name=""/>
-        <p:cNvGrpSpPr/>
-        <p:nvPr/>
-      </p:nvGrpSpPr>
-      <p:grpSpPr>
-        <a:xfrm>
-          <a:off x="0" y="0"/>
-          <a:ext cx="0" cy="0"/>
-          <a:chOff x="0" y="0"/>
-          <a:chExt cx="0" cy="0"/>
-        </a:xfrm>
-      </p:grpSpPr>
-      <p:sp>
-        <p:nvSpPr>
-          <p:cNvPr id="2" name="Title 1">
-            <a:extLst>
-              <a:ext uri="{FF2B5EF4-FFF2-40B4-BE49-F238E27FC236}">
-                <a16:creationId xmlns:a16="http://schemas.microsoft.com/office/drawing/2014/main" id="{4D446405-6F1F-4926-B387-B75245C2FB0C}"/>
-              </a:ext>
-            </a:extLst>
-          </p:cNvPr>
-          <p:cNvSpPr>
-            <a:spLocks noGrp="1"/>
-          </p:cNvSpPr>
-          <p:nvPr>
-            <p:ph type="title"/>
-          </p:nvPr>
-        </p:nvSpPr>
-        <p:spPr>
-          <a:xfrm>
-            <a:off x="838200" y="365125"/>
-            <a:ext cx="7268155" cy="1325563"/>
-          </a:xfrm>
-        </p:spPr>
-        <p:txBody>
-          <a:bodyPr>
-            <a:normAutofit/>
-          </a:bodyPr>
-          <a:lstStyle/>
-          <a:p>
-            <a:r>
-              <a:rPr lang="en-US" sz="3600" dirty="0"/>
-              <a:t>Object-Oriented Programming</a:t>
-            </a:r>
-            <a:br>
-              <a:rPr lang="en-US" dirty="0"/>
-            </a:br>
-            <a:r>
-              <a:rPr lang="en-US" sz="1800" dirty="0"/>
-              <a:t>Discussion &amp; Lecture</a:t>
-            </a:r>
-            <a:br>
-              <a:rPr lang="en-US" sz="1800" dirty="0"/>
-            </a:br>
-            <a:r>
-              <a:rPr lang="en-US" sz="1800" dirty="0"/>
-              <a:t>Eric Pogue</a:t>
-            </a:r>
-          </a:p>
-        </p:txBody>
-      </p:sp>
-      <p:sp>
-        <p:nvSpPr>
-          <p:cNvPr id="3" name="Content Placeholder 2">
-            <a:extLst>
-              <a:ext uri="{FF2B5EF4-FFF2-40B4-BE49-F238E27FC236}">
-                <a16:creationId xmlns:a16="http://schemas.microsoft.com/office/drawing/2014/main" id="{ADD45C4B-998D-4D36-AE39-52AB024AB508}"/>
-              </a:ext>
-            </a:extLst>
-          </p:cNvPr>
-          <p:cNvSpPr>
-            <a:spLocks noGrp="1"/>
-          </p:cNvSpPr>
-          <p:nvPr>
-            <p:ph idx="1"/>
-          </p:nvPr>
-        </p:nvSpPr>
-        <p:spPr>
-          <a:xfrm>
-            <a:off x="838200" y="1739348"/>
-            <a:ext cx="10515600" cy="4437615"/>
-          </a:xfrm>
-        </p:spPr>
-        <p:txBody>
-          <a:bodyPr>
-            <a:normAutofit fontScale="85000" lnSpcReduction="20000"/>
-          </a:bodyPr>
-          <a:lstStyle/>
-          <a:p>
-            <a:pPr marL="0" indent="0">
-              <a:buNone/>
-            </a:pPr>
-            <a:r>
-              <a:rPr lang="en-US" sz="2200" dirty="0"/>
-              <a:t>Agenda for 14 Mar 18 from 12 to 2:30pm CST:</a:t>
-            </a:r>
-          </a:p>
-          <a:p>
-            <a:pPr marL="457200" indent="-457200">
-              <a:buFont typeface="+mj-lt"/>
-              <a:buAutoNum type="arabicPeriod"/>
-            </a:pPr>
-            <a:r>
-              <a:rPr lang="en-US" sz="2200" dirty="0"/>
-              <a:t>Welcome</a:t>
-            </a:r>
-          </a:p>
-          <a:p>
-            <a:pPr marL="457200" indent="-457200">
-              <a:buFont typeface="+mj-lt"/>
-              <a:buAutoNum type="arabicPeriod"/>
-            </a:pPr>
-            <a:r>
-              <a:rPr lang="en-US" sz="2200" dirty="0"/>
-              <a:t>Friendly Conversation &amp; Good Natured Banter… let’s make sure that everyone can hear and speak in the virtual Join.me meeting</a:t>
-            </a:r>
-          </a:p>
-          <a:p>
-            <a:pPr marL="457200" indent="-457200">
-              <a:buFont typeface="+mj-lt"/>
-              <a:buAutoNum type="arabicPeriod"/>
-            </a:pPr>
-            <a:r>
-              <a:rPr lang="en-US" sz="2200" dirty="0"/>
-              <a:t>Introductions*</a:t>
-            </a:r>
-          </a:p>
-          <a:p>
-            <a:pPr marL="457200" indent="-457200">
-              <a:buFont typeface="+mj-lt"/>
-              <a:buAutoNum type="arabicPeriod"/>
-            </a:pPr>
-            <a:r>
-              <a:rPr lang="en-US" sz="2200" dirty="0"/>
-              <a:t>Review Course Syllabus</a:t>
-            </a:r>
-          </a:p>
-          <a:p>
-            <a:pPr marL="457200" indent="-457200">
-              <a:buFont typeface="+mj-lt"/>
-              <a:buAutoNum type="arabicPeriod"/>
-            </a:pPr>
-            <a:r>
-              <a:rPr lang="en-US" sz="2200" dirty="0"/>
-              <a:t>Your turn for Introductions</a:t>
-            </a:r>
-          </a:p>
-          <a:p>
-            <a:pPr marL="457200" indent="-457200">
-              <a:buFont typeface="+mj-lt"/>
-              <a:buAutoNum type="arabicPeriod"/>
-            </a:pPr>
-            <a:r>
-              <a:rPr lang="en-US" sz="2200" dirty="0"/>
-              <a:t>Review Week 1 Activities &amp; Assignment</a:t>
-            </a:r>
-          </a:p>
-          <a:p>
-            <a:pPr marL="457200" indent="-457200">
-              <a:buFont typeface="+mj-lt"/>
-              <a:buAutoNum type="arabicPeriod"/>
-            </a:pPr>
-            <a:r>
-              <a:rPr lang="en-US" sz="2200" dirty="0"/>
-              <a:t>Review </a:t>
-            </a:r>
-            <a:r>
-              <a:rPr lang="en-US" sz="2200" u="sng" dirty="0"/>
-              <a:t>Selected</a:t>
-            </a:r>
-            <a:r>
-              <a:rPr lang="en-US" sz="2200" dirty="0"/>
-              <a:t> Topics &amp; Activities</a:t>
-            </a:r>
-          </a:p>
-          <a:p>
-            <a:pPr marL="457200" indent="-457200">
-              <a:buFont typeface="+mj-lt"/>
-              <a:buAutoNum type="arabicPeriod"/>
-            </a:pPr>
-            <a:r>
-              <a:rPr lang="en-US" sz="2200" dirty="0"/>
-              <a:t>Lab Time plus Q&amp;A starting no later than 1:45pm</a:t>
-            </a:r>
-          </a:p>
-          <a:p>
-            <a:pPr marL="457200" indent="-457200">
-              <a:buFont typeface="+mj-lt"/>
-              <a:buAutoNum type="arabicPeriod"/>
-            </a:pPr>
-            <a:r>
-              <a:rPr lang="en-US" sz="2200" dirty="0"/>
-              <a:t>Wrap-up and Final Questions/Comments?</a:t>
-            </a:r>
-          </a:p>
-          <a:p>
-            <a:pPr marL="0" indent="0">
-              <a:buNone/>
-            </a:pPr>
-            <a:endParaRPr lang="en-US" sz="2200" dirty="0"/>
-          </a:p>
-          <a:p>
-            <a:pPr marL="0" indent="0">
-              <a:buNone/>
-            </a:pPr>
-            <a:r>
-              <a:rPr lang="en-US" sz="2200" dirty="0"/>
-              <a:t>Discussion &amp; Questions welcome at any time… please be present with no phones or email during our discussion time</a:t>
-            </a:r>
-            <a:endParaRPr lang="en-US" sz="2000" dirty="0"/>
-          </a:p>
-          <a:p>
-            <a:pPr marL="457200" indent="-457200">
-              <a:buFont typeface="+mj-lt"/>
-              <a:buAutoNum type="arabicPeriod"/>
-            </a:pPr>
-            <a:endParaRPr lang="en-US" sz="2000" dirty="0"/>
-          </a:p>
-          <a:p>
-            <a:pPr marL="457200" indent="-457200">
-              <a:buFont typeface="+mj-lt"/>
-              <a:buAutoNum type="arabicPeriod"/>
-            </a:pPr>
-            <a:endParaRPr lang="en-US" sz="2000" dirty="0"/>
-          </a:p>
-          <a:p>
-            <a:pPr marL="457200" indent="-457200">
-              <a:buFont typeface="+mj-lt"/>
-              <a:buAutoNum type="arabicPeriod"/>
-            </a:pPr>
-            <a:endParaRPr lang="en-US" sz="2000" dirty="0"/>
-          </a:p>
-          <a:p>
-            <a:pPr marL="457200" indent="-457200">
-              <a:buFont typeface="+mj-lt"/>
-              <a:buAutoNum type="arabicPeriod"/>
-            </a:pPr>
-            <a:endParaRPr lang="en-US" sz="2000" dirty="0"/>
-          </a:p>
-        </p:txBody>
-      </p:sp>
-      <p:pic>
-        <p:nvPicPr>
-          <p:cNvPr id="4" name="Content Placeholder 4">
-            <a:extLst>
-              <a:ext uri="{FF2B5EF4-FFF2-40B4-BE49-F238E27FC236}">
-                <a16:creationId xmlns:a16="http://schemas.microsoft.com/office/drawing/2014/main" id="{4EDCD7D6-DA50-40A6-870F-1D890F732171}"/>
-              </a:ext>
-            </a:extLst>
-          </p:cNvPr>
-          <p:cNvPicPr>
-            <a:picLocks noChangeAspect="1"/>
-          </p:cNvPicPr>
-          <p:nvPr/>
-        </p:nvPicPr>
-        <p:blipFill>
-          <a:blip r:embed="rId3"/>
-          <a:stretch>
-            <a:fillRect/>
-          </a:stretch>
-        </p:blipFill>
-        <p:spPr>
-          <a:xfrm>
-            <a:off x="8942905" y="156030"/>
-            <a:ext cx="2656367" cy="1366321"/>
-          </a:xfrm>
-          <a:prstGeom prst="rect">
-            <a:avLst/>
-          </a:prstGeom>
-        </p:spPr>
-      </p:pic>
-    </p:spTree>
-    <p:extLst>
-      <p:ext uri="{BB962C8B-B14F-4D97-AF65-F5344CB8AC3E}">
-        <p14:creationId xmlns:p14="http://schemas.microsoft.com/office/powerpoint/2010/main" val="2178758880"/>
-      </p:ext>
-    </p:extLst>
-  </p:cSld>
-  <p:clrMapOvr>
-    <a:masterClrMapping/>
-  </p:clrMapOvr>
-</p:sld>
-</file>
-
-<file path=ppt/slides/slide16.xml><?xml version="1.0" encoding="utf-8"?>
-<p:sld xmlns:a="http://schemas.openxmlformats.org/drawingml/2006/main" xmlns:r="http://schemas.openxmlformats.org/officeDocument/2006/relationships" xmlns:p="http://schemas.openxmlformats.org/presentationml/2006/main">
-  <p:cSld>
-    <p:spTree>
-      <p:nvGrpSpPr>
-        <p:cNvPr id="1" name=""/>
-        <p:cNvGrpSpPr/>
-        <p:nvPr/>
-      </p:nvGrpSpPr>
-      <p:grpSpPr>
-        <a:xfrm>
-          <a:off x="0" y="0"/>
-          <a:ext cx="0" cy="0"/>
-          <a:chOff x="0" y="0"/>
-          <a:chExt cx="0" cy="0"/>
-        </a:xfrm>
-      </p:grpSpPr>
-      <p:sp>
-        <p:nvSpPr>
-          <p:cNvPr id="4" name="Title 1">
-            <a:extLst>
-              <a:ext uri="{FF2B5EF4-FFF2-40B4-BE49-F238E27FC236}">
-                <a16:creationId xmlns:a16="http://schemas.microsoft.com/office/drawing/2014/main" id="{71AB7F5B-4495-498D-9228-FE0FCE273C43}"/>
-              </a:ext>
-            </a:extLst>
-          </p:cNvPr>
-          <p:cNvSpPr>
-            <a:spLocks noGrp="1"/>
-          </p:cNvSpPr>
-          <p:nvPr>
-            <p:ph type="title"/>
-          </p:nvPr>
-        </p:nvSpPr>
-        <p:spPr>
-          <a:xfrm>
-            <a:off x="838200" y="474626"/>
-            <a:ext cx="10515600" cy="757272"/>
-          </a:xfrm>
-        </p:spPr>
-        <p:txBody>
-          <a:bodyPr>
-            <a:normAutofit/>
-          </a:bodyPr>
-          <a:lstStyle/>
-          <a:p>
-            <a:r>
-              <a:rPr lang="en-US" sz="3600" dirty="0"/>
-              <a:t>Welcome</a:t>
-            </a:r>
-            <a:endParaRPr lang="en-US" sz="3600" b="1" i="1" u="sng" dirty="0"/>
-          </a:p>
-        </p:txBody>
-      </p:sp>
-      <p:sp>
-        <p:nvSpPr>
-          <p:cNvPr id="5" name="Content Placeholder 2">
-            <a:extLst>
-              <a:ext uri="{FF2B5EF4-FFF2-40B4-BE49-F238E27FC236}">
-                <a16:creationId xmlns:a16="http://schemas.microsoft.com/office/drawing/2014/main" id="{A3AEDF17-A7EB-42B8-A3CF-77C0E99B49FB}"/>
-              </a:ext>
-            </a:extLst>
-          </p:cNvPr>
-          <p:cNvSpPr>
-            <a:spLocks noGrp="1"/>
-          </p:cNvSpPr>
-          <p:nvPr>
-            <p:ph idx="1"/>
-          </p:nvPr>
-        </p:nvSpPr>
-        <p:spPr>
-          <a:xfrm>
-            <a:off x="838200" y="1231898"/>
-            <a:ext cx="10718950" cy="5030679"/>
-          </a:xfrm>
-        </p:spPr>
-        <p:txBody>
-          <a:bodyPr>
-            <a:normAutofit/>
-          </a:bodyPr>
-          <a:lstStyle/>
-          <a:p>
-            <a:pPr marL="0" indent="0">
-              <a:spcBef>
-                <a:spcPts val="1800"/>
-              </a:spcBef>
-              <a:buNone/>
-            </a:pPr>
-            <a:r>
-              <a:rPr lang="en-US" sz="2000" dirty="0"/>
-              <a:t>This is:</a:t>
-            </a:r>
-          </a:p>
-          <a:p>
-            <a:pPr marL="0" indent="0">
-              <a:spcBef>
-                <a:spcPts val="600"/>
-              </a:spcBef>
-              <a:buNone/>
-            </a:pPr>
-            <a:r>
-              <a:rPr lang="en-US" sz="2000" dirty="0"/>
-              <a:t>	Object-Oriented Programming</a:t>
-            </a:r>
-          </a:p>
-          <a:p>
-            <a:pPr marL="0" indent="0">
-              <a:spcBef>
-                <a:spcPts val="600"/>
-              </a:spcBef>
-              <a:buNone/>
-            </a:pPr>
-            <a:r>
-              <a:rPr lang="en-US" sz="2000" dirty="0"/>
-              <a:t>	Wednesday 12(noon) to 2:30pm CST… live Discussion &amp; Lecture</a:t>
-            </a:r>
-          </a:p>
-          <a:p>
-            <a:pPr marL="0" indent="0">
-              <a:spcBef>
-                <a:spcPts val="600"/>
-              </a:spcBef>
-              <a:buNone/>
-            </a:pPr>
-            <a:r>
-              <a:rPr lang="en-US" sz="2000" dirty="0"/>
-              <a:t>	Virtual</a:t>
-            </a:r>
-          </a:p>
-          <a:p>
-            <a:pPr marL="0" indent="0">
-              <a:spcBef>
-                <a:spcPts val="2400"/>
-              </a:spcBef>
-              <a:buNone/>
-            </a:pPr>
-            <a:r>
-              <a:rPr lang="en-US" sz="2000" dirty="0"/>
-              <a:t>And I am:</a:t>
-            </a:r>
-          </a:p>
-          <a:p>
-            <a:pPr marL="0" indent="0">
-              <a:spcBef>
-                <a:spcPts val="600"/>
-              </a:spcBef>
-              <a:buNone/>
-            </a:pPr>
-            <a:r>
-              <a:rPr lang="en-US" sz="2000" dirty="0"/>
-              <a:t>	Eric Pogue</a:t>
-            </a:r>
-          </a:p>
-          <a:p>
-            <a:pPr marL="0" indent="0">
-              <a:spcBef>
-                <a:spcPts val="600"/>
-              </a:spcBef>
-              <a:buNone/>
-            </a:pPr>
-            <a:endParaRPr lang="en-US" sz="2000" dirty="0"/>
-          </a:p>
-          <a:p>
-            <a:pPr marL="0" indent="0">
-              <a:spcBef>
-                <a:spcPts val="600"/>
-              </a:spcBef>
-              <a:buNone/>
-            </a:pPr>
-            <a:endParaRPr lang="en-US" sz="2000" dirty="0"/>
-          </a:p>
-          <a:p>
-            <a:pPr marL="0" indent="0">
-              <a:spcBef>
-                <a:spcPts val="600"/>
-              </a:spcBef>
-              <a:buNone/>
-            </a:pPr>
-            <a:r>
-              <a:rPr lang="en-US" sz="2000" dirty="0"/>
-              <a:t>Review Welcome Letter**</a:t>
-            </a:r>
-          </a:p>
-          <a:p>
-            <a:pPr marL="0" indent="0">
-              <a:spcBef>
-                <a:spcPts val="600"/>
-              </a:spcBef>
-              <a:buNone/>
-            </a:pPr>
-            <a:endParaRPr lang="en-US" sz="2000" dirty="0"/>
-          </a:p>
-        </p:txBody>
-      </p:sp>
-    </p:spTree>
-    <p:extLst>
-      <p:ext uri="{BB962C8B-B14F-4D97-AF65-F5344CB8AC3E}">
-        <p14:creationId xmlns:p14="http://schemas.microsoft.com/office/powerpoint/2010/main" val="2221454938"/>
-      </p:ext>
-    </p:extLst>
-  </p:cSld>
-  <p:clrMapOvr>
-    <a:masterClrMapping/>
-  </p:clrMapOvr>
-</p:sld>
-</file>
-
-<file path=ppt/slides/slide17.xml><?xml version="1.0" encoding="utf-8"?>
-<p:sld xmlns:a="http://schemas.openxmlformats.org/drawingml/2006/main" xmlns:r="http://schemas.openxmlformats.org/officeDocument/2006/relationships" xmlns:p="http://schemas.openxmlformats.org/presentationml/2006/main">
-  <p:cSld>
-    <p:spTree>
-      <p:nvGrpSpPr>
-        <p:cNvPr id="1" name=""/>
-        <p:cNvGrpSpPr/>
-        <p:nvPr/>
-      </p:nvGrpSpPr>
-      <p:grpSpPr>
-        <a:xfrm>
-          <a:off x="0" y="0"/>
-          <a:ext cx="0" cy="0"/>
-          <a:chOff x="0" y="0"/>
-          <a:chExt cx="0" cy="0"/>
-        </a:xfrm>
-      </p:grpSpPr>
-      <p:sp>
-        <p:nvSpPr>
-          <p:cNvPr id="4" name="Title 1">
-            <a:extLst>
-              <a:ext uri="{FF2B5EF4-FFF2-40B4-BE49-F238E27FC236}">
-                <a16:creationId xmlns:a16="http://schemas.microsoft.com/office/drawing/2014/main" id="{527CE47F-3EF6-48CA-9239-E8B6E5C6B41A}"/>
-              </a:ext>
-            </a:extLst>
-          </p:cNvPr>
-          <p:cNvSpPr>
-            <a:spLocks noGrp="1"/>
-          </p:cNvSpPr>
-          <p:nvPr>
-            <p:ph type="title"/>
-          </p:nvPr>
-        </p:nvSpPr>
-        <p:spPr>
-          <a:xfrm>
-            <a:off x="838200" y="365125"/>
-            <a:ext cx="10515600" cy="1325563"/>
-          </a:xfrm>
-        </p:spPr>
-        <p:txBody>
-          <a:bodyPr>
-            <a:normAutofit/>
-          </a:bodyPr>
-          <a:lstStyle/>
-          <a:p>
-            <a:r>
-              <a:rPr lang="en-US" sz="3600" dirty="0">
-                <a:latin typeface="+mn-lt"/>
-              </a:rPr>
-              <a:t>Today’s “Friendly Conversation” topic</a:t>
-            </a:r>
-          </a:p>
-        </p:txBody>
-      </p:sp>
-      <p:sp>
-        <p:nvSpPr>
-          <p:cNvPr id="5" name="Content Placeholder 2">
-            <a:extLst>
-              <a:ext uri="{FF2B5EF4-FFF2-40B4-BE49-F238E27FC236}">
-                <a16:creationId xmlns:a16="http://schemas.microsoft.com/office/drawing/2014/main" id="{E8F0EA9A-219C-40FD-AE36-784EE1B77D56}"/>
-              </a:ext>
-            </a:extLst>
-          </p:cNvPr>
-          <p:cNvSpPr>
-            <a:spLocks noGrp="1"/>
-          </p:cNvSpPr>
-          <p:nvPr>
-            <p:ph idx="1"/>
-          </p:nvPr>
-        </p:nvSpPr>
-        <p:spPr>
-          <a:xfrm>
-            <a:off x="838198" y="1690688"/>
-            <a:ext cx="10515601" cy="4486275"/>
-          </a:xfrm>
-        </p:spPr>
-        <p:txBody>
-          <a:bodyPr>
-            <a:normAutofit/>
-          </a:bodyPr>
-          <a:lstStyle/>
-          <a:p>
-            <a:pPr marL="0" indent="0">
-              <a:spcAft>
-                <a:spcPts val="600"/>
-              </a:spcAft>
-              <a:buNone/>
-            </a:pPr>
-            <a:r>
-              <a:rPr lang="en-US" sz="3600" dirty="0"/>
-              <a:t>The Agile Manifesto</a:t>
-            </a:r>
-          </a:p>
-          <a:p>
-            <a:pPr marL="0" indent="0">
-              <a:spcAft>
-                <a:spcPts val="600"/>
-              </a:spcAft>
-              <a:buNone/>
-            </a:pPr>
-            <a:r>
-              <a:rPr lang="en-US" sz="2000" dirty="0"/>
-              <a:t>“We are uncovering better ways of developing software by doing it and helping others do it. Through this work we have come to value: </a:t>
-            </a:r>
-          </a:p>
-          <a:p>
-            <a:pPr lvl="1"/>
-            <a:r>
-              <a:rPr lang="en-US" sz="2000" dirty="0"/>
-              <a:t>Individuals and interactions over processes and tools </a:t>
-            </a:r>
-          </a:p>
-          <a:p>
-            <a:pPr lvl="1"/>
-            <a:r>
-              <a:rPr lang="en-US" sz="2000" dirty="0"/>
-              <a:t>Working software over comprehensive documentation </a:t>
-            </a:r>
-          </a:p>
-          <a:p>
-            <a:pPr lvl="1"/>
-            <a:r>
-              <a:rPr lang="en-US" sz="2000" dirty="0"/>
-              <a:t>Customer collaboration over contract negotiation </a:t>
-            </a:r>
-          </a:p>
-          <a:p>
-            <a:pPr lvl="1"/>
-            <a:r>
-              <a:rPr lang="en-US" sz="2000" dirty="0"/>
-              <a:t>Responding to change over following a plan </a:t>
-            </a:r>
-          </a:p>
-          <a:p>
-            <a:pPr marL="0" indent="0">
-              <a:spcBef>
-                <a:spcPts val="1800"/>
-              </a:spcBef>
-              <a:buNone/>
-            </a:pPr>
-            <a:r>
-              <a:rPr lang="en-US" sz="2000" dirty="0"/>
-              <a:t>That is, while there is value in the items on the right, we value the items on the left more.”</a:t>
-            </a:r>
-          </a:p>
-        </p:txBody>
-      </p:sp>
-    </p:spTree>
-    <p:extLst>
-      <p:ext uri="{BB962C8B-B14F-4D97-AF65-F5344CB8AC3E}">
-        <p14:creationId xmlns:p14="http://schemas.microsoft.com/office/powerpoint/2010/main" val="790338665"/>
-      </p:ext>
-    </p:extLst>
-  </p:cSld>
-  <p:clrMapOvr>
-    <a:masterClrMapping/>
-  </p:clrMapOvr>
-</p:sld>
-</file>
-
-<file path=ppt/slides/slide18.xml><?xml version="1.0" encoding="utf-8"?>
-<p:sld xmlns:a="http://schemas.openxmlformats.org/drawingml/2006/main" xmlns:r="http://schemas.openxmlformats.org/officeDocument/2006/relationships" xmlns:p="http://schemas.openxmlformats.org/presentationml/2006/main">
-  <p:cSld>
-    <p:spTree>
-      <p:nvGrpSpPr>
-        <p:cNvPr id="1" name=""/>
-        <p:cNvGrpSpPr/>
-        <p:nvPr/>
-      </p:nvGrpSpPr>
-      <p:grpSpPr>
-        <a:xfrm>
-          <a:off x="0" y="0"/>
-          <a:ext cx="0" cy="0"/>
-          <a:chOff x="0" y="0"/>
-          <a:chExt cx="0" cy="0"/>
-        </a:xfrm>
-      </p:grpSpPr>
-      <p:sp>
-        <p:nvSpPr>
-          <p:cNvPr id="3" name="Title 1">
-            <a:extLst>
-              <a:ext uri="{FF2B5EF4-FFF2-40B4-BE49-F238E27FC236}">
-                <a16:creationId xmlns:a16="http://schemas.microsoft.com/office/drawing/2014/main" id="{258F05B8-454B-41D3-8214-93C6A8B89841}"/>
-              </a:ext>
-            </a:extLst>
-          </p:cNvPr>
-          <p:cNvSpPr>
-            <a:spLocks noGrp="1"/>
-          </p:cNvSpPr>
-          <p:nvPr>
-            <p:ph type="title"/>
-          </p:nvPr>
-        </p:nvSpPr>
-        <p:spPr>
-          <a:xfrm>
-            <a:off x="838200" y="474626"/>
-            <a:ext cx="10515600" cy="757272"/>
-          </a:xfrm>
-        </p:spPr>
-        <p:txBody>
-          <a:bodyPr>
-            <a:normAutofit/>
-          </a:bodyPr>
-          <a:lstStyle/>
-          <a:p>
-            <a:r>
-              <a:rPr lang="en-US" sz="3600" dirty="0"/>
-              <a:t>Introductions</a:t>
-            </a:r>
-            <a:endParaRPr lang="en-US" sz="3600" b="1" i="1" u="sng" dirty="0"/>
-          </a:p>
-        </p:txBody>
-      </p:sp>
-      <p:sp>
-        <p:nvSpPr>
-          <p:cNvPr id="2" name="Rectangle 1">
-            <a:extLst>
-              <a:ext uri="{FF2B5EF4-FFF2-40B4-BE49-F238E27FC236}">
-                <a16:creationId xmlns:a16="http://schemas.microsoft.com/office/drawing/2014/main" id="{0C326A31-5CBB-4F38-BF58-B6AFC533B019}"/>
-              </a:ext>
-            </a:extLst>
-          </p:cNvPr>
-          <p:cNvSpPr/>
-          <p:nvPr/>
-        </p:nvSpPr>
-        <p:spPr>
-          <a:xfrm>
-            <a:off x="1864929" y="1448636"/>
-            <a:ext cx="8462142" cy="4429033"/>
-          </a:xfrm>
-          <a:prstGeom prst="rect">
-            <a:avLst/>
-          </a:prstGeom>
-        </p:spPr>
-        <p:txBody>
-          <a:bodyPr wrap="square">
-            <a:spAutoFit/>
-          </a:bodyPr>
-          <a:lstStyle/>
-          <a:p>
-            <a:pPr>
-              <a:lnSpc>
-                <a:spcPct val="107000"/>
-              </a:lnSpc>
-              <a:spcAft>
-                <a:spcPts val="800"/>
-              </a:spcAft>
-            </a:pPr>
-            <a:r>
-              <a:rPr lang="en-US" sz="1600" dirty="0">
-                <a:latin typeface="Calibri" panose="020F0502020204030204" pitchFamily="34" charset="0"/>
-                <a:ea typeface="Calibri" panose="020F0502020204030204" pitchFamily="34" charset="0"/>
-                <a:cs typeface="Times New Roman" panose="02020603050405020304" pitchFamily="18" charset="0"/>
-              </a:rPr>
-              <a:t>Please use this discussion forum to introduce yourself and to learn about your classmates.</a:t>
-            </a:r>
-          </a:p>
-          <a:p>
-            <a:pPr>
-              <a:lnSpc>
-                <a:spcPct val="107000"/>
-              </a:lnSpc>
-              <a:spcAft>
-                <a:spcPts val="800"/>
-              </a:spcAft>
-            </a:pPr>
-            <a:r>
-              <a:rPr lang="en-US" sz="1600" dirty="0">
-                <a:latin typeface="Calibri" panose="020F0502020204030204" pitchFamily="34" charset="0"/>
-                <a:ea typeface="Calibri" panose="020F0502020204030204" pitchFamily="34" charset="0"/>
-                <a:cs typeface="Times New Roman" panose="02020603050405020304" pitchFamily="18" charset="0"/>
-              </a:rPr>
-              <a:t>Please post a message which includes the following information:</a:t>
-            </a:r>
-          </a:p>
-          <a:p>
-            <a:pPr marL="342900" marR="0" lvl="0" indent="-342900">
-              <a:lnSpc>
-                <a:spcPct val="107000"/>
-              </a:lnSpc>
-              <a:spcBef>
-                <a:spcPts val="0"/>
-              </a:spcBef>
-              <a:spcAft>
-                <a:spcPts val="800"/>
-              </a:spcAft>
-              <a:buSzPts val="1000"/>
-              <a:buFont typeface="Symbol" panose="05050102010706020507" pitchFamily="18" charset="2"/>
-              <a:buChar char=""/>
-              <a:tabLst>
-                <a:tab pos="457200" algn="l"/>
-              </a:tabLst>
-            </a:pPr>
-            <a:r>
-              <a:rPr lang="en-US" sz="1600" dirty="0">
-                <a:latin typeface="Calibri" panose="020F0502020204030204" pitchFamily="34" charset="0"/>
-                <a:ea typeface="Calibri" panose="020F0502020204030204" pitchFamily="34" charset="0"/>
-                <a:cs typeface="Times New Roman" panose="02020603050405020304" pitchFamily="18" charset="0"/>
-              </a:rPr>
-              <a:t>Your Full Name / Preferred Name</a:t>
-            </a:r>
-          </a:p>
-          <a:p>
-            <a:pPr marL="342900" marR="0" lvl="0" indent="-342900">
-              <a:lnSpc>
-                <a:spcPct val="107000"/>
-              </a:lnSpc>
-              <a:spcBef>
-                <a:spcPts val="0"/>
-              </a:spcBef>
-              <a:spcAft>
-                <a:spcPts val="800"/>
-              </a:spcAft>
-              <a:buSzPts val="1000"/>
-              <a:buFont typeface="Symbol" panose="05050102010706020507" pitchFamily="18" charset="2"/>
-              <a:buChar char=""/>
-              <a:tabLst>
-                <a:tab pos="457200" algn="l"/>
-              </a:tabLst>
-            </a:pPr>
-            <a:r>
-              <a:rPr lang="en-US" sz="1600" dirty="0">
-                <a:latin typeface="Calibri" panose="020F0502020204030204" pitchFamily="34" charset="0"/>
-                <a:ea typeface="Calibri" panose="020F0502020204030204" pitchFamily="34" charset="0"/>
-                <a:cs typeface="Times New Roman" panose="02020603050405020304" pitchFamily="18" charset="0"/>
-              </a:rPr>
-              <a:t>A little about your Family, Home, and College background</a:t>
-            </a:r>
-          </a:p>
-          <a:p>
-            <a:pPr marL="342900" marR="0" lvl="0" indent="-342900">
-              <a:lnSpc>
-                <a:spcPct val="107000"/>
-              </a:lnSpc>
-              <a:spcBef>
-                <a:spcPts val="0"/>
-              </a:spcBef>
-              <a:spcAft>
-                <a:spcPts val="800"/>
-              </a:spcAft>
-              <a:buSzPts val="1000"/>
-              <a:buFont typeface="Symbol" panose="05050102010706020507" pitchFamily="18" charset="2"/>
-              <a:buChar char=""/>
-              <a:tabLst>
-                <a:tab pos="457200" algn="l"/>
-              </a:tabLst>
-            </a:pPr>
-            <a:r>
-              <a:rPr lang="en-US" sz="1600" dirty="0">
-                <a:latin typeface="Calibri" panose="020F0502020204030204" pitchFamily="34" charset="0"/>
-                <a:ea typeface="Calibri" panose="020F0502020204030204" pitchFamily="34" charset="0"/>
-                <a:cs typeface="Times New Roman" panose="02020603050405020304" pitchFamily="18" charset="0"/>
-              </a:rPr>
-              <a:t>Likely programming environment that you will be utilizing... do you have access to a Windows 10 environment?</a:t>
-            </a:r>
-          </a:p>
-          <a:p>
-            <a:pPr marL="342900" marR="0" lvl="0" indent="-342900">
-              <a:lnSpc>
-                <a:spcPct val="107000"/>
-              </a:lnSpc>
-              <a:spcBef>
-                <a:spcPts val="0"/>
-              </a:spcBef>
-              <a:spcAft>
-                <a:spcPts val="800"/>
-              </a:spcAft>
-              <a:buSzPts val="1000"/>
-              <a:buFont typeface="Symbol" panose="05050102010706020507" pitchFamily="18" charset="2"/>
-              <a:buChar char=""/>
-              <a:tabLst>
-                <a:tab pos="457200" algn="l"/>
-              </a:tabLst>
-            </a:pPr>
-            <a:r>
-              <a:rPr lang="en-US" sz="1600" dirty="0">
-                <a:latin typeface="Calibri" panose="020F0502020204030204" pitchFamily="34" charset="0"/>
-                <a:ea typeface="Calibri" panose="020F0502020204030204" pitchFamily="34" charset="0"/>
-                <a:cs typeface="Times New Roman" panose="02020603050405020304" pitchFamily="18" charset="0"/>
-              </a:rPr>
-              <a:t>A Hobby or Special Interest</a:t>
-            </a:r>
-          </a:p>
-          <a:p>
-            <a:pPr marL="342900" marR="0" lvl="0" indent="-342900">
-              <a:lnSpc>
-                <a:spcPct val="107000"/>
-              </a:lnSpc>
-              <a:spcBef>
-                <a:spcPts val="0"/>
-              </a:spcBef>
-              <a:spcAft>
-                <a:spcPts val="800"/>
-              </a:spcAft>
-              <a:buSzPts val="1000"/>
-              <a:buFont typeface="Symbol" panose="05050102010706020507" pitchFamily="18" charset="2"/>
-              <a:buChar char=""/>
-              <a:tabLst>
-                <a:tab pos="457200" algn="l"/>
-              </a:tabLst>
-            </a:pPr>
-            <a:r>
-              <a:rPr lang="en-US" sz="1600" dirty="0">
-                <a:latin typeface="Calibri" panose="020F0502020204030204" pitchFamily="34" charset="0"/>
-                <a:ea typeface="Calibri" panose="020F0502020204030204" pitchFamily="34" charset="0"/>
-                <a:cs typeface="Times New Roman" panose="02020603050405020304" pitchFamily="18" charset="0"/>
-              </a:rPr>
-              <a:t>Top two or three things you would like to get out of this class</a:t>
-            </a:r>
-          </a:p>
-          <a:p>
-            <a:pPr marL="342900" marR="0" lvl="0" indent="-342900">
-              <a:lnSpc>
-                <a:spcPct val="107000"/>
-              </a:lnSpc>
-              <a:spcBef>
-                <a:spcPts val="0"/>
-              </a:spcBef>
-              <a:spcAft>
-                <a:spcPts val="800"/>
-              </a:spcAft>
-              <a:buSzPts val="1000"/>
-              <a:buFont typeface="Symbol" panose="05050102010706020507" pitchFamily="18" charset="2"/>
-              <a:buChar char=""/>
-              <a:tabLst>
-                <a:tab pos="457200" algn="l"/>
-              </a:tabLst>
-            </a:pPr>
-            <a:r>
-              <a:rPr lang="en-US" sz="1600" dirty="0">
-                <a:latin typeface="Calibri" panose="020F0502020204030204" pitchFamily="34" charset="0"/>
-                <a:ea typeface="Calibri" panose="020F0502020204030204" pitchFamily="34" charset="0"/>
-                <a:cs typeface="Times New Roman" panose="02020603050405020304" pitchFamily="18" charset="0"/>
-              </a:rPr>
-              <a:t>A couple of times during the week would be most convenient for you to participate in a Live Lecture &amp; Discussion session and/or to meet (virtually) with a small group of classmates</a:t>
-            </a:r>
-          </a:p>
-          <a:p>
-            <a:pPr marL="342900" marR="0" lvl="0" indent="-342900">
-              <a:lnSpc>
-                <a:spcPct val="107000"/>
-              </a:lnSpc>
-              <a:spcBef>
-                <a:spcPts val="0"/>
-              </a:spcBef>
-              <a:spcAft>
-                <a:spcPts val="800"/>
-              </a:spcAft>
-              <a:buSzPts val="1000"/>
-              <a:buFont typeface="Symbol" panose="05050102010706020507" pitchFamily="18" charset="2"/>
-              <a:buChar char=""/>
-              <a:tabLst>
-                <a:tab pos="457200" algn="l"/>
-              </a:tabLst>
-            </a:pPr>
-            <a:r>
-              <a:rPr lang="en-US" sz="1600" dirty="0">
-                <a:latin typeface="Calibri" panose="020F0502020204030204" pitchFamily="34" charset="0"/>
-                <a:ea typeface="Calibri" panose="020F0502020204030204" pitchFamily="34" charset="0"/>
-                <a:cs typeface="Times New Roman" panose="02020603050405020304" pitchFamily="18" charset="0"/>
-              </a:rPr>
-              <a:t>A Fun Fact about yourself</a:t>
-            </a:r>
-          </a:p>
-          <a:p>
-            <a:pPr>
-              <a:lnSpc>
-                <a:spcPct val="107000"/>
-              </a:lnSpc>
-              <a:spcAft>
-                <a:spcPts val="800"/>
-              </a:spcAft>
-            </a:pPr>
-            <a:r>
-              <a:rPr lang="en-US" sz="1600" dirty="0">
-                <a:latin typeface="Calibri" panose="020F0502020204030204" pitchFamily="34" charset="0"/>
-                <a:ea typeface="Calibri" panose="020F0502020204030204" pitchFamily="34" charset="0"/>
-                <a:cs typeface="Times New Roman" panose="02020603050405020304" pitchFamily="18" charset="0"/>
-              </a:rPr>
-              <a:t>Please post your initial submission by the end of the day Wednesday (11:59pm) and respond to one or more of your classmates' posts by the end of the day Sunday. </a:t>
-            </a:r>
-            <a:endParaRPr lang="en-US" sz="1600" dirty="0">
-              <a:effectLst/>
-              <a:latin typeface="Calibri" panose="020F0502020204030204" pitchFamily="34" charset="0"/>
-              <a:ea typeface="Calibri" panose="020F0502020204030204" pitchFamily="34" charset="0"/>
-              <a:cs typeface="Times New Roman" panose="02020603050405020304" pitchFamily="18" charset="0"/>
-            </a:endParaRPr>
-          </a:p>
-        </p:txBody>
-      </p:sp>
-    </p:spTree>
-    <p:extLst>
-      <p:ext uri="{BB962C8B-B14F-4D97-AF65-F5344CB8AC3E}">
-        <p14:creationId xmlns:p14="http://schemas.microsoft.com/office/powerpoint/2010/main" val="3068942939"/>
-      </p:ext>
-    </p:extLst>
-  </p:cSld>
-  <p:clrMapOvr>
-    <a:masterClrMapping/>
-  </p:clrMapOvr>
-</p:sld>
-</file>
-
-<file path=ppt/slides/slide19.xml><?xml version="1.0" encoding="utf-8"?>
-<p:sld xmlns:a="http://schemas.openxmlformats.org/drawingml/2006/main" xmlns:r="http://schemas.openxmlformats.org/officeDocument/2006/relationships" xmlns:p="http://schemas.openxmlformats.org/presentationml/2006/main">
-  <p:cSld>
-    <p:spTree>
-      <p:nvGrpSpPr>
-        <p:cNvPr id="1" name=""/>
-        <p:cNvGrpSpPr/>
-        <p:nvPr/>
-      </p:nvGrpSpPr>
-      <p:grpSpPr>
-        <a:xfrm>
-          <a:off x="0" y="0"/>
-          <a:ext cx="0" cy="0"/>
-          <a:chOff x="0" y="0"/>
-          <a:chExt cx="0" cy="0"/>
-        </a:xfrm>
-      </p:grpSpPr>
-      <p:sp>
-        <p:nvSpPr>
-          <p:cNvPr id="4" name="Title 1">
-            <a:extLst>
-              <a:ext uri="{FF2B5EF4-FFF2-40B4-BE49-F238E27FC236}">
-                <a16:creationId xmlns:a16="http://schemas.microsoft.com/office/drawing/2014/main" id="{71AB7F5B-4495-498D-9228-FE0FCE273C43}"/>
-              </a:ext>
-            </a:extLst>
-          </p:cNvPr>
-          <p:cNvSpPr>
-            <a:spLocks noGrp="1"/>
-          </p:cNvSpPr>
-          <p:nvPr>
-            <p:ph type="title"/>
-          </p:nvPr>
-        </p:nvSpPr>
-        <p:spPr>
-          <a:xfrm>
-            <a:off x="838200" y="474626"/>
-            <a:ext cx="10515600" cy="757272"/>
-          </a:xfrm>
-        </p:spPr>
-        <p:txBody>
-          <a:bodyPr>
-            <a:normAutofit/>
-          </a:bodyPr>
-          <a:lstStyle/>
-          <a:p>
-            <a:r>
-              <a:rPr lang="en-US" sz="3600" dirty="0"/>
-              <a:t>Introductions</a:t>
-            </a:r>
-            <a:endParaRPr lang="en-US" sz="3600" b="1" i="1" u="sng" dirty="0"/>
-          </a:p>
-        </p:txBody>
-      </p:sp>
-      <p:sp>
-        <p:nvSpPr>
-          <p:cNvPr id="5" name="Content Placeholder 2">
-            <a:extLst>
-              <a:ext uri="{FF2B5EF4-FFF2-40B4-BE49-F238E27FC236}">
-                <a16:creationId xmlns:a16="http://schemas.microsoft.com/office/drawing/2014/main" id="{A3AEDF17-A7EB-42B8-A3CF-77C0E99B49FB}"/>
-              </a:ext>
-            </a:extLst>
-          </p:cNvPr>
-          <p:cNvSpPr>
-            <a:spLocks noGrp="1"/>
-          </p:cNvSpPr>
-          <p:nvPr>
-            <p:ph idx="1"/>
-          </p:nvPr>
-        </p:nvSpPr>
-        <p:spPr>
-          <a:xfrm>
-            <a:off x="838200" y="1310556"/>
-            <a:ext cx="10882745" cy="5030679"/>
-          </a:xfrm>
-        </p:spPr>
-        <p:txBody>
-          <a:bodyPr>
-            <a:normAutofit/>
-          </a:bodyPr>
-          <a:lstStyle/>
-          <a:p>
-            <a:pPr marL="0" indent="0">
-              <a:spcBef>
-                <a:spcPts val="1800"/>
-              </a:spcBef>
-              <a:buNone/>
-            </a:pPr>
-            <a:r>
-              <a:rPr lang="en-US" sz="2000" dirty="0"/>
-              <a:t>Full and Preferred Name:</a:t>
-            </a:r>
-          </a:p>
-          <a:p>
-            <a:pPr marL="0" indent="0">
-              <a:spcBef>
-                <a:spcPts val="600"/>
-              </a:spcBef>
-              <a:buNone/>
-            </a:pPr>
-            <a:r>
-              <a:rPr lang="en-US" sz="2000" dirty="0"/>
-              <a:t>	</a:t>
-            </a:r>
-            <a:r>
-              <a:rPr lang="en-US" sz="2000" b="1" dirty="0"/>
-              <a:t>Eric Pogue</a:t>
-            </a:r>
-          </a:p>
-          <a:p>
-            <a:pPr marL="0" indent="0">
-              <a:spcBef>
-                <a:spcPts val="600"/>
-              </a:spcBef>
-              <a:buNone/>
-            </a:pPr>
-            <a:r>
-              <a:rPr lang="en-US" sz="2000" b="1" dirty="0"/>
-              <a:t>	Eric, Mr. Pogue, or Professor </a:t>
-            </a:r>
-          </a:p>
-          <a:p>
-            <a:pPr marL="0" indent="0">
-              <a:spcBef>
-                <a:spcPts val="2400"/>
-              </a:spcBef>
-              <a:buNone/>
-            </a:pPr>
-            <a:r>
-              <a:rPr lang="en-US" sz="2000" dirty="0"/>
-              <a:t>Family, Home, College background:</a:t>
-            </a:r>
-          </a:p>
-          <a:p>
-            <a:pPr marL="0" indent="0">
-              <a:spcBef>
-                <a:spcPts val="600"/>
-              </a:spcBef>
-              <a:buNone/>
-            </a:pPr>
-            <a:r>
-              <a:rPr lang="en-US" sz="2000" dirty="0"/>
-              <a:t>	</a:t>
-            </a:r>
-            <a:r>
-              <a:rPr lang="en-US" sz="2000" b="1" dirty="0"/>
-              <a:t>Married with five children, recently relocated from Davenport, IA to Chicago area</a:t>
-            </a:r>
-          </a:p>
-          <a:p>
-            <a:pPr marL="0" indent="0">
-              <a:spcBef>
-                <a:spcPts val="600"/>
-              </a:spcBef>
-              <a:buNone/>
-            </a:pPr>
-            <a:r>
-              <a:rPr lang="en-US" sz="2000" b="1" dirty="0"/>
-              <a:t>	Undergraduate in CS and Masters in Business… teaching online/evening for many years</a:t>
-            </a:r>
-          </a:p>
-          <a:p>
-            <a:pPr marL="0" indent="0">
-              <a:spcBef>
-                <a:spcPts val="2400"/>
-              </a:spcBef>
-              <a:buNone/>
-            </a:pPr>
-            <a:r>
-              <a:rPr lang="en-US" sz="2000" dirty="0"/>
-              <a:t>Programming experience:</a:t>
-            </a:r>
-          </a:p>
-          <a:p>
-            <a:pPr marL="0" indent="0">
-              <a:spcBef>
-                <a:spcPts val="600"/>
-              </a:spcBef>
-              <a:buNone/>
-            </a:pPr>
-            <a:r>
-              <a:rPr lang="en-US" sz="2000" dirty="0"/>
-              <a:t>	</a:t>
-            </a:r>
-            <a:r>
-              <a:rPr lang="en-US" sz="2000" b="1" dirty="0"/>
-              <a:t>Decades in the industry as a developer, architect, project manager, division manager, 		and vice president of various software development organizations.</a:t>
-            </a:r>
-          </a:p>
-          <a:p>
-            <a:pPr marL="0" indent="0">
-              <a:spcBef>
-                <a:spcPts val="1200"/>
-              </a:spcBef>
-              <a:buNone/>
-            </a:pPr>
-            <a:r>
-              <a:rPr lang="en-US" sz="2000" b="1" dirty="0"/>
-              <a:t>	Part of many teams that have delivered products to ten’s of millions of customers globally</a:t>
-            </a:r>
-          </a:p>
-          <a:p>
-            <a:pPr marL="0" indent="0">
-              <a:spcBef>
-                <a:spcPts val="600"/>
-              </a:spcBef>
-              <a:buNone/>
-            </a:pPr>
-            <a:r>
-              <a:rPr lang="en-US" sz="2000" b="1" dirty="0"/>
-              <a:t>	Parsons Technology, Intuit, The Learning Company,  Jasc Software, and John Deere</a:t>
-            </a:r>
-          </a:p>
-          <a:p>
-            <a:pPr marL="0" indent="0">
-              <a:spcBef>
-                <a:spcPts val="600"/>
-              </a:spcBef>
-              <a:buNone/>
-            </a:pPr>
-            <a:r>
-              <a:rPr lang="en-US" sz="2000" b="1" dirty="0"/>
-              <a:t>	… and most recently working on a startup with my oldest son.</a:t>
-            </a:r>
-          </a:p>
-        </p:txBody>
-      </p:sp>
-    </p:spTree>
-    <p:extLst>
-      <p:ext uri="{BB962C8B-B14F-4D97-AF65-F5344CB8AC3E}">
-        <p14:creationId xmlns:p14="http://schemas.microsoft.com/office/powerpoint/2010/main" val="342511129"/>
-      </p:ext>
-    </p:extLst>
-  </p:cSld>
-  <p:clrMapOvr>
-    <a:masterClrMapping/>
-  </p:clrMapOvr>
-</p:sld>
-</file>
-
 <file path=ppt/slides/slide2.xml><?xml version="1.0" encoding="utf-8"?>
 <p:sld xmlns:a="http://schemas.openxmlformats.org/drawingml/2006/main" xmlns:r="http://schemas.openxmlformats.org/officeDocument/2006/relationships" xmlns:p="http://schemas.openxmlformats.org/presentationml/2006/main">
   <p:cSld>
@@ -9460,2064 +7214,6 @@
     <p:extLst>
       <p:ext uri="{BB962C8B-B14F-4D97-AF65-F5344CB8AC3E}">
         <p14:creationId xmlns:p14="http://schemas.microsoft.com/office/powerpoint/2010/main" val="2419417202"/>
-      </p:ext>
-    </p:extLst>
-  </p:cSld>
-  <p:clrMapOvr>
-    <a:masterClrMapping/>
-  </p:clrMapOvr>
-</p:sld>
-</file>
-
-<file path=ppt/slides/slide20.xml><?xml version="1.0" encoding="utf-8"?>
-<p:sld xmlns:a="http://schemas.openxmlformats.org/drawingml/2006/main" xmlns:r="http://schemas.openxmlformats.org/officeDocument/2006/relationships" xmlns:p="http://schemas.openxmlformats.org/presentationml/2006/main">
-  <p:cSld>
-    <p:spTree>
-      <p:nvGrpSpPr>
-        <p:cNvPr id="1" name=""/>
-        <p:cNvGrpSpPr/>
-        <p:nvPr/>
-      </p:nvGrpSpPr>
-      <p:grpSpPr>
-        <a:xfrm>
-          <a:off x="0" y="0"/>
-          <a:ext cx="0" cy="0"/>
-          <a:chOff x="0" y="0"/>
-          <a:chExt cx="0" cy="0"/>
-        </a:xfrm>
-      </p:grpSpPr>
-      <p:pic>
-        <p:nvPicPr>
-          <p:cNvPr id="9" name="Picture 8">
-            <a:extLst>
-              <a:ext uri="{FF2B5EF4-FFF2-40B4-BE49-F238E27FC236}">
-                <a16:creationId xmlns:a16="http://schemas.microsoft.com/office/drawing/2014/main" id="{F2EBAE23-C749-48AE-9358-5B0FEFDF8667}"/>
-              </a:ext>
-            </a:extLst>
-          </p:cNvPr>
-          <p:cNvPicPr>
-            <a:picLocks noChangeAspect="1"/>
-          </p:cNvPicPr>
-          <p:nvPr/>
-        </p:nvPicPr>
-        <p:blipFill>
-          <a:blip r:embed="rId2"/>
-          <a:stretch>
-            <a:fillRect/>
-          </a:stretch>
-        </p:blipFill>
-        <p:spPr>
-          <a:xfrm>
-            <a:off x="177110" y="2008834"/>
-            <a:ext cx="3105150" cy="2457450"/>
-          </a:xfrm>
-          <a:prstGeom prst="rect">
-            <a:avLst/>
-          </a:prstGeom>
-        </p:spPr>
-      </p:pic>
-      <p:pic>
-        <p:nvPicPr>
-          <p:cNvPr id="5" name="Picture 4">
-            <a:extLst>
-              <a:ext uri="{FF2B5EF4-FFF2-40B4-BE49-F238E27FC236}">
-                <a16:creationId xmlns:a16="http://schemas.microsoft.com/office/drawing/2014/main" id="{445508D6-FCB5-4859-B006-0CB0B87BC1CD}"/>
-              </a:ext>
-            </a:extLst>
-          </p:cNvPr>
-          <p:cNvPicPr>
-            <a:picLocks noChangeAspect="1"/>
-          </p:cNvPicPr>
-          <p:nvPr/>
-        </p:nvPicPr>
-        <p:blipFill>
-          <a:blip r:embed="rId3"/>
-          <a:stretch>
-            <a:fillRect/>
-          </a:stretch>
-        </p:blipFill>
-        <p:spPr>
-          <a:xfrm>
-            <a:off x="1017638" y="341383"/>
-            <a:ext cx="3349113" cy="1781443"/>
-          </a:xfrm>
-          <a:prstGeom prst="rect">
-            <a:avLst/>
-          </a:prstGeom>
-        </p:spPr>
-      </p:pic>
-      <p:pic>
-        <p:nvPicPr>
-          <p:cNvPr id="4" name="Picture 3">
-            <a:extLst>
-              <a:ext uri="{FF2B5EF4-FFF2-40B4-BE49-F238E27FC236}">
-                <a16:creationId xmlns:a16="http://schemas.microsoft.com/office/drawing/2014/main" id="{5B9357A3-D2F0-4205-8A4F-BA6608F315E8}"/>
-              </a:ext>
-            </a:extLst>
-          </p:cNvPr>
-          <p:cNvPicPr>
-            <a:picLocks noChangeAspect="1"/>
-          </p:cNvPicPr>
-          <p:nvPr/>
-        </p:nvPicPr>
-        <p:blipFill>
-          <a:blip r:embed="rId4"/>
-          <a:stretch>
-            <a:fillRect/>
-          </a:stretch>
-        </p:blipFill>
-        <p:spPr>
-          <a:xfrm>
-            <a:off x="1554955" y="1119423"/>
-            <a:ext cx="5743777" cy="1781443"/>
-          </a:xfrm>
-          <a:prstGeom prst="rect">
-            <a:avLst/>
-          </a:prstGeom>
-        </p:spPr>
-      </p:pic>
-      <p:pic>
-        <p:nvPicPr>
-          <p:cNvPr id="6" name="Picture 5">
-            <a:extLst>
-              <a:ext uri="{FF2B5EF4-FFF2-40B4-BE49-F238E27FC236}">
-                <a16:creationId xmlns:a16="http://schemas.microsoft.com/office/drawing/2014/main" id="{58A210C4-5416-48CE-889F-80437356FF40}"/>
-              </a:ext>
-            </a:extLst>
-          </p:cNvPr>
-          <p:cNvPicPr>
-            <a:picLocks noChangeAspect="1"/>
-          </p:cNvPicPr>
-          <p:nvPr/>
-        </p:nvPicPr>
-        <p:blipFill>
-          <a:blip r:embed="rId5"/>
-          <a:stretch>
-            <a:fillRect/>
-          </a:stretch>
-        </p:blipFill>
-        <p:spPr>
-          <a:xfrm>
-            <a:off x="8645166" y="341383"/>
-            <a:ext cx="2799886" cy="3889119"/>
-          </a:xfrm>
-          <a:prstGeom prst="rect">
-            <a:avLst/>
-          </a:prstGeom>
-          <a:noFill/>
-          <a:ln w="12700">
-            <a:noFill/>
-          </a:ln>
-        </p:spPr>
-      </p:pic>
-      <p:pic>
-        <p:nvPicPr>
-          <p:cNvPr id="7" name="Picture 6">
-            <a:extLst>
-              <a:ext uri="{FF2B5EF4-FFF2-40B4-BE49-F238E27FC236}">
-                <a16:creationId xmlns:a16="http://schemas.microsoft.com/office/drawing/2014/main" id="{53AB4372-FE60-4185-9F09-BDCA72D625DA}"/>
-              </a:ext>
-            </a:extLst>
-          </p:cNvPr>
-          <p:cNvPicPr>
-            <a:picLocks noChangeAspect="1"/>
-          </p:cNvPicPr>
-          <p:nvPr/>
-        </p:nvPicPr>
-        <p:blipFill>
-          <a:blip r:embed="rId6"/>
-          <a:stretch>
-            <a:fillRect/>
-          </a:stretch>
-        </p:blipFill>
-        <p:spPr>
-          <a:xfrm>
-            <a:off x="9311369" y="3119327"/>
-            <a:ext cx="2799886" cy="3076798"/>
-          </a:xfrm>
-          <a:prstGeom prst="rect">
-            <a:avLst/>
-          </a:prstGeom>
-        </p:spPr>
-      </p:pic>
-      <p:pic>
-        <p:nvPicPr>
-          <p:cNvPr id="8" name="Picture 7">
-            <a:extLst>
-              <a:ext uri="{FF2B5EF4-FFF2-40B4-BE49-F238E27FC236}">
-                <a16:creationId xmlns:a16="http://schemas.microsoft.com/office/drawing/2014/main" id="{C2C4508E-D280-47C4-B77C-9157F2981179}"/>
-              </a:ext>
-            </a:extLst>
-          </p:cNvPr>
-          <p:cNvPicPr>
-            <a:picLocks noChangeAspect="1"/>
-          </p:cNvPicPr>
-          <p:nvPr/>
-        </p:nvPicPr>
-        <p:blipFill rotWithShape="1">
-          <a:blip r:embed="rId7"/>
-          <a:srcRect t="614"/>
-          <a:stretch/>
-        </p:blipFill>
-        <p:spPr>
-          <a:xfrm>
-            <a:off x="5957803" y="3237559"/>
-            <a:ext cx="2687363" cy="3279058"/>
-          </a:xfrm>
-          <a:prstGeom prst="rect">
-            <a:avLst/>
-          </a:prstGeom>
-        </p:spPr>
-      </p:pic>
-      <p:pic>
-        <p:nvPicPr>
-          <p:cNvPr id="3" name="Picture 2">
-            <a:extLst>
-              <a:ext uri="{FF2B5EF4-FFF2-40B4-BE49-F238E27FC236}">
-                <a16:creationId xmlns:a16="http://schemas.microsoft.com/office/drawing/2014/main" id="{BE95B872-D1D6-433D-A328-CBFBDD752BCD}"/>
-              </a:ext>
-            </a:extLst>
-          </p:cNvPr>
-          <p:cNvPicPr>
-            <a:picLocks noChangeAspect="1"/>
-          </p:cNvPicPr>
-          <p:nvPr/>
-        </p:nvPicPr>
-        <p:blipFill>
-          <a:blip r:embed="rId8"/>
-          <a:stretch>
-            <a:fillRect/>
-          </a:stretch>
-        </p:blipFill>
-        <p:spPr>
-          <a:xfrm>
-            <a:off x="1416106" y="4109208"/>
-            <a:ext cx="4152096" cy="2631239"/>
-          </a:xfrm>
-          <a:prstGeom prst="rect">
-            <a:avLst/>
-          </a:prstGeom>
-          <a:ln w="19050">
-            <a:solidFill>
-              <a:schemeClr val="tx1"/>
-            </a:solidFill>
-          </a:ln>
-        </p:spPr>
-      </p:pic>
-    </p:spTree>
-    <p:extLst>
-      <p:ext uri="{BB962C8B-B14F-4D97-AF65-F5344CB8AC3E}">
-        <p14:creationId xmlns:p14="http://schemas.microsoft.com/office/powerpoint/2010/main" val="718523961"/>
-      </p:ext>
-    </p:extLst>
-  </p:cSld>
-  <p:clrMapOvr>
-    <a:masterClrMapping/>
-  </p:clrMapOvr>
-</p:sld>
-</file>
-
-<file path=ppt/slides/slide21.xml><?xml version="1.0" encoding="utf-8"?>
-<p:sld xmlns:a="http://schemas.openxmlformats.org/drawingml/2006/main" xmlns:r="http://schemas.openxmlformats.org/officeDocument/2006/relationships" xmlns:p="http://schemas.openxmlformats.org/presentationml/2006/main">
-  <p:cSld>
-    <p:spTree>
-      <p:nvGrpSpPr>
-        <p:cNvPr id="1" name=""/>
-        <p:cNvGrpSpPr/>
-        <p:nvPr/>
-      </p:nvGrpSpPr>
-      <p:grpSpPr>
-        <a:xfrm>
-          <a:off x="0" y="0"/>
-          <a:ext cx="0" cy="0"/>
-          <a:chOff x="0" y="0"/>
-          <a:chExt cx="0" cy="0"/>
-        </a:xfrm>
-      </p:grpSpPr>
-      <p:sp>
-        <p:nvSpPr>
-          <p:cNvPr id="4" name="Title 1">
-            <a:extLst>
-              <a:ext uri="{FF2B5EF4-FFF2-40B4-BE49-F238E27FC236}">
-                <a16:creationId xmlns:a16="http://schemas.microsoft.com/office/drawing/2014/main" id="{71AB7F5B-4495-498D-9228-FE0FCE273C43}"/>
-              </a:ext>
-            </a:extLst>
-          </p:cNvPr>
-          <p:cNvSpPr>
-            <a:spLocks noGrp="1"/>
-          </p:cNvSpPr>
-          <p:nvPr>
-            <p:ph type="title"/>
-          </p:nvPr>
-        </p:nvSpPr>
-        <p:spPr>
-          <a:xfrm>
-            <a:off x="838200" y="474626"/>
-            <a:ext cx="10515600" cy="757272"/>
-          </a:xfrm>
-        </p:spPr>
-        <p:txBody>
-          <a:bodyPr>
-            <a:normAutofit/>
-          </a:bodyPr>
-          <a:lstStyle/>
-          <a:p>
-            <a:r>
-              <a:rPr lang="en-US" sz="3600" dirty="0"/>
-              <a:t>Welcome &amp; Introductions</a:t>
-            </a:r>
-            <a:endParaRPr lang="en-US" sz="3600" b="1" i="1" u="sng" dirty="0"/>
-          </a:p>
-        </p:txBody>
-      </p:sp>
-      <p:sp>
-        <p:nvSpPr>
-          <p:cNvPr id="5" name="Content Placeholder 2">
-            <a:extLst>
-              <a:ext uri="{FF2B5EF4-FFF2-40B4-BE49-F238E27FC236}">
-                <a16:creationId xmlns:a16="http://schemas.microsoft.com/office/drawing/2014/main" id="{A3AEDF17-A7EB-42B8-A3CF-77C0E99B49FB}"/>
-              </a:ext>
-            </a:extLst>
-          </p:cNvPr>
-          <p:cNvSpPr>
-            <a:spLocks noGrp="1"/>
-          </p:cNvSpPr>
-          <p:nvPr>
-            <p:ph idx="1"/>
-          </p:nvPr>
-        </p:nvSpPr>
-        <p:spPr>
-          <a:xfrm>
-            <a:off x="838199" y="1231898"/>
-            <a:ext cx="10882745" cy="5030679"/>
-          </a:xfrm>
-        </p:spPr>
-        <p:txBody>
-          <a:bodyPr>
-            <a:normAutofit fontScale="92500" lnSpcReduction="10000"/>
-          </a:bodyPr>
-          <a:lstStyle/>
-          <a:p>
-            <a:pPr marL="0" indent="0">
-              <a:spcBef>
-                <a:spcPts val="2400"/>
-              </a:spcBef>
-              <a:buNone/>
-            </a:pPr>
-            <a:r>
-              <a:rPr lang="en-US" sz="2000" dirty="0"/>
-              <a:t>Likely programming environment</a:t>
-            </a:r>
-          </a:p>
-          <a:p>
-            <a:pPr marL="0" indent="0">
-              <a:spcBef>
-                <a:spcPts val="600"/>
-              </a:spcBef>
-              <a:buNone/>
-            </a:pPr>
-            <a:r>
-              <a:rPr lang="en-US" sz="2000" dirty="0"/>
-              <a:t>	</a:t>
-            </a:r>
-            <a:r>
-              <a:rPr lang="en-US" sz="2000" b="1" dirty="0"/>
-              <a:t>Personal Laptop, Windows 10, Chrome browser, and Visual Studio Code text editor </a:t>
-            </a:r>
-          </a:p>
-          <a:p>
-            <a:pPr marL="0" indent="0">
-              <a:spcBef>
-                <a:spcPts val="2400"/>
-              </a:spcBef>
-              <a:buNone/>
-            </a:pPr>
-            <a:r>
-              <a:rPr lang="en-US" sz="2000" dirty="0"/>
-              <a:t>Hobbies:</a:t>
-            </a:r>
-          </a:p>
-          <a:p>
-            <a:pPr marL="0" indent="0">
-              <a:spcBef>
-                <a:spcPts val="600"/>
-              </a:spcBef>
-              <a:buNone/>
-            </a:pPr>
-            <a:r>
-              <a:rPr lang="en-US" sz="2000" dirty="0"/>
-              <a:t>	</a:t>
-            </a:r>
-            <a:r>
-              <a:rPr lang="en-US" sz="2000" b="1" dirty="0"/>
-              <a:t>Wilderness Canoeing &amp; Camping (</a:t>
-            </a:r>
-            <a:r>
-              <a:rPr lang="en-US" sz="2000" b="1" dirty="0" err="1"/>
-              <a:t>Quetico</a:t>
-            </a:r>
-            <a:r>
-              <a:rPr lang="en-US" sz="2000" b="1" dirty="0"/>
-              <a:t>) and Triathlons</a:t>
-            </a:r>
-          </a:p>
-          <a:p>
-            <a:pPr marL="0" indent="0">
-              <a:spcBef>
-                <a:spcPts val="2400"/>
-              </a:spcBef>
-              <a:spcAft>
-                <a:spcPts val="600"/>
-              </a:spcAft>
-              <a:buNone/>
-            </a:pPr>
-            <a:r>
-              <a:rPr lang="en-US" sz="2000" dirty="0"/>
-              <a:t>Top two or three things that you would like to get out of this class</a:t>
-            </a:r>
-          </a:p>
-          <a:p>
-            <a:pPr lvl="2">
-              <a:spcBef>
-                <a:spcPts val="0"/>
-              </a:spcBef>
-              <a:buFont typeface="Wingdings" panose="05000000000000000000" pitchFamily="2" charset="2"/>
-              <a:buChar char="§"/>
-            </a:pPr>
-            <a:r>
-              <a:rPr lang="en-US" b="1" dirty="0"/>
-              <a:t>help each of you be successful in this class </a:t>
-            </a:r>
-          </a:p>
-          <a:p>
-            <a:pPr lvl="2">
-              <a:spcBef>
-                <a:spcPts val="0"/>
-              </a:spcBef>
-              <a:buFont typeface="Wingdings" panose="05000000000000000000" pitchFamily="2" charset="2"/>
-              <a:buChar char="§"/>
-            </a:pPr>
-            <a:r>
-              <a:rPr lang="en-US" b="1" dirty="0"/>
-              <a:t>explore software development processes and techniques together and motivate you to look deeper</a:t>
-            </a:r>
-          </a:p>
-          <a:p>
-            <a:pPr lvl="2">
-              <a:spcBef>
-                <a:spcPts val="0"/>
-              </a:spcBef>
-              <a:buFont typeface="Wingdings" panose="05000000000000000000" pitchFamily="2" charset="2"/>
-              <a:buChar char="§"/>
-            </a:pPr>
-            <a:r>
-              <a:rPr lang="en-US" b="1" dirty="0"/>
-              <a:t>and for us to find a little enjoyment and fun along the way* </a:t>
-            </a:r>
-          </a:p>
-          <a:p>
-            <a:pPr lvl="2">
-              <a:spcBef>
-                <a:spcPts val="0"/>
-              </a:spcBef>
-              <a:buFont typeface="Wingdings" panose="05000000000000000000" pitchFamily="2" charset="2"/>
-              <a:buChar char="§"/>
-            </a:pPr>
-            <a:r>
-              <a:rPr lang="en-US" b="1" dirty="0"/>
-              <a:t>… oh yes, and it would be wonderful if I could help you build something that made you proud during the semester</a:t>
-            </a:r>
-          </a:p>
-          <a:p>
-            <a:pPr marL="0" indent="0">
-              <a:spcBef>
-                <a:spcPts val="2400"/>
-              </a:spcBef>
-              <a:buNone/>
-            </a:pPr>
-            <a:r>
-              <a:rPr lang="en-US" sz="2000" dirty="0"/>
-              <a:t>Fun Fact:</a:t>
-            </a:r>
-          </a:p>
-          <a:p>
-            <a:pPr marL="0" indent="0">
-              <a:spcBef>
-                <a:spcPts val="600"/>
-              </a:spcBef>
-              <a:buNone/>
-            </a:pPr>
-            <a:r>
-              <a:rPr lang="en-US" sz="2000" dirty="0"/>
-              <a:t>	</a:t>
-            </a:r>
-            <a:r>
-              <a:rPr lang="en-US" sz="2000" b="1" dirty="0"/>
-              <a:t>At one point I had the very dubious “honor” or being the most traveled John Deere 	employee to India with 40+ trips over a 5-6 year period while setting up the 400+ person 		John Deere Technology Center – India application development organization.</a:t>
-            </a:r>
-          </a:p>
-        </p:txBody>
-      </p:sp>
-    </p:spTree>
-    <p:extLst>
-      <p:ext uri="{BB962C8B-B14F-4D97-AF65-F5344CB8AC3E}">
-        <p14:creationId xmlns:p14="http://schemas.microsoft.com/office/powerpoint/2010/main" val="709007986"/>
-      </p:ext>
-    </p:extLst>
-  </p:cSld>
-  <p:clrMapOvr>
-    <a:masterClrMapping/>
-  </p:clrMapOvr>
-</p:sld>
-</file>
-
-<file path=ppt/slides/slide22.xml><?xml version="1.0" encoding="utf-8"?>
-<p:sld xmlns:a="http://schemas.openxmlformats.org/drawingml/2006/main" xmlns:r="http://schemas.openxmlformats.org/officeDocument/2006/relationships" xmlns:p="http://schemas.openxmlformats.org/presentationml/2006/main">
-  <p:cSld>
-    <p:spTree>
-      <p:nvGrpSpPr>
-        <p:cNvPr id="1" name=""/>
-        <p:cNvGrpSpPr/>
-        <p:nvPr/>
-      </p:nvGrpSpPr>
-      <p:grpSpPr>
-        <a:xfrm>
-          <a:off x="0" y="0"/>
-          <a:ext cx="0" cy="0"/>
-          <a:chOff x="0" y="0"/>
-          <a:chExt cx="0" cy="0"/>
-        </a:xfrm>
-      </p:grpSpPr>
-      <p:sp>
-        <p:nvSpPr>
-          <p:cNvPr id="2" name="Title 1"/>
-          <p:cNvSpPr>
-            <a:spLocks noGrp="1"/>
-          </p:cNvSpPr>
-          <p:nvPr>
-            <p:ph type="ctrTitle"/>
-          </p:nvPr>
-        </p:nvSpPr>
-        <p:spPr>
-          <a:xfrm>
-            <a:off x="1524000" y="1122363"/>
-            <a:ext cx="9144000" cy="2818502"/>
-          </a:xfrm>
-        </p:spPr>
-        <p:txBody>
-          <a:bodyPr>
-            <a:normAutofit/>
-          </a:bodyPr>
-          <a:lstStyle/>
-          <a:p>
-            <a:r>
-              <a:rPr lang="en-US" sz="4800" dirty="0"/>
-              <a:t>Syllabus Overview</a:t>
-            </a:r>
-          </a:p>
-        </p:txBody>
-      </p:sp>
-    </p:spTree>
-    <p:extLst>
-      <p:ext uri="{BB962C8B-B14F-4D97-AF65-F5344CB8AC3E}">
-        <p14:creationId xmlns:p14="http://schemas.microsoft.com/office/powerpoint/2010/main" val="3135748474"/>
-      </p:ext>
-    </p:extLst>
-  </p:cSld>
-  <p:clrMapOvr>
-    <a:masterClrMapping/>
-  </p:clrMapOvr>
-</p:sld>
-</file>
-
-<file path=ppt/slides/slide23.xml><?xml version="1.0" encoding="utf-8"?>
-<p:sld xmlns:a="http://schemas.openxmlformats.org/drawingml/2006/main" xmlns:r="http://schemas.openxmlformats.org/officeDocument/2006/relationships" xmlns:p="http://schemas.openxmlformats.org/presentationml/2006/main">
-  <p:cSld>
-    <p:spTree>
-      <p:nvGrpSpPr>
-        <p:cNvPr id="1" name=""/>
-        <p:cNvGrpSpPr/>
-        <p:nvPr/>
-      </p:nvGrpSpPr>
-      <p:grpSpPr>
-        <a:xfrm>
-          <a:off x="0" y="0"/>
-          <a:ext cx="0" cy="0"/>
-          <a:chOff x="0" y="0"/>
-          <a:chExt cx="0" cy="0"/>
-        </a:xfrm>
-      </p:grpSpPr>
-      <p:sp>
-        <p:nvSpPr>
-          <p:cNvPr id="2" name="Title 1">
-            <a:extLst>
-              <a:ext uri="{FF2B5EF4-FFF2-40B4-BE49-F238E27FC236}">
-                <a16:creationId xmlns:a16="http://schemas.microsoft.com/office/drawing/2014/main" id="{4D446405-6F1F-4926-B387-B75245C2FB0C}"/>
-              </a:ext>
-            </a:extLst>
-          </p:cNvPr>
-          <p:cNvSpPr>
-            <a:spLocks noGrp="1"/>
-          </p:cNvSpPr>
-          <p:nvPr>
-            <p:ph type="title"/>
-          </p:nvPr>
-        </p:nvSpPr>
-        <p:spPr>
-          <a:xfrm>
-            <a:off x="838200" y="365125"/>
-            <a:ext cx="7268155" cy="1325563"/>
-          </a:xfrm>
-        </p:spPr>
-        <p:txBody>
-          <a:bodyPr>
-            <a:normAutofit/>
-          </a:bodyPr>
-          <a:lstStyle/>
-          <a:p>
-            <a:r>
-              <a:rPr lang="en-US" sz="3600" dirty="0"/>
-              <a:t>Object-Oriented Programming</a:t>
-            </a:r>
-            <a:br>
-              <a:rPr lang="en-US" dirty="0"/>
-            </a:br>
-            <a:r>
-              <a:rPr lang="en-US" sz="1800" dirty="0"/>
-              <a:t>Discussion &amp; Lecture</a:t>
-            </a:r>
-            <a:br>
-              <a:rPr lang="en-US" sz="1800" dirty="0"/>
-            </a:br>
-            <a:r>
-              <a:rPr lang="en-US" sz="1800" dirty="0"/>
-              <a:t>Eric Pogue</a:t>
-            </a:r>
-          </a:p>
-        </p:txBody>
-      </p:sp>
-      <p:sp>
-        <p:nvSpPr>
-          <p:cNvPr id="3" name="Content Placeholder 2">
-            <a:extLst>
-              <a:ext uri="{FF2B5EF4-FFF2-40B4-BE49-F238E27FC236}">
-                <a16:creationId xmlns:a16="http://schemas.microsoft.com/office/drawing/2014/main" id="{ADD45C4B-998D-4D36-AE39-52AB024AB508}"/>
-              </a:ext>
-            </a:extLst>
-          </p:cNvPr>
-          <p:cNvSpPr>
-            <a:spLocks noGrp="1"/>
-          </p:cNvSpPr>
-          <p:nvPr>
-            <p:ph idx="1"/>
-          </p:nvPr>
-        </p:nvSpPr>
-        <p:spPr>
-          <a:xfrm>
-            <a:off x="838200" y="1739348"/>
-            <a:ext cx="10515600" cy="4437615"/>
-          </a:xfrm>
-        </p:spPr>
-        <p:txBody>
-          <a:bodyPr>
-            <a:normAutofit fontScale="92500" lnSpcReduction="20000"/>
-          </a:bodyPr>
-          <a:lstStyle/>
-          <a:p>
-            <a:pPr marL="0" indent="0">
-              <a:buNone/>
-            </a:pPr>
-            <a:r>
-              <a:rPr lang="en-US" sz="2200" dirty="0"/>
-              <a:t>Agenda for 14 Mar 18 from 12 to 2:30pm CST:</a:t>
-            </a:r>
-          </a:p>
-          <a:p>
-            <a:pPr marL="457200" indent="-457200">
-              <a:buFont typeface="+mj-lt"/>
-              <a:buAutoNum type="arabicPeriod"/>
-            </a:pPr>
-            <a:r>
-              <a:rPr lang="en-US" sz="2200" dirty="0">
-                <a:solidFill>
-                  <a:schemeClr val="bg1">
-                    <a:lumMod val="75000"/>
-                  </a:schemeClr>
-                </a:solidFill>
-              </a:rPr>
-              <a:t>Welcome</a:t>
-            </a:r>
-          </a:p>
-          <a:p>
-            <a:pPr marL="457200" indent="-457200">
-              <a:buFont typeface="+mj-lt"/>
-              <a:buAutoNum type="arabicPeriod"/>
-            </a:pPr>
-            <a:r>
-              <a:rPr lang="en-US" sz="2200" dirty="0">
-                <a:solidFill>
-                  <a:schemeClr val="bg1">
-                    <a:lumMod val="75000"/>
-                  </a:schemeClr>
-                </a:solidFill>
-              </a:rPr>
-              <a:t>Friendly Conversation &amp; Good Natured Banter… let’s make sure that everyone can hear and speak in the virtual Join.me meeting</a:t>
-            </a:r>
-          </a:p>
-          <a:p>
-            <a:pPr marL="457200" indent="-457200">
-              <a:buFont typeface="+mj-lt"/>
-              <a:buAutoNum type="arabicPeriod"/>
-            </a:pPr>
-            <a:r>
-              <a:rPr lang="en-US" sz="2200" dirty="0">
-                <a:solidFill>
-                  <a:schemeClr val="bg1">
-                    <a:lumMod val="75000"/>
-                  </a:schemeClr>
-                </a:solidFill>
-              </a:rPr>
-              <a:t>Introductions*</a:t>
-            </a:r>
-          </a:p>
-          <a:p>
-            <a:pPr marL="457200" indent="-457200">
-              <a:buFont typeface="+mj-lt"/>
-              <a:buAutoNum type="arabicPeriod"/>
-            </a:pPr>
-            <a:r>
-              <a:rPr lang="en-US" sz="2200" dirty="0">
-                <a:solidFill>
-                  <a:schemeClr val="bg1">
-                    <a:lumMod val="75000"/>
-                  </a:schemeClr>
-                </a:solidFill>
-              </a:rPr>
-              <a:t>Review Course Syllabus</a:t>
-            </a:r>
-          </a:p>
-          <a:p>
-            <a:pPr marL="457200" indent="-457200">
-              <a:buFont typeface="+mj-lt"/>
-              <a:buAutoNum type="arabicPeriod"/>
-            </a:pPr>
-            <a:r>
-              <a:rPr lang="en-US" sz="2200" dirty="0"/>
-              <a:t>Your turn for Introductions</a:t>
-            </a:r>
-          </a:p>
-          <a:p>
-            <a:pPr marL="457200" indent="-457200">
-              <a:buFont typeface="+mj-lt"/>
-              <a:buAutoNum type="arabicPeriod"/>
-            </a:pPr>
-            <a:r>
-              <a:rPr lang="en-US" sz="2200" dirty="0"/>
-              <a:t>Review Week 1 Activities &amp; Assignment</a:t>
-            </a:r>
-          </a:p>
-          <a:p>
-            <a:pPr marL="457200" indent="-457200">
-              <a:buFont typeface="+mj-lt"/>
-              <a:buAutoNum type="arabicPeriod"/>
-            </a:pPr>
-            <a:r>
-              <a:rPr lang="en-US" sz="2200" dirty="0"/>
-              <a:t>Review </a:t>
-            </a:r>
-            <a:r>
-              <a:rPr lang="en-US" sz="2200" u="sng" dirty="0"/>
-              <a:t>Selected</a:t>
-            </a:r>
-            <a:r>
-              <a:rPr lang="en-US" sz="2200" dirty="0"/>
-              <a:t> Topics &amp; Activities</a:t>
-            </a:r>
-          </a:p>
-          <a:p>
-            <a:pPr marL="457200" indent="-457200">
-              <a:buFont typeface="+mj-lt"/>
-              <a:buAutoNum type="arabicPeriod"/>
-            </a:pPr>
-            <a:r>
-              <a:rPr lang="en-US" sz="2200" dirty="0"/>
-              <a:t>Lab Time plus Q&amp;A starting no later than 1:45pm</a:t>
-            </a:r>
-          </a:p>
-          <a:p>
-            <a:pPr marL="457200" indent="-457200">
-              <a:buFont typeface="+mj-lt"/>
-              <a:buAutoNum type="arabicPeriod"/>
-            </a:pPr>
-            <a:r>
-              <a:rPr lang="en-US" sz="2200" dirty="0"/>
-              <a:t>Wrap-up and Final Questions/Comments?</a:t>
-            </a:r>
-          </a:p>
-          <a:p>
-            <a:pPr marL="0" indent="0">
-              <a:buNone/>
-            </a:pPr>
-            <a:r>
-              <a:rPr lang="en-US" sz="2200" dirty="0"/>
-              <a:t>Discussion &amp; Questions welcome at any time… please be present with no phones or email during our discussion time</a:t>
-            </a:r>
-            <a:endParaRPr lang="en-US" sz="2000" dirty="0"/>
-          </a:p>
-          <a:p>
-            <a:pPr marL="457200" indent="-457200">
-              <a:buFont typeface="+mj-lt"/>
-              <a:buAutoNum type="arabicPeriod"/>
-            </a:pPr>
-            <a:endParaRPr lang="en-US" sz="2000" dirty="0"/>
-          </a:p>
-          <a:p>
-            <a:pPr marL="457200" indent="-457200">
-              <a:buFont typeface="+mj-lt"/>
-              <a:buAutoNum type="arabicPeriod"/>
-            </a:pPr>
-            <a:endParaRPr lang="en-US" sz="2000" dirty="0"/>
-          </a:p>
-          <a:p>
-            <a:pPr marL="457200" indent="-457200">
-              <a:buFont typeface="+mj-lt"/>
-              <a:buAutoNum type="arabicPeriod"/>
-            </a:pPr>
-            <a:endParaRPr lang="en-US" sz="2000" dirty="0"/>
-          </a:p>
-          <a:p>
-            <a:pPr marL="457200" indent="-457200">
-              <a:buFont typeface="+mj-lt"/>
-              <a:buAutoNum type="arabicPeriod"/>
-            </a:pPr>
-            <a:endParaRPr lang="en-US" sz="2000" dirty="0"/>
-          </a:p>
-        </p:txBody>
-      </p:sp>
-      <p:pic>
-        <p:nvPicPr>
-          <p:cNvPr id="4" name="Content Placeholder 4">
-            <a:extLst>
-              <a:ext uri="{FF2B5EF4-FFF2-40B4-BE49-F238E27FC236}">
-                <a16:creationId xmlns:a16="http://schemas.microsoft.com/office/drawing/2014/main" id="{4EDCD7D6-DA50-40A6-870F-1D890F732171}"/>
-              </a:ext>
-            </a:extLst>
-          </p:cNvPr>
-          <p:cNvPicPr>
-            <a:picLocks noChangeAspect="1"/>
-          </p:cNvPicPr>
-          <p:nvPr/>
-        </p:nvPicPr>
-        <p:blipFill>
-          <a:blip r:embed="rId3"/>
-          <a:stretch>
-            <a:fillRect/>
-          </a:stretch>
-        </p:blipFill>
-        <p:spPr>
-          <a:xfrm>
-            <a:off x="8942905" y="156030"/>
-            <a:ext cx="2656367" cy="1366321"/>
-          </a:xfrm>
-          <a:prstGeom prst="rect">
-            <a:avLst/>
-          </a:prstGeom>
-        </p:spPr>
-      </p:pic>
-    </p:spTree>
-    <p:extLst>
-      <p:ext uri="{BB962C8B-B14F-4D97-AF65-F5344CB8AC3E}">
-        <p14:creationId xmlns:p14="http://schemas.microsoft.com/office/powerpoint/2010/main" val="3719872409"/>
-      </p:ext>
-    </p:extLst>
-  </p:cSld>
-  <p:clrMapOvr>
-    <a:masterClrMapping/>
-  </p:clrMapOvr>
-</p:sld>
-</file>
-
-<file path=ppt/slides/slide24.xml><?xml version="1.0" encoding="utf-8"?>
-<p:sld xmlns:a="http://schemas.openxmlformats.org/drawingml/2006/main" xmlns:r="http://schemas.openxmlformats.org/officeDocument/2006/relationships" xmlns:p="http://schemas.openxmlformats.org/presentationml/2006/main">
-  <p:cSld>
-    <p:spTree>
-      <p:nvGrpSpPr>
-        <p:cNvPr id="1" name=""/>
-        <p:cNvGrpSpPr/>
-        <p:nvPr/>
-      </p:nvGrpSpPr>
-      <p:grpSpPr>
-        <a:xfrm>
-          <a:off x="0" y="0"/>
-          <a:ext cx="0" cy="0"/>
-          <a:chOff x="0" y="0"/>
-          <a:chExt cx="0" cy="0"/>
-        </a:xfrm>
-      </p:grpSpPr>
-      <p:sp>
-        <p:nvSpPr>
-          <p:cNvPr id="3" name="Title 1">
-            <a:extLst>
-              <a:ext uri="{FF2B5EF4-FFF2-40B4-BE49-F238E27FC236}">
-                <a16:creationId xmlns:a16="http://schemas.microsoft.com/office/drawing/2014/main" id="{258F05B8-454B-41D3-8214-93C6A8B89841}"/>
-              </a:ext>
-            </a:extLst>
-          </p:cNvPr>
-          <p:cNvSpPr>
-            <a:spLocks noGrp="1"/>
-          </p:cNvSpPr>
-          <p:nvPr>
-            <p:ph type="title"/>
-          </p:nvPr>
-        </p:nvSpPr>
-        <p:spPr>
-          <a:xfrm>
-            <a:off x="838200" y="474626"/>
-            <a:ext cx="10515600" cy="757272"/>
-          </a:xfrm>
-        </p:spPr>
-        <p:txBody>
-          <a:bodyPr>
-            <a:normAutofit/>
-          </a:bodyPr>
-          <a:lstStyle/>
-          <a:p>
-            <a:r>
-              <a:rPr lang="en-US" sz="3600" dirty="0"/>
-              <a:t>Your Introductions</a:t>
-            </a:r>
-            <a:endParaRPr lang="en-US" sz="3600" b="1" i="1" u="sng" dirty="0"/>
-          </a:p>
-        </p:txBody>
-      </p:sp>
-      <p:sp>
-        <p:nvSpPr>
-          <p:cNvPr id="2" name="Rectangle 1">
-            <a:extLst>
-              <a:ext uri="{FF2B5EF4-FFF2-40B4-BE49-F238E27FC236}">
-                <a16:creationId xmlns:a16="http://schemas.microsoft.com/office/drawing/2014/main" id="{0C326A31-5CBB-4F38-BF58-B6AFC533B019}"/>
-              </a:ext>
-            </a:extLst>
-          </p:cNvPr>
-          <p:cNvSpPr/>
-          <p:nvPr/>
-        </p:nvSpPr>
-        <p:spPr>
-          <a:xfrm>
-            <a:off x="1864929" y="1448636"/>
-            <a:ext cx="8462142" cy="4429033"/>
-          </a:xfrm>
-          <a:prstGeom prst="rect">
-            <a:avLst/>
-          </a:prstGeom>
-        </p:spPr>
-        <p:txBody>
-          <a:bodyPr wrap="square">
-            <a:spAutoFit/>
-          </a:bodyPr>
-          <a:lstStyle/>
-          <a:p>
-            <a:pPr>
-              <a:lnSpc>
-                <a:spcPct val="107000"/>
-              </a:lnSpc>
-              <a:spcAft>
-                <a:spcPts val="800"/>
-              </a:spcAft>
-            </a:pPr>
-            <a:r>
-              <a:rPr lang="en-US" sz="1600" dirty="0">
-                <a:latin typeface="Calibri" panose="020F0502020204030204" pitchFamily="34" charset="0"/>
-                <a:ea typeface="Calibri" panose="020F0502020204030204" pitchFamily="34" charset="0"/>
-                <a:cs typeface="Times New Roman" panose="02020603050405020304" pitchFamily="18" charset="0"/>
-              </a:rPr>
-              <a:t>Please use this discussion forum to introduce yourself and to learn about your classmates.</a:t>
-            </a:r>
-          </a:p>
-          <a:p>
-            <a:pPr>
-              <a:lnSpc>
-                <a:spcPct val="107000"/>
-              </a:lnSpc>
-              <a:spcAft>
-                <a:spcPts val="800"/>
-              </a:spcAft>
-            </a:pPr>
-            <a:r>
-              <a:rPr lang="en-US" sz="1600" dirty="0">
-                <a:latin typeface="Calibri" panose="020F0502020204030204" pitchFamily="34" charset="0"/>
-                <a:ea typeface="Calibri" panose="020F0502020204030204" pitchFamily="34" charset="0"/>
-                <a:cs typeface="Times New Roman" panose="02020603050405020304" pitchFamily="18" charset="0"/>
-              </a:rPr>
-              <a:t>Please post a message which includes the following information:</a:t>
-            </a:r>
-          </a:p>
-          <a:p>
-            <a:pPr marL="342900" marR="0" lvl="0" indent="-342900">
-              <a:lnSpc>
-                <a:spcPct val="107000"/>
-              </a:lnSpc>
-              <a:spcBef>
-                <a:spcPts val="0"/>
-              </a:spcBef>
-              <a:spcAft>
-                <a:spcPts val="800"/>
-              </a:spcAft>
-              <a:buSzPts val="1000"/>
-              <a:buFont typeface="Symbol" panose="05050102010706020507" pitchFamily="18" charset="2"/>
-              <a:buChar char=""/>
-              <a:tabLst>
-                <a:tab pos="457200" algn="l"/>
-              </a:tabLst>
-            </a:pPr>
-            <a:r>
-              <a:rPr lang="en-US" sz="1600" dirty="0">
-                <a:latin typeface="Calibri" panose="020F0502020204030204" pitchFamily="34" charset="0"/>
-                <a:ea typeface="Calibri" panose="020F0502020204030204" pitchFamily="34" charset="0"/>
-                <a:cs typeface="Times New Roman" panose="02020603050405020304" pitchFamily="18" charset="0"/>
-              </a:rPr>
-              <a:t>Your Full Name / Preferred Name</a:t>
-            </a:r>
-          </a:p>
-          <a:p>
-            <a:pPr marL="342900" marR="0" lvl="0" indent="-342900">
-              <a:lnSpc>
-                <a:spcPct val="107000"/>
-              </a:lnSpc>
-              <a:spcBef>
-                <a:spcPts val="0"/>
-              </a:spcBef>
-              <a:spcAft>
-                <a:spcPts val="800"/>
-              </a:spcAft>
-              <a:buSzPts val="1000"/>
-              <a:buFont typeface="Symbol" panose="05050102010706020507" pitchFamily="18" charset="2"/>
-              <a:buChar char=""/>
-              <a:tabLst>
-                <a:tab pos="457200" algn="l"/>
-              </a:tabLst>
-            </a:pPr>
-            <a:r>
-              <a:rPr lang="en-US" sz="1600" dirty="0">
-                <a:latin typeface="Calibri" panose="020F0502020204030204" pitchFamily="34" charset="0"/>
-                <a:ea typeface="Calibri" panose="020F0502020204030204" pitchFamily="34" charset="0"/>
-                <a:cs typeface="Times New Roman" panose="02020603050405020304" pitchFamily="18" charset="0"/>
-              </a:rPr>
-              <a:t>A little about your Family, Home, and College background</a:t>
-            </a:r>
-          </a:p>
-          <a:p>
-            <a:pPr marL="342900" marR="0" lvl="0" indent="-342900">
-              <a:lnSpc>
-                <a:spcPct val="107000"/>
-              </a:lnSpc>
-              <a:spcBef>
-                <a:spcPts val="0"/>
-              </a:spcBef>
-              <a:spcAft>
-                <a:spcPts val="800"/>
-              </a:spcAft>
-              <a:buSzPts val="1000"/>
-              <a:buFont typeface="Symbol" panose="05050102010706020507" pitchFamily="18" charset="2"/>
-              <a:buChar char=""/>
-              <a:tabLst>
-                <a:tab pos="457200" algn="l"/>
-              </a:tabLst>
-            </a:pPr>
-            <a:r>
-              <a:rPr lang="en-US" sz="1600" dirty="0">
-                <a:latin typeface="Calibri" panose="020F0502020204030204" pitchFamily="34" charset="0"/>
-                <a:ea typeface="Calibri" panose="020F0502020204030204" pitchFamily="34" charset="0"/>
-                <a:cs typeface="Times New Roman" panose="02020603050405020304" pitchFamily="18" charset="0"/>
-              </a:rPr>
-              <a:t>Likely programming environment that you will be utilizing... do you have access to a Windows 10 environment?</a:t>
-            </a:r>
-          </a:p>
-          <a:p>
-            <a:pPr marL="342900" marR="0" lvl="0" indent="-342900">
-              <a:lnSpc>
-                <a:spcPct val="107000"/>
-              </a:lnSpc>
-              <a:spcBef>
-                <a:spcPts val="0"/>
-              </a:spcBef>
-              <a:spcAft>
-                <a:spcPts val="800"/>
-              </a:spcAft>
-              <a:buSzPts val="1000"/>
-              <a:buFont typeface="Symbol" panose="05050102010706020507" pitchFamily="18" charset="2"/>
-              <a:buChar char=""/>
-              <a:tabLst>
-                <a:tab pos="457200" algn="l"/>
-              </a:tabLst>
-            </a:pPr>
-            <a:r>
-              <a:rPr lang="en-US" sz="1600" dirty="0">
-                <a:latin typeface="Calibri" panose="020F0502020204030204" pitchFamily="34" charset="0"/>
-                <a:ea typeface="Calibri" panose="020F0502020204030204" pitchFamily="34" charset="0"/>
-                <a:cs typeface="Times New Roman" panose="02020603050405020304" pitchFamily="18" charset="0"/>
-              </a:rPr>
-              <a:t>A Hobby or Special Interest</a:t>
-            </a:r>
-          </a:p>
-          <a:p>
-            <a:pPr marL="342900" marR="0" lvl="0" indent="-342900">
-              <a:lnSpc>
-                <a:spcPct val="107000"/>
-              </a:lnSpc>
-              <a:spcBef>
-                <a:spcPts val="0"/>
-              </a:spcBef>
-              <a:spcAft>
-                <a:spcPts val="800"/>
-              </a:spcAft>
-              <a:buSzPts val="1000"/>
-              <a:buFont typeface="Symbol" panose="05050102010706020507" pitchFamily="18" charset="2"/>
-              <a:buChar char=""/>
-              <a:tabLst>
-                <a:tab pos="457200" algn="l"/>
-              </a:tabLst>
-            </a:pPr>
-            <a:r>
-              <a:rPr lang="en-US" sz="1600" dirty="0">
-                <a:latin typeface="Calibri" panose="020F0502020204030204" pitchFamily="34" charset="0"/>
-                <a:ea typeface="Calibri" panose="020F0502020204030204" pitchFamily="34" charset="0"/>
-                <a:cs typeface="Times New Roman" panose="02020603050405020304" pitchFamily="18" charset="0"/>
-              </a:rPr>
-              <a:t>Top two or three things you would like to get out of this class</a:t>
-            </a:r>
-          </a:p>
-          <a:p>
-            <a:pPr marL="342900" marR="0" lvl="0" indent="-342900">
-              <a:lnSpc>
-                <a:spcPct val="107000"/>
-              </a:lnSpc>
-              <a:spcBef>
-                <a:spcPts val="0"/>
-              </a:spcBef>
-              <a:spcAft>
-                <a:spcPts val="800"/>
-              </a:spcAft>
-              <a:buSzPts val="1000"/>
-              <a:buFont typeface="Symbol" panose="05050102010706020507" pitchFamily="18" charset="2"/>
-              <a:buChar char=""/>
-              <a:tabLst>
-                <a:tab pos="457200" algn="l"/>
-              </a:tabLst>
-            </a:pPr>
-            <a:r>
-              <a:rPr lang="en-US" sz="1600" dirty="0">
-                <a:latin typeface="Calibri" panose="020F0502020204030204" pitchFamily="34" charset="0"/>
-                <a:ea typeface="Calibri" panose="020F0502020204030204" pitchFamily="34" charset="0"/>
-                <a:cs typeface="Times New Roman" panose="02020603050405020304" pitchFamily="18" charset="0"/>
-              </a:rPr>
-              <a:t>A couple of times during the week would be most convenient for you to participate in a Live Lecture &amp; Discussion session and/or to meet (virtually) with a small group of classmates</a:t>
-            </a:r>
-          </a:p>
-          <a:p>
-            <a:pPr marL="342900" marR="0" lvl="0" indent="-342900">
-              <a:lnSpc>
-                <a:spcPct val="107000"/>
-              </a:lnSpc>
-              <a:spcBef>
-                <a:spcPts val="0"/>
-              </a:spcBef>
-              <a:spcAft>
-                <a:spcPts val="800"/>
-              </a:spcAft>
-              <a:buSzPts val="1000"/>
-              <a:buFont typeface="Symbol" panose="05050102010706020507" pitchFamily="18" charset="2"/>
-              <a:buChar char=""/>
-              <a:tabLst>
-                <a:tab pos="457200" algn="l"/>
-              </a:tabLst>
-            </a:pPr>
-            <a:r>
-              <a:rPr lang="en-US" sz="1600" dirty="0">
-                <a:latin typeface="Calibri" panose="020F0502020204030204" pitchFamily="34" charset="0"/>
-                <a:ea typeface="Calibri" panose="020F0502020204030204" pitchFamily="34" charset="0"/>
-                <a:cs typeface="Times New Roman" panose="02020603050405020304" pitchFamily="18" charset="0"/>
-              </a:rPr>
-              <a:t>A Fun Fact about yourself</a:t>
-            </a:r>
-          </a:p>
-          <a:p>
-            <a:pPr>
-              <a:lnSpc>
-                <a:spcPct val="107000"/>
-              </a:lnSpc>
-              <a:spcAft>
-                <a:spcPts val="800"/>
-              </a:spcAft>
-            </a:pPr>
-            <a:r>
-              <a:rPr lang="en-US" sz="1600" dirty="0">
-                <a:latin typeface="Calibri" panose="020F0502020204030204" pitchFamily="34" charset="0"/>
-                <a:ea typeface="Calibri" panose="020F0502020204030204" pitchFamily="34" charset="0"/>
-                <a:cs typeface="Times New Roman" panose="02020603050405020304" pitchFamily="18" charset="0"/>
-              </a:rPr>
-              <a:t>Please post your initial submission by the end of the day Wednesday (11:59pm) and respond to one or more of your classmates' posts by the end of the day Sunday. </a:t>
-            </a:r>
-            <a:endParaRPr lang="en-US" sz="1600" dirty="0">
-              <a:effectLst/>
-              <a:latin typeface="Calibri" panose="020F0502020204030204" pitchFamily="34" charset="0"/>
-              <a:ea typeface="Calibri" panose="020F0502020204030204" pitchFamily="34" charset="0"/>
-              <a:cs typeface="Times New Roman" panose="02020603050405020304" pitchFamily="18" charset="0"/>
-            </a:endParaRPr>
-          </a:p>
-        </p:txBody>
-      </p:sp>
-    </p:spTree>
-    <p:extLst>
-      <p:ext uri="{BB962C8B-B14F-4D97-AF65-F5344CB8AC3E}">
-        <p14:creationId xmlns:p14="http://schemas.microsoft.com/office/powerpoint/2010/main" val="948548854"/>
-      </p:ext>
-    </p:extLst>
-  </p:cSld>
-  <p:clrMapOvr>
-    <a:masterClrMapping/>
-  </p:clrMapOvr>
-</p:sld>
-</file>
-
-<file path=ppt/slides/slide25.xml><?xml version="1.0" encoding="utf-8"?>
-<p:sld xmlns:a="http://schemas.openxmlformats.org/drawingml/2006/main" xmlns:r="http://schemas.openxmlformats.org/officeDocument/2006/relationships" xmlns:p="http://schemas.openxmlformats.org/presentationml/2006/main">
-  <p:cSld>
-    <p:spTree>
-      <p:nvGrpSpPr>
-        <p:cNvPr id="1" name=""/>
-        <p:cNvGrpSpPr/>
-        <p:nvPr/>
-      </p:nvGrpSpPr>
-      <p:grpSpPr>
-        <a:xfrm>
-          <a:off x="0" y="0"/>
-          <a:ext cx="0" cy="0"/>
-          <a:chOff x="0" y="0"/>
-          <a:chExt cx="0" cy="0"/>
-        </a:xfrm>
-      </p:grpSpPr>
-      <p:sp>
-        <p:nvSpPr>
-          <p:cNvPr id="2" name="Title 1"/>
-          <p:cNvSpPr>
-            <a:spLocks noGrp="1"/>
-          </p:cNvSpPr>
-          <p:nvPr>
-            <p:ph type="ctrTitle"/>
-          </p:nvPr>
-        </p:nvSpPr>
-        <p:spPr>
-          <a:xfrm>
-            <a:off x="1524000" y="2715867"/>
-            <a:ext cx="9144000" cy="1426265"/>
-          </a:xfrm>
-        </p:spPr>
-        <p:txBody>
-          <a:bodyPr>
-            <a:normAutofit/>
-          </a:bodyPr>
-          <a:lstStyle/>
-          <a:p>
-            <a:r>
-              <a:rPr lang="en-US" sz="4800" dirty="0"/>
-              <a:t>Review Week 1 Activities &amp; Assignment</a:t>
-            </a:r>
-          </a:p>
-        </p:txBody>
-      </p:sp>
-    </p:spTree>
-    <p:extLst>
-      <p:ext uri="{BB962C8B-B14F-4D97-AF65-F5344CB8AC3E}">
-        <p14:creationId xmlns:p14="http://schemas.microsoft.com/office/powerpoint/2010/main" val="3505333581"/>
-      </p:ext>
-    </p:extLst>
-  </p:cSld>
-  <p:clrMapOvr>
-    <a:masterClrMapping/>
-  </p:clrMapOvr>
-</p:sld>
-</file>
-
-<file path=ppt/slides/slide26.xml><?xml version="1.0" encoding="utf-8"?>
-<p:sld xmlns:a="http://schemas.openxmlformats.org/drawingml/2006/main" xmlns:r="http://schemas.openxmlformats.org/officeDocument/2006/relationships" xmlns:p="http://schemas.openxmlformats.org/presentationml/2006/main">
-  <p:cSld>
-    <p:spTree>
-      <p:nvGrpSpPr>
-        <p:cNvPr id="1" name=""/>
-        <p:cNvGrpSpPr/>
-        <p:nvPr/>
-      </p:nvGrpSpPr>
-      <p:grpSpPr>
-        <a:xfrm>
-          <a:off x="0" y="0"/>
-          <a:ext cx="0" cy="0"/>
-          <a:chOff x="0" y="0"/>
-          <a:chExt cx="0" cy="0"/>
-        </a:xfrm>
-      </p:grpSpPr>
-      <p:sp>
-        <p:nvSpPr>
-          <p:cNvPr id="4" name="Title 1">
-            <a:extLst>
-              <a:ext uri="{FF2B5EF4-FFF2-40B4-BE49-F238E27FC236}">
-                <a16:creationId xmlns:a16="http://schemas.microsoft.com/office/drawing/2014/main" id="{527CE47F-3EF6-48CA-9239-E8B6E5C6B41A}"/>
-              </a:ext>
-            </a:extLst>
-          </p:cNvPr>
-          <p:cNvSpPr>
-            <a:spLocks noGrp="1"/>
-          </p:cNvSpPr>
-          <p:nvPr>
-            <p:ph type="title"/>
-          </p:nvPr>
-        </p:nvSpPr>
-        <p:spPr>
-          <a:xfrm>
-            <a:off x="838200" y="365125"/>
-            <a:ext cx="10515600" cy="1325563"/>
-          </a:xfrm>
-        </p:spPr>
-        <p:txBody>
-          <a:bodyPr>
-            <a:normAutofit/>
-          </a:bodyPr>
-          <a:lstStyle/>
-          <a:p>
-            <a:r>
-              <a:rPr lang="en-US" sz="3600" dirty="0"/>
-              <a:t>Review Selected Topics &amp; Activities</a:t>
-            </a:r>
-          </a:p>
-        </p:txBody>
-      </p:sp>
-      <p:sp>
-        <p:nvSpPr>
-          <p:cNvPr id="5" name="Content Placeholder 2">
-            <a:extLst>
-              <a:ext uri="{FF2B5EF4-FFF2-40B4-BE49-F238E27FC236}">
-                <a16:creationId xmlns:a16="http://schemas.microsoft.com/office/drawing/2014/main" id="{E8F0EA9A-219C-40FD-AE36-784EE1B77D56}"/>
-              </a:ext>
-            </a:extLst>
-          </p:cNvPr>
-          <p:cNvSpPr>
-            <a:spLocks noGrp="1"/>
-          </p:cNvSpPr>
-          <p:nvPr>
-            <p:ph idx="1"/>
-          </p:nvPr>
-        </p:nvSpPr>
-        <p:spPr>
-          <a:xfrm>
-            <a:off x="838198" y="1364776"/>
-            <a:ext cx="10515601" cy="5338174"/>
-          </a:xfrm>
-        </p:spPr>
-        <p:txBody>
-          <a:bodyPr>
-            <a:normAutofit/>
-          </a:bodyPr>
-          <a:lstStyle/>
-          <a:p>
-            <a:pPr marL="0" indent="0">
-              <a:spcBef>
-                <a:spcPts val="600"/>
-              </a:spcBef>
-              <a:buNone/>
-            </a:pPr>
-            <a:r>
-              <a:rPr lang="en-US" sz="2000" dirty="0"/>
-              <a:t>The following topics are covered in other sessions so we will be very selective about the which portions we cover:</a:t>
-            </a:r>
-          </a:p>
-          <a:p>
-            <a:pPr marL="457200" indent="-457200">
-              <a:spcBef>
-                <a:spcPts val="600"/>
-              </a:spcBef>
-              <a:buFont typeface="+mj-lt"/>
-              <a:buAutoNum type="arabicPeriod"/>
-            </a:pPr>
-            <a:r>
-              <a:rPr lang="en-US" sz="2000" dirty="0"/>
-              <a:t>Java Development Environment Overview</a:t>
-            </a:r>
-          </a:p>
-          <a:p>
-            <a:pPr marL="457200" indent="-457200">
-              <a:spcBef>
-                <a:spcPts val="600"/>
-              </a:spcBef>
-              <a:buFont typeface="+mj-lt"/>
-              <a:buAutoNum type="arabicPeriod"/>
-            </a:pPr>
-            <a:r>
-              <a:rPr lang="en-US" sz="2000" dirty="0"/>
-              <a:t>Concepts &amp; Practices</a:t>
-            </a:r>
-          </a:p>
-          <a:p>
-            <a:pPr marL="457200" indent="-457200">
-              <a:spcBef>
-                <a:spcPts val="600"/>
-              </a:spcBef>
-              <a:buFont typeface="+mj-lt"/>
-              <a:buAutoNum type="arabicPeriod"/>
-            </a:pPr>
-            <a:r>
-              <a:rPr lang="en-US" sz="2000" dirty="0"/>
-              <a:t>Patterns</a:t>
-            </a:r>
-          </a:p>
-          <a:p>
-            <a:pPr marL="457200" indent="-457200">
-              <a:spcBef>
-                <a:spcPts val="600"/>
-              </a:spcBef>
-              <a:buFont typeface="+mj-lt"/>
-              <a:buAutoNum type="arabicPeriod"/>
-            </a:pPr>
-            <a:r>
-              <a:rPr lang="en-US" sz="2000" dirty="0"/>
-              <a:t>Principles</a:t>
-            </a:r>
-          </a:p>
-        </p:txBody>
-      </p:sp>
-    </p:spTree>
-    <p:extLst>
-      <p:ext uri="{BB962C8B-B14F-4D97-AF65-F5344CB8AC3E}">
-        <p14:creationId xmlns:p14="http://schemas.microsoft.com/office/powerpoint/2010/main" val="1266187041"/>
-      </p:ext>
-    </p:extLst>
-  </p:cSld>
-  <p:clrMapOvr>
-    <a:masterClrMapping/>
-  </p:clrMapOvr>
-</p:sld>
-</file>
-
-<file path=ppt/slides/slide27.xml><?xml version="1.0" encoding="utf-8"?>
-<p:sld xmlns:a="http://schemas.openxmlformats.org/drawingml/2006/main" xmlns:r="http://schemas.openxmlformats.org/officeDocument/2006/relationships" xmlns:p="http://schemas.openxmlformats.org/presentationml/2006/main">
-  <p:cSld>
-    <p:spTree>
-      <p:nvGrpSpPr>
-        <p:cNvPr id="1" name=""/>
-        <p:cNvGrpSpPr/>
-        <p:nvPr/>
-      </p:nvGrpSpPr>
-      <p:grpSpPr>
-        <a:xfrm>
-          <a:off x="0" y="0"/>
-          <a:ext cx="0" cy="0"/>
-          <a:chOff x="0" y="0"/>
-          <a:chExt cx="0" cy="0"/>
-        </a:xfrm>
-      </p:grpSpPr>
-      <p:sp>
-        <p:nvSpPr>
-          <p:cNvPr id="2" name="Title 1"/>
-          <p:cNvSpPr>
-            <a:spLocks noGrp="1"/>
-          </p:cNvSpPr>
-          <p:nvPr>
-            <p:ph type="title"/>
-          </p:nvPr>
-        </p:nvSpPr>
-        <p:spPr>
-          <a:xfrm>
-            <a:off x="811620" y="365126"/>
-            <a:ext cx="10515600" cy="757272"/>
-          </a:xfrm>
-        </p:spPr>
-        <p:txBody>
-          <a:bodyPr>
-            <a:normAutofit/>
-          </a:bodyPr>
-          <a:lstStyle/>
-          <a:p>
-            <a:r>
-              <a:rPr lang="en-US" sz="3600" dirty="0"/>
-              <a:t>Java Development Environment Overview</a:t>
-            </a:r>
-          </a:p>
-        </p:txBody>
-      </p:sp>
-      <p:sp>
-        <p:nvSpPr>
-          <p:cNvPr id="7" name="Content Placeholder 2"/>
-          <p:cNvSpPr>
-            <a:spLocks noGrp="1"/>
-          </p:cNvSpPr>
-          <p:nvPr>
-            <p:ph idx="1"/>
-          </p:nvPr>
-        </p:nvSpPr>
-        <p:spPr>
-          <a:xfrm>
-            <a:off x="811620" y="1389690"/>
-            <a:ext cx="5488171" cy="4208352"/>
-          </a:xfrm>
-        </p:spPr>
-        <p:txBody>
-          <a:bodyPr>
-            <a:normAutofit/>
-          </a:bodyPr>
-          <a:lstStyle/>
-          <a:p>
-            <a:pPr marL="0" indent="0">
-              <a:buNone/>
-            </a:pPr>
-            <a:r>
-              <a:rPr lang="en-US" sz="2000" u="sng" dirty="0"/>
-              <a:t>Standard Java tools for this class include:</a:t>
-            </a:r>
-          </a:p>
-          <a:p>
-            <a:pPr>
-              <a:buFont typeface="Wingdings" panose="05000000000000000000" pitchFamily="2" charset="2"/>
-              <a:buChar char="§"/>
-            </a:pPr>
-            <a:r>
-              <a:rPr lang="en-US" sz="2000" dirty="0"/>
-              <a:t>Java SE Development Kit (SDK) from Oracle</a:t>
-            </a:r>
-          </a:p>
-          <a:p>
-            <a:pPr>
-              <a:buFont typeface="Wingdings" panose="05000000000000000000" pitchFamily="2" charset="2"/>
-              <a:buChar char="§"/>
-            </a:pPr>
-            <a:r>
-              <a:rPr lang="en-US" sz="2000" dirty="0"/>
-              <a:t>Text Editor (Microsoft Visual Studio Code)</a:t>
-            </a:r>
-          </a:p>
-          <a:p>
-            <a:pPr>
-              <a:buFont typeface="Wingdings" panose="05000000000000000000" pitchFamily="2" charset="2"/>
-              <a:buChar char="§"/>
-            </a:pPr>
-            <a:endParaRPr lang="en-US" sz="2000" dirty="0"/>
-          </a:p>
-          <a:p>
-            <a:pPr marL="0" indent="0">
-              <a:buNone/>
-            </a:pPr>
-            <a:r>
-              <a:rPr lang="en-US" sz="2000" u="sng" dirty="0"/>
-              <a:t>Additional Tools:</a:t>
-            </a:r>
-          </a:p>
-          <a:p>
-            <a:pPr>
-              <a:buFont typeface="Wingdings" panose="05000000000000000000" pitchFamily="2" charset="2"/>
-              <a:buChar char="§"/>
-            </a:pPr>
-            <a:r>
-              <a:rPr lang="en-US" sz="2000" dirty="0"/>
-              <a:t>Git and GitHub</a:t>
-            </a:r>
-          </a:p>
-          <a:p>
-            <a:pPr>
-              <a:buFont typeface="Wingdings" panose="05000000000000000000" pitchFamily="2" charset="2"/>
-              <a:buChar char="§"/>
-            </a:pPr>
-            <a:r>
-              <a:rPr lang="en-US" sz="2000" dirty="0"/>
-              <a:t>Eclipse</a:t>
-            </a:r>
-          </a:p>
-          <a:p>
-            <a:pPr>
-              <a:buFont typeface="Wingdings" panose="05000000000000000000" pitchFamily="2" charset="2"/>
-              <a:buChar char="§"/>
-            </a:pPr>
-            <a:r>
-              <a:rPr lang="en-US" sz="2000" dirty="0"/>
-              <a:t>You are welcome to use addition tools, but please don’t make your assignments dependent on those tools.</a:t>
-            </a:r>
-          </a:p>
-          <a:p>
-            <a:pPr marL="0" indent="0">
-              <a:buNone/>
-            </a:pPr>
-            <a:endParaRPr lang="en-US" sz="2000" dirty="0"/>
-          </a:p>
-        </p:txBody>
-      </p:sp>
-      <p:pic>
-        <p:nvPicPr>
-          <p:cNvPr id="3" name="Picture 2"/>
-          <p:cNvPicPr>
-            <a:picLocks noChangeAspect="1"/>
-          </p:cNvPicPr>
-          <p:nvPr/>
-        </p:nvPicPr>
-        <p:blipFill>
-          <a:blip r:embed="rId3"/>
-          <a:stretch>
-            <a:fillRect/>
-          </a:stretch>
-        </p:blipFill>
-        <p:spPr>
-          <a:xfrm>
-            <a:off x="6680792" y="1389690"/>
-            <a:ext cx="4114800" cy="4089892"/>
-          </a:xfrm>
-          <a:prstGeom prst="rect">
-            <a:avLst/>
-          </a:prstGeom>
-        </p:spPr>
-      </p:pic>
-      <p:sp>
-        <p:nvSpPr>
-          <p:cNvPr id="6" name="Arrow: Right 5"/>
-          <p:cNvSpPr/>
-          <p:nvPr/>
-        </p:nvSpPr>
-        <p:spPr>
-          <a:xfrm>
-            <a:off x="5900188" y="1796902"/>
-            <a:ext cx="510363" cy="366823"/>
-          </a:xfrm>
-          <a:prstGeom prst="rightArrow">
-            <a:avLst/>
-          </a:prstGeom>
-        </p:spPr>
-        <p:style>
-          <a:lnRef idx="2">
-            <a:schemeClr val="accent1">
-              <a:shade val="50000"/>
-            </a:schemeClr>
-          </a:lnRef>
-          <a:fillRef idx="1">
-            <a:schemeClr val="accent1"/>
-          </a:fillRef>
-          <a:effectRef idx="0">
-            <a:schemeClr val="accent1"/>
-          </a:effectRef>
-          <a:fontRef idx="minor">
-            <a:schemeClr val="lt1"/>
-          </a:fontRef>
-        </p:style>
-        <p:txBody>
-          <a:bodyPr rtlCol="0" anchor="ctr"/>
-          <a:lstStyle/>
-          <a:p>
-            <a:pPr algn="ctr"/>
-            <a:endParaRPr lang="en-US"/>
-          </a:p>
-        </p:txBody>
-      </p:sp>
-    </p:spTree>
-    <p:extLst>
-      <p:ext uri="{BB962C8B-B14F-4D97-AF65-F5344CB8AC3E}">
-        <p14:creationId xmlns:p14="http://schemas.microsoft.com/office/powerpoint/2010/main" val="578627844"/>
-      </p:ext>
-    </p:extLst>
-  </p:cSld>
-  <p:clrMapOvr>
-    <a:masterClrMapping/>
-  </p:clrMapOvr>
-</p:sld>
-</file>
-
-<file path=ppt/slides/slide28.xml><?xml version="1.0" encoding="utf-8"?>
-<p:sld xmlns:a="http://schemas.openxmlformats.org/drawingml/2006/main" xmlns:r="http://schemas.openxmlformats.org/officeDocument/2006/relationships" xmlns:p="http://schemas.openxmlformats.org/presentationml/2006/main">
-  <p:cSld>
-    <p:spTree>
-      <p:nvGrpSpPr>
-        <p:cNvPr id="1" name=""/>
-        <p:cNvGrpSpPr/>
-        <p:nvPr/>
-      </p:nvGrpSpPr>
-      <p:grpSpPr>
-        <a:xfrm>
-          <a:off x="0" y="0"/>
-          <a:ext cx="0" cy="0"/>
-          <a:chOff x="0" y="0"/>
-          <a:chExt cx="0" cy="0"/>
-        </a:xfrm>
-      </p:grpSpPr>
-      <p:sp>
-        <p:nvSpPr>
-          <p:cNvPr id="2" name="Title 1"/>
-          <p:cNvSpPr>
-            <a:spLocks noGrp="1"/>
-          </p:cNvSpPr>
-          <p:nvPr>
-            <p:ph type="ctrTitle"/>
-          </p:nvPr>
-        </p:nvSpPr>
-        <p:spPr>
-          <a:xfrm>
-            <a:off x="1524000" y="2715867"/>
-            <a:ext cx="9144000" cy="1426265"/>
-          </a:xfrm>
-        </p:spPr>
-        <p:txBody>
-          <a:bodyPr>
-            <a:normAutofit/>
-          </a:bodyPr>
-          <a:lstStyle/>
-          <a:p>
-            <a:r>
-              <a:rPr lang="en-US" sz="4800" dirty="0"/>
-              <a:t>Review Selected </a:t>
-            </a:r>
-            <a:br>
-              <a:rPr lang="en-US" sz="4800" dirty="0"/>
-            </a:br>
-            <a:r>
-              <a:rPr lang="en-US" sz="4800" dirty="0"/>
-              <a:t>Learning Objectives</a:t>
-            </a:r>
-          </a:p>
-        </p:txBody>
-      </p:sp>
-    </p:spTree>
-    <p:extLst>
-      <p:ext uri="{BB962C8B-B14F-4D97-AF65-F5344CB8AC3E}">
-        <p14:creationId xmlns:p14="http://schemas.microsoft.com/office/powerpoint/2010/main" val="1031358605"/>
-      </p:ext>
-    </p:extLst>
-  </p:cSld>
-  <p:clrMapOvr>
-    <a:masterClrMapping/>
-  </p:clrMapOvr>
-</p:sld>
-</file>
-
-<file path=ppt/slides/slide29.xml><?xml version="1.0" encoding="utf-8"?>
-<p:sld xmlns:a="http://schemas.openxmlformats.org/drawingml/2006/main" xmlns:r="http://schemas.openxmlformats.org/officeDocument/2006/relationships" xmlns:p="http://schemas.openxmlformats.org/presentationml/2006/main">
-  <p:cSld>
-    <p:spTree>
-      <p:nvGrpSpPr>
-        <p:cNvPr id="1" name=""/>
-        <p:cNvGrpSpPr/>
-        <p:nvPr/>
-      </p:nvGrpSpPr>
-      <p:grpSpPr>
-        <a:xfrm>
-          <a:off x="0" y="0"/>
-          <a:ext cx="0" cy="0"/>
-          <a:chOff x="0" y="0"/>
-          <a:chExt cx="0" cy="0"/>
-        </a:xfrm>
-      </p:grpSpPr>
-      <p:sp>
-        <p:nvSpPr>
-          <p:cNvPr id="2" name="Title 1">
-            <a:extLst>
-              <a:ext uri="{FF2B5EF4-FFF2-40B4-BE49-F238E27FC236}">
-                <a16:creationId xmlns:a16="http://schemas.microsoft.com/office/drawing/2014/main" id="{4D446405-6F1F-4926-B387-B75245C2FB0C}"/>
-              </a:ext>
-            </a:extLst>
-          </p:cNvPr>
-          <p:cNvSpPr>
-            <a:spLocks noGrp="1"/>
-          </p:cNvSpPr>
-          <p:nvPr>
-            <p:ph type="title"/>
-          </p:nvPr>
-        </p:nvSpPr>
-        <p:spPr>
-          <a:xfrm>
-            <a:off x="838200" y="365125"/>
-            <a:ext cx="7268155" cy="1325563"/>
-          </a:xfrm>
-        </p:spPr>
-        <p:txBody>
-          <a:bodyPr>
-            <a:normAutofit/>
-          </a:bodyPr>
-          <a:lstStyle/>
-          <a:p>
-            <a:r>
-              <a:rPr lang="en-US" sz="3600" dirty="0"/>
-              <a:t>Object-Oriented Programming</a:t>
-            </a:r>
-            <a:br>
-              <a:rPr lang="en-US" dirty="0"/>
-            </a:br>
-            <a:r>
-              <a:rPr lang="en-US" sz="1800" dirty="0"/>
-              <a:t>Discussion &amp; Lecture</a:t>
-            </a:r>
-            <a:br>
-              <a:rPr lang="en-US" sz="1800" dirty="0"/>
-            </a:br>
-            <a:r>
-              <a:rPr lang="en-US" sz="1800" dirty="0"/>
-              <a:t>Eric Pogue</a:t>
-            </a:r>
-          </a:p>
-        </p:txBody>
-      </p:sp>
-      <p:sp>
-        <p:nvSpPr>
-          <p:cNvPr id="3" name="Content Placeholder 2">
-            <a:extLst>
-              <a:ext uri="{FF2B5EF4-FFF2-40B4-BE49-F238E27FC236}">
-                <a16:creationId xmlns:a16="http://schemas.microsoft.com/office/drawing/2014/main" id="{ADD45C4B-998D-4D36-AE39-52AB024AB508}"/>
-              </a:ext>
-            </a:extLst>
-          </p:cNvPr>
-          <p:cNvSpPr>
-            <a:spLocks noGrp="1"/>
-          </p:cNvSpPr>
-          <p:nvPr>
-            <p:ph idx="1"/>
-          </p:nvPr>
-        </p:nvSpPr>
-        <p:spPr>
-          <a:xfrm>
-            <a:off x="838200" y="1739348"/>
-            <a:ext cx="10515600" cy="4437615"/>
-          </a:xfrm>
-        </p:spPr>
-        <p:txBody>
-          <a:bodyPr>
-            <a:normAutofit fontScale="92500" lnSpcReduction="20000"/>
-          </a:bodyPr>
-          <a:lstStyle/>
-          <a:p>
-            <a:pPr marL="0" indent="0">
-              <a:buNone/>
-            </a:pPr>
-            <a:r>
-              <a:rPr lang="en-US" sz="2200" dirty="0"/>
-              <a:t>Agenda for 14 Mar 18 from 12 to 2:30pm CST:</a:t>
-            </a:r>
-          </a:p>
-          <a:p>
-            <a:pPr marL="457200" indent="-457200">
-              <a:buFont typeface="+mj-lt"/>
-              <a:buAutoNum type="arabicPeriod"/>
-            </a:pPr>
-            <a:r>
-              <a:rPr lang="en-US" sz="2200" dirty="0">
-                <a:solidFill>
-                  <a:schemeClr val="bg1">
-                    <a:lumMod val="75000"/>
-                  </a:schemeClr>
-                </a:solidFill>
-              </a:rPr>
-              <a:t>Welcome</a:t>
-            </a:r>
-          </a:p>
-          <a:p>
-            <a:pPr marL="457200" indent="-457200">
-              <a:buFont typeface="+mj-lt"/>
-              <a:buAutoNum type="arabicPeriod"/>
-            </a:pPr>
-            <a:r>
-              <a:rPr lang="en-US" sz="2200" dirty="0">
-                <a:solidFill>
-                  <a:schemeClr val="bg1">
-                    <a:lumMod val="75000"/>
-                  </a:schemeClr>
-                </a:solidFill>
-              </a:rPr>
-              <a:t>Friendly Conversation &amp; Good Natured Banter… let’s make sure that everyone can hear and speak in the virtual Join.me meeting</a:t>
-            </a:r>
-          </a:p>
-          <a:p>
-            <a:pPr marL="457200" indent="-457200">
-              <a:buFont typeface="+mj-lt"/>
-              <a:buAutoNum type="arabicPeriod"/>
-            </a:pPr>
-            <a:r>
-              <a:rPr lang="en-US" sz="2200" dirty="0">
-                <a:solidFill>
-                  <a:schemeClr val="bg1">
-                    <a:lumMod val="75000"/>
-                  </a:schemeClr>
-                </a:solidFill>
-              </a:rPr>
-              <a:t>Introductions*</a:t>
-            </a:r>
-          </a:p>
-          <a:p>
-            <a:pPr marL="457200" indent="-457200">
-              <a:buFont typeface="+mj-lt"/>
-              <a:buAutoNum type="arabicPeriod"/>
-            </a:pPr>
-            <a:r>
-              <a:rPr lang="en-US" sz="2200" dirty="0">
-                <a:solidFill>
-                  <a:schemeClr val="bg1">
-                    <a:lumMod val="75000"/>
-                  </a:schemeClr>
-                </a:solidFill>
-              </a:rPr>
-              <a:t>Review Course Syllabus</a:t>
-            </a:r>
-          </a:p>
-          <a:p>
-            <a:pPr marL="457200" indent="-457200">
-              <a:buFont typeface="+mj-lt"/>
-              <a:buAutoNum type="arabicPeriod"/>
-            </a:pPr>
-            <a:r>
-              <a:rPr lang="en-US" sz="2200" dirty="0">
-                <a:solidFill>
-                  <a:schemeClr val="bg1">
-                    <a:lumMod val="75000"/>
-                  </a:schemeClr>
-                </a:solidFill>
-              </a:rPr>
-              <a:t>Your turn for Introductions</a:t>
-            </a:r>
-          </a:p>
-          <a:p>
-            <a:pPr marL="457200" indent="-457200">
-              <a:buFont typeface="+mj-lt"/>
-              <a:buAutoNum type="arabicPeriod"/>
-            </a:pPr>
-            <a:r>
-              <a:rPr lang="en-US" sz="2200" dirty="0">
-                <a:solidFill>
-                  <a:schemeClr val="bg1">
-                    <a:lumMod val="75000"/>
-                  </a:schemeClr>
-                </a:solidFill>
-              </a:rPr>
-              <a:t>Review Week 1 Activities &amp; Assignment</a:t>
-            </a:r>
-          </a:p>
-          <a:p>
-            <a:pPr marL="457200" indent="-457200">
-              <a:buFont typeface="+mj-lt"/>
-              <a:buAutoNum type="arabicPeriod"/>
-            </a:pPr>
-            <a:r>
-              <a:rPr lang="en-US" sz="2200" dirty="0">
-                <a:solidFill>
-                  <a:schemeClr val="bg1">
-                    <a:lumMod val="75000"/>
-                  </a:schemeClr>
-                </a:solidFill>
-              </a:rPr>
-              <a:t>Review </a:t>
-            </a:r>
-            <a:r>
-              <a:rPr lang="en-US" sz="2200" u="sng" dirty="0">
-                <a:solidFill>
-                  <a:schemeClr val="bg1">
-                    <a:lumMod val="75000"/>
-                  </a:schemeClr>
-                </a:solidFill>
-              </a:rPr>
-              <a:t>Selected</a:t>
-            </a:r>
-            <a:r>
-              <a:rPr lang="en-US" sz="2200" dirty="0">
-                <a:solidFill>
-                  <a:schemeClr val="bg1">
-                    <a:lumMod val="75000"/>
-                  </a:schemeClr>
-                </a:solidFill>
-              </a:rPr>
-              <a:t> Learning Objectives</a:t>
-            </a:r>
-          </a:p>
-          <a:p>
-            <a:pPr marL="457200" indent="-457200">
-              <a:buFont typeface="+mj-lt"/>
-              <a:buAutoNum type="arabicPeriod"/>
-            </a:pPr>
-            <a:r>
-              <a:rPr lang="en-US" sz="2200" dirty="0"/>
-              <a:t>Lab Time plus Q&amp;A starting no later than 1:45pm</a:t>
-            </a:r>
-          </a:p>
-          <a:p>
-            <a:pPr marL="457200" indent="-457200">
-              <a:buFont typeface="+mj-lt"/>
-              <a:buAutoNum type="arabicPeriod"/>
-            </a:pPr>
-            <a:r>
-              <a:rPr lang="en-US" sz="2200" dirty="0"/>
-              <a:t>Wrap-up and Final Questions/Comments?</a:t>
-            </a:r>
-          </a:p>
-          <a:p>
-            <a:pPr marL="0" indent="0">
-              <a:buNone/>
-            </a:pPr>
-            <a:r>
-              <a:rPr lang="en-US" sz="2200" dirty="0"/>
-              <a:t>Discussion &amp; Questions welcome at any time… please be present with no phones or email during our discussion time</a:t>
-            </a:r>
-            <a:endParaRPr lang="en-US" sz="2000" dirty="0"/>
-          </a:p>
-          <a:p>
-            <a:pPr marL="457200" indent="-457200">
-              <a:buFont typeface="+mj-lt"/>
-              <a:buAutoNum type="arabicPeriod"/>
-            </a:pPr>
-            <a:endParaRPr lang="en-US" sz="2000" dirty="0"/>
-          </a:p>
-          <a:p>
-            <a:pPr marL="457200" indent="-457200">
-              <a:buFont typeface="+mj-lt"/>
-              <a:buAutoNum type="arabicPeriod"/>
-            </a:pPr>
-            <a:endParaRPr lang="en-US" sz="2000" dirty="0"/>
-          </a:p>
-          <a:p>
-            <a:pPr marL="457200" indent="-457200">
-              <a:buFont typeface="+mj-lt"/>
-              <a:buAutoNum type="arabicPeriod"/>
-            </a:pPr>
-            <a:endParaRPr lang="en-US" sz="2000" dirty="0"/>
-          </a:p>
-          <a:p>
-            <a:pPr marL="457200" indent="-457200">
-              <a:buFont typeface="+mj-lt"/>
-              <a:buAutoNum type="arabicPeriod"/>
-            </a:pPr>
-            <a:endParaRPr lang="en-US" sz="2000" dirty="0"/>
-          </a:p>
-        </p:txBody>
-      </p:sp>
-      <p:pic>
-        <p:nvPicPr>
-          <p:cNvPr id="4" name="Content Placeholder 4">
-            <a:extLst>
-              <a:ext uri="{FF2B5EF4-FFF2-40B4-BE49-F238E27FC236}">
-                <a16:creationId xmlns:a16="http://schemas.microsoft.com/office/drawing/2014/main" id="{4EDCD7D6-DA50-40A6-870F-1D890F732171}"/>
-              </a:ext>
-            </a:extLst>
-          </p:cNvPr>
-          <p:cNvPicPr>
-            <a:picLocks noChangeAspect="1"/>
-          </p:cNvPicPr>
-          <p:nvPr/>
-        </p:nvPicPr>
-        <p:blipFill>
-          <a:blip r:embed="rId3"/>
-          <a:stretch>
-            <a:fillRect/>
-          </a:stretch>
-        </p:blipFill>
-        <p:spPr>
-          <a:xfrm>
-            <a:off x="8942905" y="156030"/>
-            <a:ext cx="2656367" cy="1366321"/>
-          </a:xfrm>
-          <a:prstGeom prst="rect">
-            <a:avLst/>
-          </a:prstGeom>
-        </p:spPr>
-      </p:pic>
-    </p:spTree>
-    <p:extLst>
-      <p:ext uri="{BB962C8B-B14F-4D97-AF65-F5344CB8AC3E}">
-        <p14:creationId xmlns:p14="http://schemas.microsoft.com/office/powerpoint/2010/main" val="1732330603"/>
       </p:ext>
     </p:extLst>
   </p:cSld>
@@ -11615,992 +7311,6 @@
     <p:extLst>
       <p:ext uri="{BB962C8B-B14F-4D97-AF65-F5344CB8AC3E}">
         <p14:creationId xmlns:p14="http://schemas.microsoft.com/office/powerpoint/2010/main" val="1862973320"/>
-      </p:ext>
-    </p:extLst>
-  </p:cSld>
-  <p:clrMapOvr>
-    <a:masterClrMapping/>
-  </p:clrMapOvr>
-</p:sld>
-</file>
-
-<file path=ppt/slides/slide30.xml><?xml version="1.0" encoding="utf-8"?>
-<p:sld xmlns:a="http://schemas.openxmlformats.org/drawingml/2006/main" xmlns:r="http://schemas.openxmlformats.org/officeDocument/2006/relationships" xmlns:p="http://schemas.openxmlformats.org/presentationml/2006/main">
-  <p:cSld>
-    <p:spTree>
-      <p:nvGrpSpPr>
-        <p:cNvPr id="1" name=""/>
-        <p:cNvGrpSpPr/>
-        <p:nvPr/>
-      </p:nvGrpSpPr>
-      <p:grpSpPr>
-        <a:xfrm>
-          <a:off x="0" y="0"/>
-          <a:ext cx="0" cy="0"/>
-          <a:chOff x="0" y="0"/>
-          <a:chExt cx="0" cy="0"/>
-        </a:xfrm>
-      </p:grpSpPr>
-      <p:sp>
-        <p:nvSpPr>
-          <p:cNvPr id="2" name="Title 1">
-            <a:extLst>
-              <a:ext uri="{FF2B5EF4-FFF2-40B4-BE49-F238E27FC236}">
-                <a16:creationId xmlns:a16="http://schemas.microsoft.com/office/drawing/2014/main" id="{4D446405-6F1F-4926-B387-B75245C2FB0C}"/>
-              </a:ext>
-            </a:extLst>
-          </p:cNvPr>
-          <p:cNvSpPr>
-            <a:spLocks noGrp="1"/>
-          </p:cNvSpPr>
-          <p:nvPr>
-            <p:ph type="title"/>
-          </p:nvPr>
-        </p:nvSpPr>
-        <p:spPr>
-          <a:xfrm>
-            <a:off x="838200" y="365125"/>
-            <a:ext cx="7268155" cy="1325563"/>
-          </a:xfrm>
-        </p:spPr>
-        <p:txBody>
-          <a:bodyPr>
-            <a:normAutofit/>
-          </a:bodyPr>
-          <a:lstStyle/>
-          <a:p>
-            <a:r>
-              <a:rPr lang="en-US" sz="3600" dirty="0"/>
-              <a:t>Object-Oriented Programming</a:t>
-            </a:r>
-            <a:br>
-              <a:rPr lang="en-US" dirty="0"/>
-            </a:br>
-            <a:r>
-              <a:rPr lang="en-US" sz="1800" dirty="0"/>
-              <a:t>Session: Week 1 Session 1 </a:t>
-            </a:r>
-            <a:br>
-              <a:rPr lang="en-US" sz="1800" dirty="0"/>
-            </a:br>
-            <a:r>
-              <a:rPr lang="en-US" sz="1800" dirty="0"/>
-              <a:t>Instructor: Eric Pogue</a:t>
-            </a:r>
-          </a:p>
-        </p:txBody>
-      </p:sp>
-      <p:sp>
-        <p:nvSpPr>
-          <p:cNvPr id="3" name="Content Placeholder 2">
-            <a:extLst>
-              <a:ext uri="{FF2B5EF4-FFF2-40B4-BE49-F238E27FC236}">
-                <a16:creationId xmlns:a16="http://schemas.microsoft.com/office/drawing/2014/main" id="{ADD45C4B-998D-4D36-AE39-52AB024AB508}"/>
-              </a:ext>
-            </a:extLst>
-          </p:cNvPr>
-          <p:cNvSpPr>
-            <a:spLocks noGrp="1"/>
-          </p:cNvSpPr>
-          <p:nvPr>
-            <p:ph idx="1"/>
-          </p:nvPr>
-        </p:nvSpPr>
-        <p:spPr>
-          <a:xfrm>
-            <a:off x="838200" y="1739348"/>
-            <a:ext cx="10515600" cy="4437615"/>
-          </a:xfrm>
-        </p:spPr>
-        <p:txBody>
-          <a:bodyPr>
-            <a:normAutofit fontScale="92500" lnSpcReduction="10000"/>
-          </a:bodyPr>
-          <a:lstStyle/>
-          <a:p>
-            <a:pPr marL="0" indent="0">
-              <a:buNone/>
-            </a:pPr>
-            <a:r>
-              <a:rPr lang="en-US" sz="2200" dirty="0"/>
-              <a:t>Agenda:</a:t>
-            </a:r>
-          </a:p>
-          <a:p>
-            <a:pPr marL="457200" indent="-457200">
-              <a:buFont typeface="+mj-lt"/>
-              <a:buAutoNum type="arabicPeriod"/>
-            </a:pPr>
-            <a:r>
-              <a:rPr lang="en-US" sz="2200" dirty="0">
-                <a:solidFill>
-                  <a:schemeClr val="bg1">
-                    <a:lumMod val="65000"/>
-                  </a:schemeClr>
-                </a:solidFill>
-              </a:rPr>
-              <a:t>Friendly Conversation &amp; Good Natured Banter… let’s make sure that everyone gets a good seat where they can hear and speak comfortably</a:t>
-            </a:r>
-          </a:p>
-          <a:p>
-            <a:pPr marL="457200" indent="-457200">
-              <a:buFont typeface="+mj-lt"/>
-              <a:buAutoNum type="arabicPeriod"/>
-            </a:pPr>
-            <a:r>
-              <a:rPr lang="en-US" sz="2200" dirty="0">
-                <a:solidFill>
-                  <a:schemeClr val="bg1">
-                    <a:lumMod val="65000"/>
-                  </a:schemeClr>
-                </a:solidFill>
-              </a:rPr>
-              <a:t>Welcome &amp; Introductions*</a:t>
-            </a:r>
-          </a:p>
-          <a:p>
-            <a:pPr marL="457200" indent="-457200">
-              <a:buFont typeface="+mj-lt"/>
-              <a:buAutoNum type="arabicPeriod"/>
-            </a:pPr>
-            <a:r>
-              <a:rPr lang="en-US" sz="2200" dirty="0">
-                <a:solidFill>
-                  <a:schemeClr val="bg1">
-                    <a:lumMod val="65000"/>
-                  </a:schemeClr>
-                </a:solidFill>
-              </a:rPr>
-              <a:t>Review Course Syllabus</a:t>
-            </a:r>
-          </a:p>
-          <a:p>
-            <a:pPr marL="457200" indent="-457200">
-              <a:buFont typeface="+mj-lt"/>
-              <a:buAutoNum type="arabicPeriod"/>
-            </a:pPr>
-            <a:r>
-              <a:rPr lang="en-US" sz="2200" dirty="0">
-                <a:solidFill>
-                  <a:schemeClr val="bg1">
-                    <a:lumMod val="65000"/>
-                  </a:schemeClr>
-                </a:solidFill>
-              </a:rPr>
-              <a:t>Your Time for Introductions</a:t>
-            </a:r>
-          </a:p>
-          <a:p>
-            <a:pPr marL="457200" indent="-457200">
-              <a:buFont typeface="+mj-lt"/>
-              <a:buAutoNum type="arabicPeriod"/>
-            </a:pPr>
-            <a:r>
-              <a:rPr lang="en-US" sz="2200" dirty="0"/>
-              <a:t>Introduction to Object-Oriented Programming</a:t>
-            </a:r>
-          </a:p>
-          <a:p>
-            <a:pPr marL="457200" indent="-457200">
-              <a:buFont typeface="+mj-lt"/>
-              <a:buAutoNum type="arabicPeriod"/>
-            </a:pPr>
-            <a:r>
-              <a:rPr lang="en-US" sz="2200" dirty="0"/>
-              <a:t>Assignment</a:t>
-            </a:r>
-          </a:p>
-          <a:p>
-            <a:pPr marL="457200" indent="-457200">
-              <a:buFont typeface="+mj-lt"/>
-              <a:buAutoNum type="arabicPeriod"/>
-            </a:pPr>
-            <a:r>
-              <a:rPr lang="en-US" sz="2200" dirty="0"/>
-              <a:t>Lab</a:t>
-            </a:r>
-          </a:p>
-          <a:p>
-            <a:pPr marL="457200" indent="-457200">
-              <a:buFont typeface="+mj-lt"/>
-              <a:buAutoNum type="arabicPeriod"/>
-            </a:pPr>
-            <a:r>
-              <a:rPr lang="en-US" sz="2200" dirty="0"/>
-              <a:t>Wrap-up and Final Questions/Comments?</a:t>
-            </a:r>
-          </a:p>
-          <a:p>
-            <a:pPr marL="0" indent="0">
-              <a:spcBef>
-                <a:spcPts val="2400"/>
-              </a:spcBef>
-              <a:buNone/>
-            </a:pPr>
-            <a:r>
-              <a:rPr lang="en-US" sz="2200" dirty="0"/>
-              <a:t>Discussion &amp; Questions welcome at any time… please be present with no phones or email during our discussion time</a:t>
-            </a:r>
-          </a:p>
-          <a:p>
-            <a:pPr marL="0" indent="0">
-              <a:buNone/>
-            </a:pPr>
-            <a:endParaRPr lang="en-US" sz="2000" dirty="0"/>
-          </a:p>
-          <a:p>
-            <a:pPr marL="457200" indent="-457200">
-              <a:buFont typeface="+mj-lt"/>
-              <a:buAutoNum type="arabicPeriod"/>
-            </a:pPr>
-            <a:endParaRPr lang="en-US" sz="2000" dirty="0"/>
-          </a:p>
-          <a:p>
-            <a:pPr marL="457200" indent="-457200">
-              <a:buFont typeface="+mj-lt"/>
-              <a:buAutoNum type="arabicPeriod"/>
-            </a:pPr>
-            <a:endParaRPr lang="en-US" sz="2000" dirty="0"/>
-          </a:p>
-          <a:p>
-            <a:pPr marL="457200" indent="-457200">
-              <a:buFont typeface="+mj-lt"/>
-              <a:buAutoNum type="arabicPeriod"/>
-            </a:pPr>
-            <a:endParaRPr lang="en-US" sz="2000" dirty="0"/>
-          </a:p>
-          <a:p>
-            <a:pPr marL="457200" indent="-457200">
-              <a:buFont typeface="+mj-lt"/>
-              <a:buAutoNum type="arabicPeriod"/>
-            </a:pPr>
-            <a:endParaRPr lang="en-US" sz="2000" dirty="0"/>
-          </a:p>
-        </p:txBody>
-      </p:sp>
-      <p:pic>
-        <p:nvPicPr>
-          <p:cNvPr id="4" name="Content Placeholder 4">
-            <a:extLst>
-              <a:ext uri="{FF2B5EF4-FFF2-40B4-BE49-F238E27FC236}">
-                <a16:creationId xmlns:a16="http://schemas.microsoft.com/office/drawing/2014/main" id="{4EDCD7D6-DA50-40A6-870F-1D890F732171}"/>
-              </a:ext>
-            </a:extLst>
-          </p:cNvPr>
-          <p:cNvPicPr>
-            <a:picLocks noChangeAspect="1"/>
-          </p:cNvPicPr>
-          <p:nvPr/>
-        </p:nvPicPr>
-        <p:blipFill>
-          <a:blip r:embed="rId3"/>
-          <a:stretch>
-            <a:fillRect/>
-          </a:stretch>
-        </p:blipFill>
-        <p:spPr>
-          <a:xfrm>
-            <a:off x="8942905" y="156030"/>
-            <a:ext cx="2656367" cy="1366321"/>
-          </a:xfrm>
-          <a:prstGeom prst="rect">
-            <a:avLst/>
-          </a:prstGeom>
-        </p:spPr>
-      </p:pic>
-    </p:spTree>
-    <p:extLst>
-      <p:ext uri="{BB962C8B-B14F-4D97-AF65-F5344CB8AC3E}">
-        <p14:creationId xmlns:p14="http://schemas.microsoft.com/office/powerpoint/2010/main" val="3004389709"/>
-      </p:ext>
-    </p:extLst>
-  </p:cSld>
-  <p:clrMapOvr>
-    <a:masterClrMapping/>
-  </p:clrMapOvr>
-</p:sld>
-</file>
-
-<file path=ppt/slides/slide31.xml><?xml version="1.0" encoding="utf-8"?>
-<p:sld xmlns:a="http://schemas.openxmlformats.org/drawingml/2006/main" xmlns:r="http://schemas.openxmlformats.org/officeDocument/2006/relationships" xmlns:p="http://schemas.openxmlformats.org/presentationml/2006/main">
-  <p:cSld>
-    <p:spTree>
-      <p:nvGrpSpPr>
-        <p:cNvPr id="1" name=""/>
-        <p:cNvGrpSpPr/>
-        <p:nvPr/>
-      </p:nvGrpSpPr>
-      <p:grpSpPr>
-        <a:xfrm>
-          <a:off x="0" y="0"/>
-          <a:ext cx="0" cy="0"/>
-          <a:chOff x="0" y="0"/>
-          <a:chExt cx="0" cy="0"/>
-        </a:xfrm>
-      </p:grpSpPr>
-      <p:sp>
-        <p:nvSpPr>
-          <p:cNvPr id="2" name="Title 1"/>
-          <p:cNvSpPr>
-            <a:spLocks noGrp="1"/>
-          </p:cNvSpPr>
-          <p:nvPr>
-            <p:ph type="ctrTitle"/>
-          </p:nvPr>
-        </p:nvSpPr>
-        <p:spPr>
-          <a:xfrm>
-            <a:off x="1524000" y="2715867"/>
-            <a:ext cx="9144000" cy="1426265"/>
-          </a:xfrm>
-        </p:spPr>
-        <p:txBody>
-          <a:bodyPr>
-            <a:normAutofit/>
-          </a:bodyPr>
-          <a:lstStyle/>
-          <a:p>
-            <a:r>
-              <a:rPr lang="en-US" sz="4800" dirty="0"/>
-              <a:t>Review Selected </a:t>
-            </a:r>
-            <a:br>
-              <a:rPr lang="en-US" sz="4800" dirty="0"/>
-            </a:br>
-            <a:r>
-              <a:rPr lang="en-US" sz="4800" dirty="0"/>
-              <a:t>Learning Objectives</a:t>
-            </a:r>
-          </a:p>
-        </p:txBody>
-      </p:sp>
-    </p:spTree>
-    <p:extLst>
-      <p:ext uri="{BB962C8B-B14F-4D97-AF65-F5344CB8AC3E}">
-        <p14:creationId xmlns:p14="http://schemas.microsoft.com/office/powerpoint/2010/main" val="3351912700"/>
-      </p:ext>
-    </p:extLst>
-  </p:cSld>
-  <p:clrMapOvr>
-    <a:masterClrMapping/>
-  </p:clrMapOvr>
-</p:sld>
-</file>
-
-<file path=ppt/slides/slide32.xml><?xml version="1.0" encoding="utf-8"?>
-<p:sld xmlns:a="http://schemas.openxmlformats.org/drawingml/2006/main" xmlns:r="http://schemas.openxmlformats.org/officeDocument/2006/relationships" xmlns:p="http://schemas.openxmlformats.org/presentationml/2006/main">
-  <p:cSld>
-    <p:spTree>
-      <p:nvGrpSpPr>
-        <p:cNvPr id="1" name=""/>
-        <p:cNvGrpSpPr/>
-        <p:nvPr/>
-      </p:nvGrpSpPr>
-      <p:grpSpPr>
-        <a:xfrm>
-          <a:off x="0" y="0"/>
-          <a:ext cx="0" cy="0"/>
-          <a:chOff x="0" y="0"/>
-          <a:chExt cx="0" cy="0"/>
-        </a:xfrm>
-      </p:grpSpPr>
-      <p:sp>
-        <p:nvSpPr>
-          <p:cNvPr id="2" name="Title 1"/>
-          <p:cNvSpPr>
-            <a:spLocks noGrp="1"/>
-          </p:cNvSpPr>
-          <p:nvPr>
-            <p:ph type="ctrTitle"/>
-          </p:nvPr>
-        </p:nvSpPr>
-        <p:spPr>
-          <a:xfrm>
-            <a:off x="1524000" y="1122365"/>
-            <a:ext cx="9144000" cy="1839044"/>
-          </a:xfrm>
-        </p:spPr>
-        <p:txBody>
-          <a:bodyPr>
-            <a:normAutofit/>
-          </a:bodyPr>
-          <a:lstStyle/>
-          <a:p>
-            <a:r>
-              <a:rPr lang="en-US" sz="4800" dirty="0"/>
-              <a:t>Lab</a:t>
-            </a:r>
-          </a:p>
-        </p:txBody>
-      </p:sp>
-      <p:sp>
-        <p:nvSpPr>
-          <p:cNvPr id="3" name="Content Placeholder 2">
-            <a:extLst>
-              <a:ext uri="{FF2B5EF4-FFF2-40B4-BE49-F238E27FC236}">
-                <a16:creationId xmlns:a16="http://schemas.microsoft.com/office/drawing/2014/main" id="{384C868E-346E-4359-BF4F-AAEC6F6AA8BC}"/>
-              </a:ext>
-            </a:extLst>
-          </p:cNvPr>
-          <p:cNvSpPr txBox="1">
-            <a:spLocks/>
-          </p:cNvSpPr>
-          <p:nvPr/>
-        </p:nvSpPr>
-        <p:spPr>
-          <a:xfrm>
-            <a:off x="838199" y="3190008"/>
-            <a:ext cx="10515601" cy="3368107"/>
-          </a:xfrm>
-          <a:prstGeom prst="rect">
-            <a:avLst/>
-          </a:prstGeom>
-        </p:spPr>
-        <p:txBody>
-          <a:bodyPr vert="horz" lIns="91440" tIns="45720" rIns="91440" bIns="45720" rtlCol="0">
-            <a:noAutofit/>
-          </a:bodyPr>
-          <a:lstStyle>
-            <a:lvl1pPr marL="0" indent="0" algn="ctr" defTabSz="914400" rtl="0" eaLnBrk="1" latinLnBrk="0" hangingPunct="1">
-              <a:lnSpc>
-                <a:spcPct val="90000"/>
-              </a:lnSpc>
-              <a:spcBef>
-                <a:spcPts val="1000"/>
-              </a:spcBef>
-              <a:buFont typeface="Arial" panose="020B0604020202020204" pitchFamily="34" charset="0"/>
-              <a:buNone/>
-              <a:defRPr sz="2400" kern="1200">
-                <a:solidFill>
-                  <a:schemeClr val="tx1"/>
-                </a:solidFill>
-                <a:latin typeface="+mn-lt"/>
-                <a:ea typeface="+mn-ea"/>
-                <a:cs typeface="+mn-cs"/>
-              </a:defRPr>
-            </a:lvl1pPr>
-            <a:lvl2pPr marL="457200" indent="0" algn="ctr" defTabSz="914400" rtl="0" eaLnBrk="1" latinLnBrk="0" hangingPunct="1">
-              <a:lnSpc>
-                <a:spcPct val="90000"/>
-              </a:lnSpc>
-              <a:spcBef>
-                <a:spcPts val="500"/>
-              </a:spcBef>
-              <a:buFont typeface="Arial" panose="020B0604020202020204" pitchFamily="34" charset="0"/>
-              <a:buNone/>
-              <a:defRPr sz="2000" kern="1200">
-                <a:solidFill>
-                  <a:schemeClr val="tx1"/>
-                </a:solidFill>
-                <a:latin typeface="+mn-lt"/>
-                <a:ea typeface="+mn-ea"/>
-                <a:cs typeface="+mn-cs"/>
-              </a:defRPr>
-            </a:lvl2pPr>
-            <a:lvl3pPr marL="914400" indent="0" algn="ctr" defTabSz="914400" rtl="0" eaLnBrk="1" latinLnBrk="0" hangingPunct="1">
-              <a:lnSpc>
-                <a:spcPct val="90000"/>
-              </a:lnSpc>
-              <a:spcBef>
-                <a:spcPts val="500"/>
-              </a:spcBef>
-              <a:buFont typeface="Arial" panose="020B0604020202020204" pitchFamily="34" charset="0"/>
-              <a:buNone/>
-              <a:defRPr sz="1800" kern="1200">
-                <a:solidFill>
-                  <a:schemeClr val="tx1"/>
-                </a:solidFill>
-                <a:latin typeface="+mn-lt"/>
-                <a:ea typeface="+mn-ea"/>
-                <a:cs typeface="+mn-cs"/>
-              </a:defRPr>
-            </a:lvl3pPr>
-            <a:lvl4pPr marL="1371600" indent="0" algn="ctr" defTabSz="914400" rtl="0" eaLnBrk="1" latinLnBrk="0" hangingPunct="1">
-              <a:lnSpc>
-                <a:spcPct val="90000"/>
-              </a:lnSpc>
-              <a:spcBef>
-                <a:spcPts val="500"/>
-              </a:spcBef>
-              <a:buFont typeface="Arial" panose="020B0604020202020204" pitchFamily="34" charset="0"/>
-              <a:buNone/>
-              <a:defRPr sz="1600" kern="1200">
-                <a:solidFill>
-                  <a:schemeClr val="tx1"/>
-                </a:solidFill>
-                <a:latin typeface="+mn-lt"/>
-                <a:ea typeface="+mn-ea"/>
-                <a:cs typeface="+mn-cs"/>
-              </a:defRPr>
-            </a:lvl4pPr>
-            <a:lvl5pPr marL="1828800" indent="0" algn="ctr" defTabSz="914400" rtl="0" eaLnBrk="1" latinLnBrk="0" hangingPunct="1">
-              <a:lnSpc>
-                <a:spcPct val="90000"/>
-              </a:lnSpc>
-              <a:spcBef>
-                <a:spcPts val="500"/>
-              </a:spcBef>
-              <a:buFont typeface="Arial" panose="020B0604020202020204" pitchFamily="34" charset="0"/>
-              <a:buNone/>
-              <a:defRPr sz="1600" kern="1200">
-                <a:solidFill>
-                  <a:schemeClr val="tx1"/>
-                </a:solidFill>
-                <a:latin typeface="+mn-lt"/>
-                <a:ea typeface="+mn-ea"/>
-                <a:cs typeface="+mn-cs"/>
-              </a:defRPr>
-            </a:lvl5pPr>
-            <a:lvl6pPr marL="2286000" indent="0" algn="ctr" defTabSz="914400" rtl="0" eaLnBrk="1" latinLnBrk="0" hangingPunct="1">
-              <a:lnSpc>
-                <a:spcPct val="90000"/>
-              </a:lnSpc>
-              <a:spcBef>
-                <a:spcPts val="500"/>
-              </a:spcBef>
-              <a:buFont typeface="Arial" panose="020B0604020202020204" pitchFamily="34" charset="0"/>
-              <a:buNone/>
-              <a:defRPr sz="1600" kern="1200">
-                <a:solidFill>
-                  <a:schemeClr val="tx1"/>
-                </a:solidFill>
-                <a:latin typeface="+mn-lt"/>
-                <a:ea typeface="+mn-ea"/>
-                <a:cs typeface="+mn-cs"/>
-              </a:defRPr>
-            </a:lvl6pPr>
-            <a:lvl7pPr marL="2743200" indent="0" algn="ctr" defTabSz="914400" rtl="0" eaLnBrk="1" latinLnBrk="0" hangingPunct="1">
-              <a:lnSpc>
-                <a:spcPct val="90000"/>
-              </a:lnSpc>
-              <a:spcBef>
-                <a:spcPts val="500"/>
-              </a:spcBef>
-              <a:buFont typeface="Arial" panose="020B0604020202020204" pitchFamily="34" charset="0"/>
-              <a:buNone/>
-              <a:defRPr sz="1600" kern="1200">
-                <a:solidFill>
-                  <a:schemeClr val="tx1"/>
-                </a:solidFill>
-                <a:latin typeface="+mn-lt"/>
-                <a:ea typeface="+mn-ea"/>
-                <a:cs typeface="+mn-cs"/>
-              </a:defRPr>
-            </a:lvl7pPr>
-            <a:lvl8pPr marL="3200400" indent="0" algn="ctr" defTabSz="914400" rtl="0" eaLnBrk="1" latinLnBrk="0" hangingPunct="1">
-              <a:lnSpc>
-                <a:spcPct val="90000"/>
-              </a:lnSpc>
-              <a:spcBef>
-                <a:spcPts val="500"/>
-              </a:spcBef>
-              <a:buFont typeface="Arial" panose="020B0604020202020204" pitchFamily="34" charset="0"/>
-              <a:buNone/>
-              <a:defRPr sz="1600" kern="1200">
-                <a:solidFill>
-                  <a:schemeClr val="tx1"/>
-                </a:solidFill>
-                <a:latin typeface="+mn-lt"/>
-                <a:ea typeface="+mn-ea"/>
-                <a:cs typeface="+mn-cs"/>
-              </a:defRPr>
-            </a:lvl8pPr>
-            <a:lvl9pPr marL="3657600" indent="0" algn="ctr" defTabSz="914400" rtl="0" eaLnBrk="1" latinLnBrk="0" hangingPunct="1">
-              <a:lnSpc>
-                <a:spcPct val="90000"/>
-              </a:lnSpc>
-              <a:spcBef>
-                <a:spcPts val="500"/>
-              </a:spcBef>
-              <a:buFont typeface="Arial" panose="020B0604020202020204" pitchFamily="34" charset="0"/>
-              <a:buNone/>
-              <a:defRPr sz="1600" kern="1200">
-                <a:solidFill>
-                  <a:schemeClr val="tx1"/>
-                </a:solidFill>
-                <a:latin typeface="+mn-lt"/>
-                <a:ea typeface="+mn-ea"/>
-                <a:cs typeface="+mn-cs"/>
-              </a:defRPr>
-            </a:lvl9pPr>
-          </a:lstStyle>
-          <a:p>
-            <a:pPr algn="l">
-              <a:spcBef>
-                <a:spcPts val="0"/>
-              </a:spcBef>
-            </a:pPr>
-            <a:r>
-              <a:rPr lang="en-US" sz="2000" u="sng" dirty="0"/>
-              <a:t>Possible Lab Activates:</a:t>
-            </a:r>
-          </a:p>
-          <a:p>
-            <a:pPr marL="457200" indent="-457200" algn="l">
-              <a:spcBef>
-                <a:spcPts val="0"/>
-              </a:spcBef>
-              <a:buFont typeface="+mj-lt"/>
-              <a:buAutoNum type="arabicPeriod"/>
-            </a:pPr>
-            <a:r>
-              <a:rPr lang="en-US" sz="2000" dirty="0"/>
-              <a:t>Install Java environment</a:t>
-            </a:r>
-          </a:p>
-          <a:p>
-            <a:pPr marL="457200" indent="-457200" algn="l">
-              <a:spcBef>
-                <a:spcPts val="0"/>
-              </a:spcBef>
-              <a:buFont typeface="+mj-lt"/>
-              <a:buAutoNum type="arabicPeriod"/>
-            </a:pPr>
-            <a:r>
-              <a:rPr lang="en-US" sz="2000" dirty="0"/>
-              <a:t>Install Visual Studio Code… or other preferred text editor</a:t>
-            </a:r>
-          </a:p>
-          <a:p>
-            <a:pPr marL="457200" indent="-457200" algn="l">
-              <a:spcBef>
-                <a:spcPts val="0"/>
-              </a:spcBef>
-              <a:buFont typeface="+mj-lt"/>
-              <a:buAutoNum type="arabicPeriod"/>
-            </a:pPr>
-            <a:r>
-              <a:rPr lang="en-US" sz="2000" dirty="0"/>
-              <a:t>Hello World or BMI Calculator coding together</a:t>
-            </a:r>
-          </a:p>
-          <a:p>
-            <a:pPr marL="457200" indent="-457200" algn="l">
-              <a:spcBef>
-                <a:spcPts val="0"/>
-              </a:spcBef>
-              <a:buFont typeface="+mj-lt"/>
-              <a:buAutoNum type="arabicPeriod"/>
-            </a:pPr>
-            <a:r>
-              <a:rPr lang="en-US" sz="2000" dirty="0"/>
-              <a:t>Others lab activities?</a:t>
-            </a:r>
-          </a:p>
-        </p:txBody>
-      </p:sp>
-    </p:spTree>
-    <p:extLst>
-      <p:ext uri="{BB962C8B-B14F-4D97-AF65-F5344CB8AC3E}">
-        <p14:creationId xmlns:p14="http://schemas.microsoft.com/office/powerpoint/2010/main" val="2354458408"/>
-      </p:ext>
-    </p:extLst>
-  </p:cSld>
-  <p:clrMapOvr>
-    <a:masterClrMapping/>
-  </p:clrMapOvr>
-</p:sld>
-</file>
-
-<file path=ppt/slides/slide33.xml><?xml version="1.0" encoding="utf-8"?>
-<p:sld xmlns:a="http://schemas.openxmlformats.org/drawingml/2006/main" xmlns:r="http://schemas.openxmlformats.org/officeDocument/2006/relationships" xmlns:p="http://schemas.openxmlformats.org/presentationml/2006/main">
-  <p:cSld>
-    <p:spTree>
-      <p:nvGrpSpPr>
-        <p:cNvPr id="1" name=""/>
-        <p:cNvGrpSpPr/>
-        <p:nvPr/>
-      </p:nvGrpSpPr>
-      <p:grpSpPr>
-        <a:xfrm>
-          <a:off x="0" y="0"/>
-          <a:ext cx="0" cy="0"/>
-          <a:chOff x="0" y="0"/>
-          <a:chExt cx="0" cy="0"/>
-        </a:xfrm>
-      </p:grpSpPr>
-      <p:sp>
-        <p:nvSpPr>
-          <p:cNvPr id="2" name="Title 1"/>
-          <p:cNvSpPr>
-            <a:spLocks noGrp="1"/>
-          </p:cNvSpPr>
-          <p:nvPr>
-            <p:ph type="ctrTitle"/>
-          </p:nvPr>
-        </p:nvSpPr>
-        <p:spPr>
-          <a:xfrm>
-            <a:off x="1524000" y="1122363"/>
-            <a:ext cx="9144000" cy="2892196"/>
-          </a:xfrm>
-        </p:spPr>
-        <p:txBody>
-          <a:bodyPr>
-            <a:normAutofit/>
-          </a:bodyPr>
-          <a:lstStyle/>
-          <a:p>
-            <a:r>
-              <a:rPr lang="en-US" sz="4800" dirty="0"/>
-              <a:t>Wrap-up and Final Questions/Comments?</a:t>
-            </a:r>
-          </a:p>
-        </p:txBody>
-      </p:sp>
-    </p:spTree>
-    <p:extLst>
-      <p:ext uri="{BB962C8B-B14F-4D97-AF65-F5344CB8AC3E}">
-        <p14:creationId xmlns:p14="http://schemas.microsoft.com/office/powerpoint/2010/main" val="3587547239"/>
-      </p:ext>
-    </p:extLst>
-  </p:cSld>
-  <p:clrMapOvr>
-    <a:masterClrMapping/>
-  </p:clrMapOvr>
-</p:sld>
-</file>
-
-<file path=ppt/slides/slide34.xml><?xml version="1.0" encoding="utf-8"?>
-<p:sld xmlns:a="http://schemas.openxmlformats.org/drawingml/2006/main" xmlns:r="http://schemas.openxmlformats.org/officeDocument/2006/relationships" xmlns:p="http://schemas.openxmlformats.org/presentationml/2006/main">
-  <p:cSld>
-    <p:spTree>
-      <p:nvGrpSpPr>
-        <p:cNvPr id="1" name=""/>
-        <p:cNvGrpSpPr/>
-        <p:nvPr/>
-      </p:nvGrpSpPr>
-      <p:grpSpPr>
-        <a:xfrm>
-          <a:off x="0" y="0"/>
-          <a:ext cx="0" cy="0"/>
-          <a:chOff x="0" y="0"/>
-          <a:chExt cx="0" cy="0"/>
-        </a:xfrm>
-      </p:grpSpPr>
-      <p:sp>
-        <p:nvSpPr>
-          <p:cNvPr id="2" name="Title 1"/>
-          <p:cNvSpPr>
-            <a:spLocks noGrp="1"/>
-          </p:cNvSpPr>
-          <p:nvPr>
-            <p:ph type="ctrTitle"/>
-          </p:nvPr>
-        </p:nvSpPr>
-        <p:spPr>
-          <a:xfrm>
-            <a:off x="1524000" y="1122363"/>
-            <a:ext cx="9144000" cy="2387600"/>
-          </a:xfrm>
-        </p:spPr>
-        <p:txBody>
-          <a:bodyPr>
-            <a:normAutofit/>
-          </a:bodyPr>
-          <a:lstStyle/>
-          <a:p>
-            <a:r>
-              <a:rPr lang="en-US" sz="4800" dirty="0"/>
-              <a:t>End of Session</a:t>
-            </a:r>
-          </a:p>
-        </p:txBody>
-      </p:sp>
-      <p:sp>
-        <p:nvSpPr>
-          <p:cNvPr id="3" name="Subtitle 2"/>
-          <p:cNvSpPr>
-            <a:spLocks noGrp="1"/>
-          </p:cNvSpPr>
-          <p:nvPr>
-            <p:ph type="subTitle" idx="1"/>
-          </p:nvPr>
-        </p:nvSpPr>
-        <p:spPr>
-          <a:xfrm>
-            <a:off x="1524000" y="3602038"/>
-            <a:ext cx="9144000" cy="2198022"/>
-          </a:xfrm>
-        </p:spPr>
-        <p:txBody>
-          <a:bodyPr>
-            <a:normAutofit/>
-          </a:bodyPr>
-          <a:lstStyle/>
-          <a:p>
-            <a:pPr algn="l"/>
-            <a:r>
-              <a:rPr lang="en-US" dirty="0"/>
-              <a:t>Eric Pogue</a:t>
-            </a:r>
-          </a:p>
-        </p:txBody>
-      </p:sp>
-    </p:spTree>
-    <p:extLst>
-      <p:ext uri="{BB962C8B-B14F-4D97-AF65-F5344CB8AC3E}">
-        <p14:creationId xmlns:p14="http://schemas.microsoft.com/office/powerpoint/2010/main" val="2248923029"/>
-      </p:ext>
-    </p:extLst>
-  </p:cSld>
-  <p:clrMapOvr>
-    <a:masterClrMapping/>
-  </p:clrMapOvr>
-</p:sld>
-</file>
-
-<file path=ppt/slides/slide35.xml><?xml version="1.0" encoding="utf-8"?>
-<p:sld xmlns:a="http://schemas.openxmlformats.org/drawingml/2006/main" xmlns:r="http://schemas.openxmlformats.org/officeDocument/2006/relationships" xmlns:p="http://schemas.openxmlformats.org/presentationml/2006/main">
-  <p:cSld>
-    <p:spTree>
-      <p:nvGrpSpPr>
-        <p:cNvPr id="1" name=""/>
-        <p:cNvGrpSpPr/>
-        <p:nvPr/>
-      </p:nvGrpSpPr>
-      <p:grpSpPr>
-        <a:xfrm>
-          <a:off x="0" y="0"/>
-          <a:ext cx="0" cy="0"/>
-          <a:chOff x="0" y="0"/>
-          <a:chExt cx="0" cy="0"/>
-        </a:xfrm>
-      </p:grpSpPr>
-      <p:sp>
-        <p:nvSpPr>
-          <p:cNvPr id="4" name="Title 1">
-            <a:extLst>
-              <a:ext uri="{FF2B5EF4-FFF2-40B4-BE49-F238E27FC236}">
-                <a16:creationId xmlns:a16="http://schemas.microsoft.com/office/drawing/2014/main" id="{527CE47F-3EF6-48CA-9239-E8B6E5C6B41A}"/>
-              </a:ext>
-            </a:extLst>
-          </p:cNvPr>
-          <p:cNvSpPr>
-            <a:spLocks noGrp="1"/>
-          </p:cNvSpPr>
-          <p:nvPr>
-            <p:ph type="title"/>
-          </p:nvPr>
-        </p:nvSpPr>
-        <p:spPr>
-          <a:xfrm>
-            <a:off x="838200" y="365125"/>
-            <a:ext cx="10515600" cy="1325563"/>
-          </a:xfrm>
-        </p:spPr>
-        <p:txBody>
-          <a:bodyPr>
-            <a:normAutofit/>
-          </a:bodyPr>
-          <a:lstStyle/>
-          <a:p>
-            <a:r>
-              <a:rPr lang="en-US" sz="3600" dirty="0">
-                <a:latin typeface="+mn-lt"/>
-              </a:rPr>
-              <a:t>Today’s “Friendly Conversation” topic</a:t>
-            </a:r>
-          </a:p>
-        </p:txBody>
-      </p:sp>
-      <p:sp>
-        <p:nvSpPr>
-          <p:cNvPr id="5" name="Content Placeholder 2">
-            <a:extLst>
-              <a:ext uri="{FF2B5EF4-FFF2-40B4-BE49-F238E27FC236}">
-                <a16:creationId xmlns:a16="http://schemas.microsoft.com/office/drawing/2014/main" id="{E8F0EA9A-219C-40FD-AE36-784EE1B77D56}"/>
-              </a:ext>
-            </a:extLst>
-          </p:cNvPr>
-          <p:cNvSpPr>
-            <a:spLocks noGrp="1"/>
-          </p:cNvSpPr>
-          <p:nvPr>
-            <p:ph idx="1"/>
-          </p:nvPr>
-        </p:nvSpPr>
-        <p:spPr>
-          <a:xfrm>
-            <a:off x="838198" y="1530752"/>
-            <a:ext cx="10515601" cy="4646211"/>
-          </a:xfrm>
-        </p:spPr>
-        <p:txBody>
-          <a:bodyPr anchor="ctr">
-            <a:normAutofit/>
-          </a:bodyPr>
-          <a:lstStyle/>
-          <a:p>
-            <a:pPr marL="0" indent="0">
-              <a:spcAft>
-                <a:spcPts val="600"/>
-              </a:spcAft>
-              <a:buNone/>
-            </a:pPr>
-            <a:r>
-              <a:rPr lang="en-US" sz="3600" dirty="0"/>
-              <a:t>Agile Manifesto</a:t>
-            </a:r>
-          </a:p>
-          <a:p>
-            <a:pPr marL="0" indent="0">
-              <a:spcAft>
-                <a:spcPts val="600"/>
-              </a:spcAft>
-              <a:buNone/>
-            </a:pPr>
-            <a:r>
-              <a:rPr lang="en-US" sz="2000" dirty="0"/>
-              <a:t>“We are uncovering better ways of developing software by doing it and helping others do it. Through this work we have come to value: </a:t>
-            </a:r>
-          </a:p>
-          <a:p>
-            <a:pPr lvl="1"/>
-            <a:r>
-              <a:rPr lang="en-US" sz="2000" dirty="0"/>
-              <a:t>Individuals and interactions over processes and tools </a:t>
-            </a:r>
-          </a:p>
-          <a:p>
-            <a:pPr lvl="1"/>
-            <a:r>
-              <a:rPr lang="en-US" sz="2000" dirty="0"/>
-              <a:t>Working software over comprehensive documentation </a:t>
-            </a:r>
-          </a:p>
-          <a:p>
-            <a:pPr lvl="1"/>
-            <a:r>
-              <a:rPr lang="en-US" sz="2000" dirty="0"/>
-              <a:t>Customer collaboration over contract negotiation </a:t>
-            </a:r>
-          </a:p>
-          <a:p>
-            <a:pPr lvl="1"/>
-            <a:r>
-              <a:rPr lang="en-US" sz="2000" dirty="0"/>
-              <a:t>Responding to change over following a plan </a:t>
-            </a:r>
-          </a:p>
-          <a:p>
-            <a:pPr marL="0" indent="0">
-              <a:spcBef>
-                <a:spcPts val="1800"/>
-              </a:spcBef>
-              <a:buNone/>
-            </a:pPr>
-            <a:r>
-              <a:rPr lang="en-US" sz="2000" dirty="0"/>
-              <a:t>That is, while there is value in the items on the right, we value the items on the left more.”</a:t>
-            </a:r>
-          </a:p>
-        </p:txBody>
-      </p:sp>
-    </p:spTree>
-    <p:extLst>
-      <p:ext uri="{BB962C8B-B14F-4D97-AF65-F5344CB8AC3E}">
-        <p14:creationId xmlns:p14="http://schemas.microsoft.com/office/powerpoint/2010/main" val="3722225409"/>
       </p:ext>
     </p:extLst>
   </p:cSld>
@@ -13772,36 +8482,121 @@
       </p:grpSpPr>
       <p:sp>
         <p:nvSpPr>
-          <p:cNvPr id="2" name="Title 1"/>
-          <p:cNvSpPr>
-            <a:spLocks noGrp="1"/>
-          </p:cNvSpPr>
-          <p:nvPr>
-            <p:ph type="ctrTitle"/>
+          <p:cNvPr id="4" name="Title 1">
+            <a:extLst>
+              <a:ext uri="{FF2B5EF4-FFF2-40B4-BE49-F238E27FC236}">
+                <a16:creationId xmlns:a16="http://schemas.microsoft.com/office/drawing/2014/main" id="{527CE47F-3EF6-48CA-9239-E8B6E5C6B41A}"/>
+              </a:ext>
+            </a:extLst>
+          </p:cNvPr>
+          <p:cNvSpPr>
+            <a:spLocks noGrp="1"/>
+          </p:cNvSpPr>
+          <p:nvPr>
+            <p:ph type="title"/>
           </p:nvPr>
         </p:nvSpPr>
         <p:spPr>
           <a:xfrm>
-            <a:off x="1524000" y="3025490"/>
-            <a:ext cx="9144000" cy="807019"/>
+            <a:off x="838200" y="365125"/>
+            <a:ext cx="10515600" cy="1325563"/>
           </a:xfrm>
         </p:spPr>
         <p:txBody>
-          <a:bodyPr anchor="ctr">
-            <a:normAutofit fontScale="90000"/>
+          <a:bodyPr>
+            <a:normAutofit/>
           </a:bodyPr>
           <a:lstStyle/>
           <a:p>
-            <a:r>
-              <a:rPr lang="en-US" sz="4800" dirty="0"/>
-              <a:t>Weeks 1&amp;2 (Sprint 1)</a:t>
-            </a:r>
-            <a:br>
-              <a:rPr lang="en-US" sz="4800" dirty="0"/>
-            </a:br>
-            <a:r>
-              <a:rPr lang="en-US" sz="4800" dirty="0"/>
-              <a:t>Activities &amp; Assignments</a:t>
+            <a:pPr>
+              <a:spcAft>
+                <a:spcPts val="600"/>
+              </a:spcAft>
+            </a:pPr>
+            <a:r>
+              <a:rPr lang="en-US" sz="3600" dirty="0"/>
+              <a:t>The Agile Manifesto</a:t>
+            </a:r>
+          </a:p>
+        </p:txBody>
+      </p:sp>
+      <p:sp>
+        <p:nvSpPr>
+          <p:cNvPr id="5" name="Content Placeholder 2">
+            <a:extLst>
+              <a:ext uri="{FF2B5EF4-FFF2-40B4-BE49-F238E27FC236}">
+                <a16:creationId xmlns:a16="http://schemas.microsoft.com/office/drawing/2014/main" id="{E8F0EA9A-219C-40FD-AE36-784EE1B77D56}"/>
+              </a:ext>
+            </a:extLst>
+          </p:cNvPr>
+          <p:cNvSpPr>
+            <a:spLocks noGrp="1"/>
+          </p:cNvSpPr>
+          <p:nvPr>
+            <p:ph idx="1"/>
+          </p:nvPr>
+        </p:nvSpPr>
+        <p:spPr>
+          <a:xfrm>
+            <a:off x="838198" y="1690688"/>
+            <a:ext cx="10515601" cy="4486275"/>
+          </a:xfrm>
+        </p:spPr>
+        <p:txBody>
+          <a:bodyPr>
+            <a:normAutofit/>
+          </a:bodyPr>
+          <a:lstStyle/>
+          <a:p>
+            <a:pPr marL="0" indent="0">
+              <a:spcAft>
+                <a:spcPts val="600"/>
+              </a:spcAft>
+              <a:buNone/>
+            </a:pPr>
+            <a:r>
+              <a:rPr lang="en-US" sz="2000" dirty="0"/>
+              <a:t>“We are uncovering better ways of developing software by doing it and helping others do it. Through this work we have come to value: </a:t>
+            </a:r>
+          </a:p>
+          <a:p>
+            <a:pPr lvl="1"/>
+            <a:r>
+              <a:rPr lang="en-US" sz="2000" dirty="0"/>
+              <a:t>Individuals and interactions over processes and tools </a:t>
+            </a:r>
+          </a:p>
+          <a:p>
+            <a:pPr lvl="1"/>
+            <a:r>
+              <a:rPr lang="en-US" sz="2000" dirty="0"/>
+              <a:t>Working software over comprehensive documentation </a:t>
+            </a:r>
+          </a:p>
+          <a:p>
+            <a:pPr lvl="1"/>
+            <a:r>
+              <a:rPr lang="en-US" sz="2000" dirty="0"/>
+              <a:t>Customer collaboration over contract negotiation </a:t>
+            </a:r>
+          </a:p>
+          <a:p>
+            <a:pPr lvl="1"/>
+            <a:r>
+              <a:rPr lang="en-US" sz="2000" dirty="0"/>
+              <a:t>Responding to change over following a plan </a:t>
+            </a:r>
+          </a:p>
+          <a:p>
+            <a:pPr marL="0" indent="0">
+              <a:spcBef>
+                <a:spcPts val="1800"/>
+              </a:spcBef>
+              <a:buNone/>
+            </a:pPr>
+            <a:r>
+              <a:rPr lang="en-US" sz="2000" dirty="0"/>
+              <a:t>That is, while there is value in the items on the right, we value the items on the left more.”</a:t>
             </a:r>
           </a:p>
         </p:txBody>
@@ -13809,7 +8604,7 @@
     </p:spTree>
     <p:extLst>
       <p:ext uri="{BB962C8B-B14F-4D97-AF65-F5344CB8AC3E}">
-        <p14:creationId xmlns:p14="http://schemas.microsoft.com/office/powerpoint/2010/main" val="2589612038"/>
+        <p14:creationId xmlns:p14="http://schemas.microsoft.com/office/powerpoint/2010/main" val="1829953935"/>
       </p:ext>
     </p:extLst>
   </p:cSld>
